--- a/1-Documents/2-Delivrable/Poubelle_RFID_presentation.pptx
+++ b/1-Documents/2-Delivrable/Poubelle_RFID_presentation.pptx
@@ -1,13 +1,23 @@
 
 <file path=ppt/presentation.xml><?xml version="1.0" encoding="utf-8"?>
-<p:presentation xmlns:a="http://schemas.openxmlformats.org/drawingml/2006/main" xmlns:r="http://schemas.openxmlformats.org/officeDocument/2006/relationships" xmlns:p="http://schemas.openxmlformats.org/presentationml/2006/main" autoCompressPictures="0">
+<p:presentation xmlns:a="http://schemas.openxmlformats.org/drawingml/2006/main" xmlns:r="http://schemas.openxmlformats.org/officeDocument/2006/relationships" xmlns:p="http://schemas.openxmlformats.org/presentationml/2006/main" showSpecialPlsOnTitleSld="0" autoCompressPictures="0">
   <p:sldMasterIdLst>
     <p:sldMasterId id="2147483723" r:id="rId1"/>
   </p:sldMasterIdLst>
+  <p:notesMasterIdLst>
+    <p:notesMasterId r:id="rId12"/>
+  </p:notesMasterIdLst>
   <p:sldIdLst>
     <p:sldId id="256" r:id="rId2"/>
     <p:sldId id="257" r:id="rId3"/>
     <p:sldId id="259" r:id="rId4"/>
+    <p:sldId id="260" r:id="rId5"/>
+    <p:sldId id="261" r:id="rId6"/>
+    <p:sldId id="262" r:id="rId7"/>
+    <p:sldId id="263" r:id="rId8"/>
+    <p:sldId id="264" r:id="rId9"/>
+    <p:sldId id="265" r:id="rId10"/>
+    <p:sldId id="266" r:id="rId11"/>
   </p:sldIdLst>
   <p:sldSz cx="12192000" cy="6858000"/>
   <p:notesSz cx="6858000" cy="9144000"/>
@@ -106,7 +116,361 @@
       </a:defRPr>
     </a:lvl9pPr>
   </p:defaultTextStyle>
+  <p:extLst>
+    <p:ext uri="{EFAFB233-063F-42B5-8137-9DF3F51BA10A}">
+      <p15:sldGuideLst xmlns:p15="http://schemas.microsoft.com/office/powerpoint/2012/main"/>
+    </p:ext>
+  </p:extLst>
 </p:presentation>
+</file>
+
+<file path=ppt/notesMasters/notesMaster1.xml><?xml version="1.0" encoding="utf-8"?>
+<p:notesMaster xmlns:a="http://schemas.openxmlformats.org/drawingml/2006/main" xmlns:r="http://schemas.openxmlformats.org/officeDocument/2006/relationships" xmlns:p="http://schemas.openxmlformats.org/presentationml/2006/main">
+  <p:cSld>
+    <p:bg>
+      <p:bgRef idx="1001">
+        <a:schemeClr val="bg1"/>
+      </p:bgRef>
+    </p:bg>
+    <p:spTree>
+      <p:nvGrpSpPr>
+        <p:cNvPr id="1" name=""/>
+        <p:cNvGrpSpPr/>
+        <p:nvPr/>
+      </p:nvGrpSpPr>
+      <p:grpSpPr>
+        <a:xfrm>
+          <a:off x="0" y="0"/>
+          <a:ext cx="0" cy="0"/>
+          <a:chOff x="0" y="0"/>
+          <a:chExt cx="0" cy="0"/>
+        </a:xfrm>
+      </p:grpSpPr>
+      <p:sp>
+        <p:nvSpPr>
+          <p:cNvPr id="2" name="Espace réservé de l'en-tête 1"/>
+          <p:cNvSpPr>
+            <a:spLocks noGrp="1"/>
+          </p:cNvSpPr>
+          <p:nvPr>
+            <p:ph type="hdr" sz="quarter"/>
+          </p:nvPr>
+        </p:nvSpPr>
+        <p:spPr>
+          <a:xfrm>
+            <a:off x="0" y="0"/>
+            <a:ext cx="2971800" cy="458788"/>
+          </a:xfrm>
+          <a:prstGeom prst="rect">
+            <a:avLst/>
+          </a:prstGeom>
+        </p:spPr>
+        <p:txBody>
+          <a:bodyPr vert="horz" lIns="91440" tIns="45720" rIns="91440" bIns="45720" rtlCol="0"/>
+          <a:lstStyle>
+            <a:lvl1pPr algn="l">
+              <a:defRPr sz="1200"/>
+            </a:lvl1pPr>
+          </a:lstStyle>
+          <a:p>
+            <a:endParaRPr lang="fr-FR"/>
+          </a:p>
+        </p:txBody>
+      </p:sp>
+      <p:sp>
+        <p:nvSpPr>
+          <p:cNvPr id="3" name="Espace réservé de la date 2"/>
+          <p:cNvSpPr>
+            <a:spLocks noGrp="1"/>
+          </p:cNvSpPr>
+          <p:nvPr>
+            <p:ph type="dt" idx="1"/>
+          </p:nvPr>
+        </p:nvSpPr>
+        <p:spPr>
+          <a:xfrm>
+            <a:off x="3884613" y="0"/>
+            <a:ext cx="2971800" cy="458788"/>
+          </a:xfrm>
+          <a:prstGeom prst="rect">
+            <a:avLst/>
+          </a:prstGeom>
+        </p:spPr>
+        <p:txBody>
+          <a:bodyPr vert="horz" lIns="91440" tIns="45720" rIns="91440" bIns="45720" rtlCol="0"/>
+          <a:lstStyle>
+            <a:lvl1pPr algn="r">
+              <a:defRPr sz="1200"/>
+            </a:lvl1pPr>
+          </a:lstStyle>
+          <a:p>
+            <a:fld id="{9203C876-C08C-4795-803F-7F1B4FA5AF3D}" type="datetimeFigureOut">
+              <a:rPr lang="fr-FR" smtClean="0"/>
+              <a:t>15/07/2019</a:t>
+            </a:fld>
+            <a:endParaRPr lang="fr-FR"/>
+          </a:p>
+        </p:txBody>
+      </p:sp>
+      <p:sp>
+        <p:nvSpPr>
+          <p:cNvPr id="4" name="Espace réservé de l'image des diapositives 3"/>
+          <p:cNvSpPr>
+            <a:spLocks noGrp="1" noRot="1" noChangeAspect="1"/>
+          </p:cNvSpPr>
+          <p:nvPr>
+            <p:ph type="sldImg" idx="2"/>
+          </p:nvPr>
+        </p:nvSpPr>
+        <p:spPr>
+          <a:xfrm>
+            <a:off x="685800" y="1143000"/>
+            <a:ext cx="5486400" cy="3086100"/>
+          </a:xfrm>
+          <a:prstGeom prst="rect">
+            <a:avLst/>
+          </a:prstGeom>
+          <a:noFill/>
+          <a:ln w="12700">
+            <a:solidFill>
+              <a:prstClr val="black"/>
+            </a:solidFill>
+          </a:ln>
+        </p:spPr>
+        <p:txBody>
+          <a:bodyPr vert="horz" lIns="91440" tIns="45720" rIns="91440" bIns="45720" rtlCol="0" anchor="ctr"/>
+          <a:lstStyle/>
+          <a:p>
+            <a:endParaRPr lang="fr-FR"/>
+          </a:p>
+        </p:txBody>
+      </p:sp>
+      <p:sp>
+        <p:nvSpPr>
+          <p:cNvPr id="5" name="Espace réservé des notes 4"/>
+          <p:cNvSpPr>
+            <a:spLocks noGrp="1"/>
+          </p:cNvSpPr>
+          <p:nvPr>
+            <p:ph type="body" sz="quarter" idx="3"/>
+          </p:nvPr>
+        </p:nvSpPr>
+        <p:spPr>
+          <a:xfrm>
+            <a:off x="685800" y="4400550"/>
+            <a:ext cx="5486400" cy="3600450"/>
+          </a:xfrm>
+          <a:prstGeom prst="rect">
+            <a:avLst/>
+          </a:prstGeom>
+        </p:spPr>
+        <p:txBody>
+          <a:bodyPr vert="horz" lIns="91440" tIns="45720" rIns="91440" bIns="45720" rtlCol="0"/>
+          <a:lstStyle/>
+          <a:p>
+            <a:pPr lvl="0"/>
+            <a:r>
+              <a:rPr lang="fr-FR"/>
+              <a:t>Cliquez pour modifier les styles du texte du masque</a:t>
+            </a:r>
+          </a:p>
+          <a:p>
+            <a:pPr lvl="1"/>
+            <a:r>
+              <a:rPr lang="fr-FR"/>
+              <a:t>Deuxième niveau</a:t>
+            </a:r>
+          </a:p>
+          <a:p>
+            <a:pPr lvl="2"/>
+            <a:r>
+              <a:rPr lang="fr-FR"/>
+              <a:t>Troisième niveau</a:t>
+            </a:r>
+          </a:p>
+          <a:p>
+            <a:pPr lvl="3"/>
+            <a:r>
+              <a:rPr lang="fr-FR"/>
+              <a:t>Quatrième niveau</a:t>
+            </a:r>
+          </a:p>
+          <a:p>
+            <a:pPr lvl="4"/>
+            <a:r>
+              <a:rPr lang="fr-FR"/>
+              <a:t>Cinquième niveau</a:t>
+            </a:r>
+          </a:p>
+        </p:txBody>
+      </p:sp>
+      <p:sp>
+        <p:nvSpPr>
+          <p:cNvPr id="6" name="Espace réservé du pied de page 5"/>
+          <p:cNvSpPr>
+            <a:spLocks noGrp="1"/>
+          </p:cNvSpPr>
+          <p:nvPr>
+            <p:ph type="ftr" sz="quarter" idx="4"/>
+          </p:nvPr>
+        </p:nvSpPr>
+        <p:spPr>
+          <a:xfrm>
+            <a:off x="0" y="8685213"/>
+            <a:ext cx="2971800" cy="458787"/>
+          </a:xfrm>
+          <a:prstGeom prst="rect">
+            <a:avLst/>
+          </a:prstGeom>
+        </p:spPr>
+        <p:txBody>
+          <a:bodyPr vert="horz" lIns="91440" tIns="45720" rIns="91440" bIns="45720" rtlCol="0" anchor="b"/>
+          <a:lstStyle>
+            <a:lvl1pPr algn="l">
+              <a:defRPr sz="1200"/>
+            </a:lvl1pPr>
+          </a:lstStyle>
+          <a:p>
+            <a:endParaRPr lang="fr-FR"/>
+          </a:p>
+        </p:txBody>
+      </p:sp>
+      <p:sp>
+        <p:nvSpPr>
+          <p:cNvPr id="7" name="Espace réservé du numéro de diapositive 6"/>
+          <p:cNvSpPr>
+            <a:spLocks noGrp="1"/>
+          </p:cNvSpPr>
+          <p:nvPr>
+            <p:ph type="sldNum" sz="quarter" idx="5"/>
+          </p:nvPr>
+        </p:nvSpPr>
+        <p:spPr>
+          <a:xfrm>
+            <a:off x="3884613" y="8685213"/>
+            <a:ext cx="2971800" cy="458787"/>
+          </a:xfrm>
+          <a:prstGeom prst="rect">
+            <a:avLst/>
+          </a:prstGeom>
+        </p:spPr>
+        <p:txBody>
+          <a:bodyPr vert="horz" lIns="91440" tIns="45720" rIns="91440" bIns="45720" rtlCol="0" anchor="b"/>
+          <a:lstStyle>
+            <a:lvl1pPr algn="r">
+              <a:defRPr sz="1200"/>
+            </a:lvl1pPr>
+          </a:lstStyle>
+          <a:p>
+            <a:fld id="{DBB268B9-D11A-451E-AAC4-5578C2D702A4}" type="slidenum">
+              <a:rPr lang="fr-FR" smtClean="0"/>
+              <a:t>‹N°›</a:t>
+            </a:fld>
+            <a:endParaRPr lang="fr-FR"/>
+          </a:p>
+        </p:txBody>
+      </p:sp>
+    </p:spTree>
+    <p:extLst>
+      <p:ext uri="{BB962C8B-B14F-4D97-AF65-F5344CB8AC3E}">
+        <p14:creationId xmlns:p14="http://schemas.microsoft.com/office/powerpoint/2010/main" val="3992418919"/>
+      </p:ext>
+    </p:extLst>
+  </p:cSld>
+  <p:clrMap bg1="lt1" tx1="dk1" bg2="lt2" tx2="dk2" accent1="accent1" accent2="accent2" accent3="accent3" accent4="accent4" accent5="accent5" accent6="accent6" hlink="hlink" folHlink="folHlink"/>
+  <p:notesStyle>
+    <a:lvl1pPr marL="0" algn="l" defTabSz="914400" rtl="0" eaLnBrk="1" latinLnBrk="0" hangingPunct="1">
+      <a:defRPr sz="1200" kern="1200">
+        <a:solidFill>
+          <a:schemeClr val="tx1"/>
+        </a:solidFill>
+        <a:latin typeface="+mn-lt"/>
+        <a:ea typeface="+mn-ea"/>
+        <a:cs typeface="+mn-cs"/>
+      </a:defRPr>
+    </a:lvl1pPr>
+    <a:lvl2pPr marL="457200" algn="l" defTabSz="914400" rtl="0" eaLnBrk="1" latinLnBrk="0" hangingPunct="1">
+      <a:defRPr sz="1200" kern="1200">
+        <a:solidFill>
+          <a:schemeClr val="tx1"/>
+        </a:solidFill>
+        <a:latin typeface="+mn-lt"/>
+        <a:ea typeface="+mn-ea"/>
+        <a:cs typeface="+mn-cs"/>
+      </a:defRPr>
+    </a:lvl2pPr>
+    <a:lvl3pPr marL="914400" algn="l" defTabSz="914400" rtl="0" eaLnBrk="1" latinLnBrk="0" hangingPunct="1">
+      <a:defRPr sz="1200" kern="1200">
+        <a:solidFill>
+          <a:schemeClr val="tx1"/>
+        </a:solidFill>
+        <a:latin typeface="+mn-lt"/>
+        <a:ea typeface="+mn-ea"/>
+        <a:cs typeface="+mn-cs"/>
+      </a:defRPr>
+    </a:lvl3pPr>
+    <a:lvl4pPr marL="1371600" algn="l" defTabSz="914400" rtl="0" eaLnBrk="1" latinLnBrk="0" hangingPunct="1">
+      <a:defRPr sz="1200" kern="1200">
+        <a:solidFill>
+          <a:schemeClr val="tx1"/>
+        </a:solidFill>
+        <a:latin typeface="+mn-lt"/>
+        <a:ea typeface="+mn-ea"/>
+        <a:cs typeface="+mn-cs"/>
+      </a:defRPr>
+    </a:lvl4pPr>
+    <a:lvl5pPr marL="1828800" algn="l" defTabSz="914400" rtl="0" eaLnBrk="1" latinLnBrk="0" hangingPunct="1">
+      <a:defRPr sz="1200" kern="1200">
+        <a:solidFill>
+          <a:schemeClr val="tx1"/>
+        </a:solidFill>
+        <a:latin typeface="+mn-lt"/>
+        <a:ea typeface="+mn-ea"/>
+        <a:cs typeface="+mn-cs"/>
+      </a:defRPr>
+    </a:lvl5pPr>
+    <a:lvl6pPr marL="2286000" algn="l" defTabSz="914400" rtl="0" eaLnBrk="1" latinLnBrk="0" hangingPunct="1">
+      <a:defRPr sz="1200" kern="1200">
+        <a:solidFill>
+          <a:schemeClr val="tx1"/>
+        </a:solidFill>
+        <a:latin typeface="+mn-lt"/>
+        <a:ea typeface="+mn-ea"/>
+        <a:cs typeface="+mn-cs"/>
+      </a:defRPr>
+    </a:lvl6pPr>
+    <a:lvl7pPr marL="2743200" algn="l" defTabSz="914400" rtl="0" eaLnBrk="1" latinLnBrk="0" hangingPunct="1">
+      <a:defRPr sz="1200" kern="1200">
+        <a:solidFill>
+          <a:schemeClr val="tx1"/>
+        </a:solidFill>
+        <a:latin typeface="+mn-lt"/>
+        <a:ea typeface="+mn-ea"/>
+        <a:cs typeface="+mn-cs"/>
+      </a:defRPr>
+    </a:lvl7pPr>
+    <a:lvl8pPr marL="3200400" algn="l" defTabSz="914400" rtl="0" eaLnBrk="1" latinLnBrk="0" hangingPunct="1">
+      <a:defRPr sz="1200" kern="1200">
+        <a:solidFill>
+          <a:schemeClr val="tx1"/>
+        </a:solidFill>
+        <a:latin typeface="+mn-lt"/>
+        <a:ea typeface="+mn-ea"/>
+        <a:cs typeface="+mn-cs"/>
+      </a:defRPr>
+    </a:lvl8pPr>
+    <a:lvl9pPr marL="3657600" algn="l" defTabSz="914400" rtl="0" eaLnBrk="1" latinLnBrk="0" hangingPunct="1">
+      <a:defRPr sz="1200" kern="1200">
+        <a:solidFill>
+          <a:schemeClr val="tx1"/>
+        </a:solidFill>
+        <a:latin typeface="+mn-lt"/>
+        <a:ea typeface="+mn-ea"/>
+        <a:cs typeface="+mn-cs"/>
+      </a:defRPr>
+    </a:lvl9pPr>
+  </p:notesStyle>
+</p:notesMaster>
 </file>
 
 <file path=ppt/slideLayouts/slideLayout1.xml><?xml version="1.0" encoding="utf-8"?>
@@ -277,9 +641,9 @@
           <a:bodyPr/>
           <a:lstStyle/>
           <a:p>
-            <a:fld id="{48A87A34-81AB-432B-8DAE-1953F412C126}" type="datetimeFigureOut">
+            <a:fld id="{A0FD06D5-736C-4F59-AA65-7C9FFDD51E61}" type="datetime1">
               <a:rPr lang="en-US" smtClean="0"/>
-              <a:t>7/14/2019</a:t>
+              <a:t>7/15/2019</a:t>
             </a:fld>
             <a:endParaRPr lang="en-US" dirty="0"/>
           </a:p>
@@ -544,9 +908,9 @@
           <a:bodyPr/>
           <a:lstStyle/>
           <a:p>
-            <a:fld id="{48A87A34-81AB-432B-8DAE-1953F412C126}" type="datetimeFigureOut">
+            <a:fld id="{5B07BC1A-CB49-4E8F-BB36-75A3306E9169}" type="datetime1">
               <a:rPr lang="en-US" smtClean="0"/>
-              <a:t>7/14/2019</a:t>
+              <a:t>7/15/2019</a:t>
             </a:fld>
             <a:endParaRPr lang="en-US" dirty="0"/>
           </a:p>
@@ -775,10 +1139,9 @@
             </a:lvl1pPr>
           </a:lstStyle>
           <a:p>
-            <a:fld id="{48A87A34-81AB-432B-8DAE-1953F412C126}" type="datetimeFigureOut">
+            <a:fld id="{F339652C-C1F6-43E4-8514-EF43A1D72BED}" type="datetime1">
               <a:rPr lang="en-US" smtClean="0"/>
-              <a:pPr/>
-              <a:t>7/14/2019</a:t>
+              <a:t>7/15/2019</a:t>
             </a:fld>
             <a:endParaRPr lang="en-US" dirty="0"/>
           </a:p>
@@ -1086,10 +1449,9 @@
             </a:lvl1pPr>
           </a:lstStyle>
           <a:p>
-            <a:fld id="{48A87A34-81AB-432B-8DAE-1953F412C126}" type="datetimeFigureOut">
+            <a:fld id="{575BB055-629A-40EB-8D51-EDAB71D452CA}" type="datetime1">
               <a:rPr lang="en-US" smtClean="0"/>
-              <a:pPr/>
-              <a:t>7/14/2019</a:t>
+              <a:t>7/15/2019</a:t>
             </a:fld>
             <a:endParaRPr lang="en-US" dirty="0"/>
           </a:p>
@@ -1560,10 +1922,9 @@
             </a:lvl1pPr>
           </a:lstStyle>
           <a:p>
-            <a:fld id="{48A87A34-81AB-432B-8DAE-1953F412C126}" type="datetimeFigureOut">
+            <a:fld id="{6285794F-DC9A-49F5-9E0F-426CB68EB7D0}" type="datetime1">
               <a:rPr lang="en-US" smtClean="0"/>
-              <a:pPr/>
-              <a:t>7/14/2019</a:t>
+              <a:t>7/15/2019</a:t>
             </a:fld>
             <a:endParaRPr lang="en-US" dirty="0"/>
           </a:p>
@@ -2108,9 +2469,9 @@
           <a:bodyPr/>
           <a:lstStyle/>
           <a:p>
-            <a:fld id="{48A87A34-81AB-432B-8DAE-1953F412C126}" type="datetimeFigureOut">
+            <a:fld id="{296F76A6-28B7-49F6-AB4A-467937DEA622}" type="datetime1">
               <a:rPr lang="en-US" smtClean="0"/>
-              <a:t>7/14/2019</a:t>
+              <a:t>7/15/2019</a:t>
             </a:fld>
             <a:endParaRPr lang="en-US" dirty="0"/>
           </a:p>
@@ -2882,9 +3243,9 @@
           <a:bodyPr/>
           <a:lstStyle/>
           <a:p>
-            <a:fld id="{48A87A34-81AB-432B-8DAE-1953F412C126}" type="datetimeFigureOut">
+            <a:fld id="{CEBAC6C2-FDC8-41C9-8234-BB062FDAC059}" type="datetime1">
               <a:rPr lang="en-US" smtClean="0"/>
-              <a:t>7/14/2019</a:t>
+              <a:t>7/15/2019</a:t>
             </a:fld>
             <a:endParaRPr lang="en-US" dirty="0"/>
           </a:p>
@@ -3057,9 +3418,9 @@
           <a:bodyPr/>
           <a:lstStyle/>
           <a:p>
-            <a:fld id="{48A87A34-81AB-432B-8DAE-1953F412C126}" type="datetimeFigureOut">
+            <a:fld id="{6803D38F-B818-47E9-9C0B-82B4B552A909}" type="datetime1">
               <a:rPr lang="en-US" smtClean="0"/>
-              <a:t>7/14/2019</a:t>
+              <a:t>7/15/2019</a:t>
             </a:fld>
             <a:endParaRPr lang="en-US" dirty="0"/>
           </a:p>
@@ -3280,10 +3641,9 @@
             </a:lvl1pPr>
           </a:lstStyle>
           <a:p>
-            <a:fld id="{48A87A34-81AB-432B-8DAE-1953F412C126}" type="datetimeFigureOut">
+            <a:fld id="{ED610336-3DAC-4E1D-A451-B5BFFA742E8F}" type="datetime1">
               <a:rPr lang="en-US" smtClean="0"/>
-              <a:pPr/>
-              <a:t>7/14/2019</a:t>
+              <a:t>7/15/2019</a:t>
             </a:fld>
             <a:endParaRPr lang="en-US" dirty="0"/>
           </a:p>
@@ -3461,9 +3821,9 @@
           <a:bodyPr/>
           <a:lstStyle/>
           <a:p>
-            <a:fld id="{48A87A34-81AB-432B-8DAE-1953F412C126}" type="datetimeFigureOut">
+            <a:fld id="{38999884-E698-4FB9-81C7-8FB9F52271E2}" type="datetime1">
               <a:rPr lang="en-US" smtClean="0"/>
-              <a:t>7/14/2019</a:t>
+              <a:t>7/15/2019</a:t>
             </a:fld>
             <a:endParaRPr lang="en-US" dirty="0"/>
           </a:p>
@@ -3750,10 +4110,9 @@
             </a:lvl1pPr>
           </a:lstStyle>
           <a:p>
-            <a:fld id="{48A87A34-81AB-432B-8DAE-1953F412C126}" type="datetimeFigureOut">
+            <a:fld id="{A8E805BE-676E-427B-B60B-8CA50A73BE3E}" type="datetime1">
               <a:rPr lang="en-US" smtClean="0"/>
-              <a:pPr/>
-              <a:t>7/14/2019</a:t>
+              <a:t>7/15/2019</a:t>
             </a:fld>
             <a:endParaRPr lang="en-US" dirty="0"/>
           </a:p>
@@ -3993,9 +4352,9 @@
           <a:bodyPr/>
           <a:lstStyle/>
           <a:p>
-            <a:fld id="{48A87A34-81AB-432B-8DAE-1953F412C126}" type="datetimeFigureOut">
+            <a:fld id="{147F3227-A637-4716-850E-EB626BA0D21F}" type="datetime1">
               <a:rPr lang="en-US" smtClean="0"/>
-              <a:t>7/14/2019</a:t>
+              <a:t>7/15/2019</a:t>
             </a:fld>
             <a:endParaRPr lang="en-US" dirty="0"/>
           </a:p>
@@ -4372,9 +4731,9 @@
           <a:bodyPr/>
           <a:lstStyle/>
           <a:p>
-            <a:fld id="{48A87A34-81AB-432B-8DAE-1953F412C126}" type="datetimeFigureOut">
+            <a:fld id="{3BAAB01F-CF89-4CA8-87A8-164225596CCB}" type="datetime1">
               <a:rPr lang="en-US" smtClean="0"/>
-              <a:t>7/14/2019</a:t>
+              <a:t>7/15/2019</a:t>
             </a:fld>
             <a:endParaRPr lang="en-US" dirty="0"/>
           </a:p>
@@ -4490,9 +4849,9 @@
           <a:bodyPr/>
           <a:lstStyle/>
           <a:p>
-            <a:fld id="{48A87A34-81AB-432B-8DAE-1953F412C126}" type="datetimeFigureOut">
+            <a:fld id="{A1B23450-F95B-4373-A578-767D0611CED1}" type="datetime1">
               <a:rPr lang="en-US" smtClean="0"/>
-              <a:t>7/14/2019</a:t>
+              <a:t>7/15/2019</a:t>
             </a:fld>
             <a:endParaRPr lang="en-US" dirty="0"/>
           </a:p>
@@ -4585,9 +4944,9 @@
           <a:bodyPr/>
           <a:lstStyle/>
           <a:p>
-            <a:fld id="{48A87A34-81AB-432B-8DAE-1953F412C126}" type="datetimeFigureOut">
+            <a:fld id="{15C2876C-363C-47CF-A4EF-76BD89191EF3}" type="datetime1">
               <a:rPr lang="en-US" smtClean="0"/>
-              <a:t>7/14/2019</a:t>
+              <a:t>7/15/2019</a:t>
             </a:fld>
             <a:endParaRPr lang="en-US" dirty="0"/>
           </a:p>
@@ -4834,9 +5193,9 @@
           <a:bodyPr/>
           <a:lstStyle/>
           <a:p>
-            <a:fld id="{48A87A34-81AB-432B-8DAE-1953F412C126}" type="datetimeFigureOut">
+            <a:fld id="{CE60AE45-6F73-4027-9739-5F4EA03A1158}" type="datetime1">
               <a:rPr lang="en-US" smtClean="0"/>
-              <a:t>7/14/2019</a:t>
+              <a:t>7/15/2019</a:t>
             </a:fld>
             <a:endParaRPr lang="en-US" dirty="0"/>
           </a:p>
@@ -5091,9 +5450,9 @@
           <a:bodyPr/>
           <a:lstStyle/>
           <a:p>
-            <a:fld id="{48A87A34-81AB-432B-8DAE-1953F412C126}" type="datetimeFigureOut">
+            <a:fld id="{6879A6F7-9EA4-4674-84C9-C471C0A3B6D4}" type="datetime1">
               <a:rPr lang="en-US" smtClean="0"/>
-              <a:t>7/14/2019</a:t>
+              <a:t>7/15/2019</a:t>
             </a:fld>
             <a:endParaRPr lang="en-US" dirty="0"/>
           </a:p>
@@ -5334,10 +5693,9 @@
             </a:lvl1pPr>
           </a:lstStyle>
           <a:p>
-            <a:fld id="{48A87A34-81AB-432B-8DAE-1953F412C126}" type="datetimeFigureOut">
+            <a:fld id="{980D4CAE-8E97-4926-BC35-C2D21126A75B}" type="datetime1">
               <a:rPr lang="en-US" smtClean="0"/>
-              <a:pPr/>
-              <a:t>7/14/2019</a:t>
+              <a:t>7/15/2019</a:t>
             </a:fld>
             <a:endParaRPr lang="en-US" dirty="0"/>
           </a:p>
@@ -5449,6 +5807,7 @@
     <p:sldLayoutId id="2147483739" r:id="rId16"/>
     <p:sldLayoutId id="2147483740" r:id="rId17"/>
   </p:sldLayoutIdLst>
+  <p:hf hdr="0" ftr="0" dt="0"/>
   <p:txStyles>
     <p:titleStyle>
       <a:lvl1pPr algn="r" defTabSz="914400" rtl="0" eaLnBrk="1" latinLnBrk="0" hangingPunct="1">
@@ -6044,35 +6403,83 @@
           <a:lstStyle/>
           <a:p>
             <a:r>
-              <a:rPr lang="fr-FR" sz="1400" dirty="0"/>
+              <a:rPr lang="fr-FR" sz="1400" dirty="0">
+                <a:solidFill>
+                  <a:schemeClr val="accent5">
+                    <a:lumMod val="75000"/>
+                  </a:schemeClr>
+                </a:solidFill>
+              </a:rPr>
               <a:t>Z. El </a:t>
             </a:r>
             <a:r>
-              <a:rPr lang="fr-FR" sz="1400" dirty="0" err="1"/>
+              <a:rPr lang="fr-FR" sz="1400" dirty="0" err="1">
+                <a:solidFill>
+                  <a:schemeClr val="accent5">
+                    <a:lumMod val="75000"/>
+                  </a:schemeClr>
+                </a:solidFill>
+              </a:rPr>
               <a:t>Mokaddem</a:t>
             </a:r>
-            <a:endParaRPr lang="fr-FR" sz="1400" dirty="0"/>
-          </a:p>
-          <a:p>
-            <a:r>
-              <a:rPr lang="fr-FR" sz="1400" dirty="0"/>
+            <a:endParaRPr lang="fr-FR" sz="1400" dirty="0">
+              <a:solidFill>
+                <a:schemeClr val="accent5">
+                  <a:lumMod val="75000"/>
+                </a:schemeClr>
+              </a:solidFill>
+            </a:endParaRPr>
+          </a:p>
+          <a:p>
+            <a:r>
+              <a:rPr lang="fr-FR" sz="1400" dirty="0">
+                <a:solidFill>
+                  <a:schemeClr val="accent5">
+                    <a:lumMod val="75000"/>
+                  </a:schemeClr>
+                </a:solidFill>
+              </a:rPr>
               <a:t>C. </a:t>
             </a:r>
             <a:r>
-              <a:rPr lang="fr-FR" sz="1400" dirty="0" err="1"/>
+              <a:rPr lang="fr-FR" sz="1400" dirty="0" err="1">
+                <a:solidFill>
+                  <a:schemeClr val="accent5">
+                    <a:lumMod val="75000"/>
+                  </a:schemeClr>
+                </a:solidFill>
+              </a:rPr>
               <a:t>Gandolphe</a:t>
             </a:r>
-            <a:endParaRPr lang="fr-FR" sz="1400" dirty="0"/>
-          </a:p>
-          <a:p>
-            <a:r>
-              <a:rPr lang="fr-FR" sz="1400" dirty="0"/>
+            <a:endParaRPr lang="fr-FR" sz="1400" dirty="0">
+              <a:solidFill>
+                <a:schemeClr val="accent5">
+                  <a:lumMod val="75000"/>
+                </a:schemeClr>
+              </a:solidFill>
+            </a:endParaRPr>
+          </a:p>
+          <a:p>
+            <a:r>
+              <a:rPr lang="fr-FR" sz="1400" dirty="0">
+                <a:solidFill>
+                  <a:schemeClr val="accent5">
+                    <a:lumMod val="75000"/>
+                  </a:schemeClr>
+                </a:solidFill>
+              </a:rPr>
               <a:t>PA. Robin</a:t>
             </a:r>
           </a:p>
           <a:p>
             <a:r>
-              <a:rPr lang="fr-FR" sz="1400" dirty="0"/>
+              <a:rPr lang="fr-FR" sz="1400" dirty="0">
+                <a:solidFill>
+                  <a:schemeClr val="accent5">
+                    <a:lumMod val="75000"/>
+                  </a:schemeClr>
+                </a:solidFill>
+              </a:rPr>
               <a:t>A. Fabre</a:t>
             </a:r>
           </a:p>
@@ -6112,6 +6519,153 @@
     <p:extLst>
       <p:ext uri="{BB962C8B-B14F-4D97-AF65-F5344CB8AC3E}">
         <p14:creationId xmlns:p14="http://schemas.microsoft.com/office/powerpoint/2010/main" val="3484328264"/>
+      </p:ext>
+    </p:extLst>
+  </p:cSld>
+  <p:clrMapOvr>
+    <a:masterClrMapping/>
+  </p:clrMapOvr>
+</p:sld>
+</file>
+
+<file path=ppt/slides/slide10.xml><?xml version="1.0" encoding="utf-8"?>
+<p:sld xmlns:a="http://schemas.openxmlformats.org/drawingml/2006/main" xmlns:r="http://schemas.openxmlformats.org/officeDocument/2006/relationships" xmlns:p="http://schemas.openxmlformats.org/presentationml/2006/main">
+  <p:cSld>
+    <p:spTree>
+      <p:nvGrpSpPr>
+        <p:cNvPr id="1" name=""/>
+        <p:cNvGrpSpPr/>
+        <p:nvPr/>
+      </p:nvGrpSpPr>
+      <p:grpSpPr>
+        <a:xfrm>
+          <a:off x="0" y="0"/>
+          <a:ext cx="0" cy="0"/>
+          <a:chOff x="0" y="0"/>
+          <a:chExt cx="0" cy="0"/>
+        </a:xfrm>
+      </p:grpSpPr>
+      <p:sp>
+        <p:nvSpPr>
+          <p:cNvPr id="2" name="Titre 1">
+            <a:extLst>
+              <a:ext uri="{FF2B5EF4-FFF2-40B4-BE49-F238E27FC236}">
+                <a16:creationId xmlns:a16="http://schemas.microsoft.com/office/drawing/2014/main" id="{B54E9DC3-8254-425A-885A-47134922B303}"/>
+              </a:ext>
+            </a:extLst>
+          </p:cNvPr>
+          <p:cNvSpPr>
+            <a:spLocks noGrp="1"/>
+          </p:cNvSpPr>
+          <p:nvPr>
+            <p:ph type="title"/>
+          </p:nvPr>
+        </p:nvSpPr>
+        <p:spPr/>
+        <p:txBody>
+          <a:bodyPr/>
+          <a:lstStyle/>
+          <a:p>
+            <a:r>
+              <a:rPr lang="fr-FR" dirty="0"/>
+              <a:t>Schématique &amp; routage</a:t>
+            </a:r>
+          </a:p>
+        </p:txBody>
+      </p:sp>
+      <p:pic>
+        <p:nvPicPr>
+          <p:cNvPr id="4" name="Image 3">
+            <a:extLst>
+              <a:ext uri="{FF2B5EF4-FFF2-40B4-BE49-F238E27FC236}">
+                <a16:creationId xmlns:a16="http://schemas.microsoft.com/office/drawing/2014/main" id="{A7C56882-95B4-4564-BB36-888C490FBF89}"/>
+              </a:ext>
+            </a:extLst>
+          </p:cNvPr>
+          <p:cNvPicPr>
+            <a:picLocks noChangeAspect="1"/>
+          </p:cNvPicPr>
+          <p:nvPr/>
+        </p:nvPicPr>
+        <p:blipFill>
+          <a:blip r:embed="rId2"/>
+          <a:stretch>
+            <a:fillRect/>
+          </a:stretch>
+        </p:blipFill>
+        <p:spPr>
+          <a:xfrm>
+            <a:off x="479451" y="2057401"/>
+            <a:ext cx="6056261" cy="4003291"/>
+          </a:xfrm>
+          <a:prstGeom prst="rect">
+            <a:avLst/>
+          </a:prstGeom>
+        </p:spPr>
+      </p:pic>
+      <p:pic>
+        <p:nvPicPr>
+          <p:cNvPr id="6" name="Image 5" descr="Une image contenant porte, bâtiment&#10;&#10;Description générée automatiquement">
+            <a:extLst>
+              <a:ext uri="{FF2B5EF4-FFF2-40B4-BE49-F238E27FC236}">
+                <a16:creationId xmlns:a16="http://schemas.microsoft.com/office/drawing/2014/main" id="{7D0FB85D-5C03-4E89-93A2-C3C268C1847B}"/>
+              </a:ext>
+            </a:extLst>
+          </p:cNvPr>
+          <p:cNvPicPr>
+            <a:picLocks noChangeAspect="1"/>
+          </p:cNvPicPr>
+          <p:nvPr/>
+        </p:nvPicPr>
+        <p:blipFill>
+          <a:blip r:embed="rId3"/>
+          <a:stretch>
+            <a:fillRect/>
+          </a:stretch>
+        </p:blipFill>
+        <p:spPr>
+          <a:xfrm>
+            <a:off x="7066845" y="2057401"/>
+            <a:ext cx="4439356" cy="4009293"/>
+          </a:xfrm>
+          <a:prstGeom prst="rect">
+            <a:avLst/>
+          </a:prstGeom>
+        </p:spPr>
+      </p:pic>
+      <p:sp>
+        <p:nvSpPr>
+          <p:cNvPr id="3" name="Espace réservé du numéro de diapositive 2">
+            <a:extLst>
+              <a:ext uri="{FF2B5EF4-FFF2-40B4-BE49-F238E27FC236}">
+                <a16:creationId xmlns:a16="http://schemas.microsoft.com/office/drawing/2014/main" id="{ECD55518-22D5-47D8-A00B-81298A59363A}"/>
+              </a:ext>
+            </a:extLst>
+          </p:cNvPr>
+          <p:cNvSpPr>
+            <a:spLocks noGrp="1"/>
+          </p:cNvSpPr>
+          <p:nvPr>
+            <p:ph type="sldNum" sz="quarter" idx="12"/>
+          </p:nvPr>
+        </p:nvSpPr>
+        <p:spPr/>
+        <p:txBody>
+          <a:bodyPr/>
+          <a:lstStyle/>
+          <a:p>
+            <a:fld id="{6D22F896-40B5-4ADD-8801-0D06FADFA095}" type="slidenum">
+              <a:rPr lang="en-US" smtClean="0"/>
+              <a:t>10</a:t>
+            </a:fld>
+            <a:endParaRPr lang="en-US" dirty="0"/>
+          </a:p>
+        </p:txBody>
+      </p:sp>
+    </p:spTree>
+    <p:extLst>
+      <p:ext uri="{BB962C8B-B14F-4D97-AF65-F5344CB8AC3E}">
+        <p14:creationId xmlns:p14="http://schemas.microsoft.com/office/powerpoint/2010/main" val="3298780186"/>
       </p:ext>
     </p:extLst>
   </p:cSld>
@@ -6379,6 +6933,35 @@
               </a:rPr>
               <a:t>Réveil du système</a:t>
             </a:r>
+          </a:p>
+        </p:txBody>
+      </p:sp>
+      <p:sp>
+        <p:nvSpPr>
+          <p:cNvPr id="3" name="Espace réservé du numéro de diapositive 2">
+            <a:extLst>
+              <a:ext uri="{FF2B5EF4-FFF2-40B4-BE49-F238E27FC236}">
+                <a16:creationId xmlns:a16="http://schemas.microsoft.com/office/drawing/2014/main" id="{1D13EDC4-B4B9-43BC-B9FB-EA9FE4974EF3}"/>
+              </a:ext>
+            </a:extLst>
+          </p:cNvPr>
+          <p:cNvSpPr>
+            <a:spLocks noGrp="1"/>
+          </p:cNvSpPr>
+          <p:nvPr>
+            <p:ph type="sldNum" sz="quarter" idx="12"/>
+          </p:nvPr>
+        </p:nvSpPr>
+        <p:spPr/>
+        <p:txBody>
+          <a:bodyPr/>
+          <a:lstStyle/>
+          <a:p>
+            <a:fld id="{6D22F896-40B5-4ADD-8801-0D06FADFA095}" type="slidenum">
+              <a:rPr lang="en-US" smtClean="0"/>
+              <a:t>2</a:t>
+            </a:fld>
+            <a:endParaRPr lang="en-US" dirty="0"/>
           </a:p>
         </p:txBody>
       </p:sp>
@@ -6447,10 +7030,10 @@
       </p:sp>
       <p:pic>
         <p:nvPicPr>
-          <p:cNvPr id="5" name="Image 4">
+          <p:cNvPr id="8" name="Image 7" descr="Une image contenant équipement électronique, circuit&#10;&#10;Description générée automatiquement">
             <a:extLst>
               <a:ext uri="{FF2B5EF4-FFF2-40B4-BE49-F238E27FC236}">
-                <a16:creationId xmlns:a16="http://schemas.microsoft.com/office/drawing/2014/main" id="{606B8310-297D-427F-9BFC-23BAAB497E6E}"/>
+                <a16:creationId xmlns:a16="http://schemas.microsoft.com/office/drawing/2014/main" id="{409CD7A0-785D-45CD-9BCC-D8CE34F13A0E}"/>
               </a:ext>
             </a:extLst>
           </p:cNvPr>
@@ -6467,37 +7050,7 @@
         </p:blipFill>
         <p:spPr>
           <a:xfrm>
-            <a:off x="8286051" y="2885970"/>
-            <a:ext cx="3049608" cy="2569894"/>
-          </a:xfrm>
-          <a:prstGeom prst="rect">
-            <a:avLst/>
-          </a:prstGeom>
-        </p:spPr>
-      </p:pic>
-      <p:pic>
-        <p:nvPicPr>
-          <p:cNvPr id="8" name="Image 7" descr="Une image contenant équipement électronique, circuit&#10;&#10;Description générée automatiquement">
-            <a:extLst>
-              <a:ext uri="{FF2B5EF4-FFF2-40B4-BE49-F238E27FC236}">
-                <a16:creationId xmlns:a16="http://schemas.microsoft.com/office/drawing/2014/main" id="{409CD7A0-785D-45CD-9BCC-D8CE34F13A0E}"/>
-              </a:ext>
-            </a:extLst>
-          </p:cNvPr>
-          <p:cNvPicPr>
-            <a:picLocks noChangeAspect="1"/>
-          </p:cNvPicPr>
-          <p:nvPr/>
-        </p:nvPicPr>
-        <p:blipFill>
-          <a:blip r:embed="rId3"/>
-          <a:stretch>
-            <a:fillRect/>
-          </a:stretch>
-        </p:blipFill>
-        <p:spPr>
-          <a:xfrm>
-            <a:off x="698293" y="2567088"/>
+            <a:off x="601940" y="2586226"/>
             <a:ext cx="3207657" cy="3207657"/>
           </a:xfrm>
           <a:prstGeom prst="rect">
@@ -6615,7 +7168,21 @@
           <a:p>
             <a:r>
               <a:rPr lang="fr-FR" dirty="0"/>
-              <a:t>Requête HTTP (Code barre)</a:t>
+              <a:t>Requête HTTP (</a:t>
+            </a:r>
+            <a:r>
+              <a:rPr lang="fr-FR" dirty="0">
+                <a:solidFill>
+                  <a:schemeClr val="accent5">
+                    <a:lumMod val="75000"/>
+                  </a:schemeClr>
+                </a:solidFill>
+              </a:rPr>
+              <a:t>Code barre</a:t>
+            </a:r>
+            <a:r>
+              <a:rPr lang="fr-FR" dirty="0"/>
+              <a:t>)</a:t>
             </a:r>
           </a:p>
         </p:txBody>
@@ -6650,8 +7217,111 @@
           <a:p>
             <a:r>
               <a:rPr lang="fr-FR" dirty="0"/>
-              <a:t>Structure produit (JSON)</a:t>
-            </a:r>
+              <a:t>Données produit (</a:t>
+            </a:r>
+            <a:r>
+              <a:rPr lang="fr-FR" dirty="0">
+                <a:solidFill>
+                  <a:schemeClr val="accent5">
+                    <a:lumMod val="75000"/>
+                  </a:schemeClr>
+                </a:solidFill>
+              </a:rPr>
+              <a:t>JSON</a:t>
+            </a:r>
+            <a:r>
+              <a:rPr lang="fr-FR" dirty="0"/>
+              <a:t>)</a:t>
+            </a:r>
+          </a:p>
+        </p:txBody>
+      </p:sp>
+      <p:pic>
+        <p:nvPicPr>
+          <p:cNvPr id="4" name="Image 3">
+            <a:extLst>
+              <a:ext uri="{FF2B5EF4-FFF2-40B4-BE49-F238E27FC236}">
+                <a16:creationId xmlns:a16="http://schemas.microsoft.com/office/drawing/2014/main" id="{EB39624F-4BD8-434A-A366-D6C6F7AEBC12}"/>
+              </a:ext>
+            </a:extLst>
+          </p:cNvPr>
+          <p:cNvPicPr>
+            <a:picLocks noChangeAspect="1"/>
+          </p:cNvPicPr>
+          <p:nvPr/>
+        </p:nvPicPr>
+        <p:blipFill>
+          <a:blip r:embed="rId3"/>
+          <a:stretch>
+            <a:fillRect/>
+          </a:stretch>
+        </p:blipFill>
+        <p:spPr>
+          <a:xfrm>
+            <a:off x="7859889" y="2630766"/>
+            <a:ext cx="3646311" cy="2524643"/>
+          </a:xfrm>
+          <a:prstGeom prst="rect">
+            <a:avLst/>
+          </a:prstGeom>
+        </p:spPr>
+      </p:pic>
+      <p:pic>
+        <p:nvPicPr>
+          <p:cNvPr id="7" name="Image 6" descr="Une image contenant bouteille, eau potable, intérieur, boisson&#10;&#10;Description générée automatiquement">
+            <a:extLst>
+              <a:ext uri="{FF2B5EF4-FFF2-40B4-BE49-F238E27FC236}">
+                <a16:creationId xmlns:a16="http://schemas.microsoft.com/office/drawing/2014/main" id="{27D52727-F211-4671-A26E-FE2C8A98E4C9}"/>
+              </a:ext>
+            </a:extLst>
+          </p:cNvPr>
+          <p:cNvPicPr>
+            <a:picLocks noChangeAspect="1"/>
+          </p:cNvPicPr>
+          <p:nvPr/>
+        </p:nvPicPr>
+        <p:blipFill>
+          <a:blip r:embed="rId4"/>
+          <a:stretch>
+            <a:fillRect/>
+          </a:stretch>
+        </p:blipFill>
+        <p:spPr>
+          <a:xfrm>
+            <a:off x="4624001" y="1246665"/>
+            <a:ext cx="2043429" cy="2043429"/>
+          </a:xfrm>
+          <a:prstGeom prst="rect">
+            <a:avLst/>
+          </a:prstGeom>
+        </p:spPr>
+      </p:pic>
+      <p:sp>
+        <p:nvSpPr>
+          <p:cNvPr id="9" name="Espace réservé du numéro de diapositive 8">
+            <a:extLst>
+              <a:ext uri="{FF2B5EF4-FFF2-40B4-BE49-F238E27FC236}">
+                <a16:creationId xmlns:a16="http://schemas.microsoft.com/office/drawing/2014/main" id="{7403DE42-C6AA-4200-88B9-28EC4C643CCA}"/>
+              </a:ext>
+            </a:extLst>
+          </p:cNvPr>
+          <p:cNvSpPr>
+            <a:spLocks noGrp="1"/>
+          </p:cNvSpPr>
+          <p:nvPr>
+            <p:ph type="sldNum" sz="quarter" idx="12"/>
+          </p:nvPr>
+        </p:nvSpPr>
+        <p:spPr/>
+        <p:txBody>
+          <a:bodyPr/>
+          <a:lstStyle/>
+          <a:p>
+            <a:fld id="{6D22F896-40B5-4ADD-8801-0D06FADFA095}" type="slidenum">
+              <a:rPr lang="en-US" smtClean="0"/>
+              <a:t>3</a:t>
+            </a:fld>
+            <a:endParaRPr lang="en-US" dirty="0"/>
           </a:p>
         </p:txBody>
       </p:sp>
@@ -6659,6 +7329,3651 @@
     <p:extLst>
       <p:ext uri="{BB962C8B-B14F-4D97-AF65-F5344CB8AC3E}">
         <p14:creationId xmlns:p14="http://schemas.microsoft.com/office/powerpoint/2010/main" val="3185444033"/>
+      </p:ext>
+    </p:extLst>
+  </p:cSld>
+  <p:clrMapOvr>
+    <a:masterClrMapping/>
+  </p:clrMapOvr>
+</p:sld>
+</file>
+
+<file path=ppt/slides/slide4.xml><?xml version="1.0" encoding="utf-8"?>
+<p:sld xmlns:a="http://schemas.openxmlformats.org/drawingml/2006/main" xmlns:r="http://schemas.openxmlformats.org/officeDocument/2006/relationships" xmlns:p="http://schemas.openxmlformats.org/presentationml/2006/main">
+  <p:cSld>
+    <p:spTree>
+      <p:nvGrpSpPr>
+        <p:cNvPr id="1" name=""/>
+        <p:cNvGrpSpPr/>
+        <p:nvPr/>
+      </p:nvGrpSpPr>
+      <p:grpSpPr>
+        <a:xfrm>
+          <a:off x="0" y="0"/>
+          <a:ext cx="0" cy="0"/>
+          <a:chOff x="0" y="0"/>
+          <a:chExt cx="0" cy="0"/>
+        </a:xfrm>
+      </p:grpSpPr>
+      <p:sp>
+        <p:nvSpPr>
+          <p:cNvPr id="2" name="Titre 1">
+            <a:extLst>
+              <a:ext uri="{FF2B5EF4-FFF2-40B4-BE49-F238E27FC236}">
+                <a16:creationId xmlns:a16="http://schemas.microsoft.com/office/drawing/2014/main" id="{6665EDCC-A35A-4AAF-A923-D733E8FCB9F3}"/>
+              </a:ext>
+            </a:extLst>
+          </p:cNvPr>
+          <p:cNvSpPr>
+            <a:spLocks noGrp="1"/>
+          </p:cNvSpPr>
+          <p:nvPr>
+            <p:ph type="title"/>
+          </p:nvPr>
+        </p:nvSpPr>
+        <p:spPr/>
+        <p:txBody>
+          <a:bodyPr/>
+          <a:lstStyle/>
+          <a:p>
+            <a:r>
+              <a:rPr lang="fr-FR" dirty="0">
+                <a:solidFill>
+                  <a:schemeClr val="accent5">
+                    <a:lumMod val="75000"/>
+                  </a:schemeClr>
+                </a:solidFill>
+              </a:rPr>
+              <a:t>J</a:t>
+            </a:r>
+            <a:r>
+              <a:rPr lang="fr-FR" dirty="0"/>
+              <a:t>ava</a:t>
+            </a:r>
+            <a:r>
+              <a:rPr lang="fr-FR" dirty="0">
+                <a:solidFill>
+                  <a:schemeClr val="accent5">
+                    <a:lumMod val="75000"/>
+                  </a:schemeClr>
+                </a:solidFill>
+              </a:rPr>
+              <a:t>S</a:t>
+            </a:r>
+            <a:r>
+              <a:rPr lang="fr-FR" dirty="0"/>
+              <a:t>cript </a:t>
+            </a:r>
+            <a:r>
+              <a:rPr lang="fr-FR" dirty="0">
+                <a:solidFill>
+                  <a:schemeClr val="accent5">
+                    <a:lumMod val="75000"/>
+                  </a:schemeClr>
+                </a:solidFill>
+              </a:rPr>
+              <a:t>O</a:t>
+            </a:r>
+            <a:r>
+              <a:rPr lang="fr-FR" dirty="0"/>
+              <a:t>bject </a:t>
+            </a:r>
+            <a:r>
+              <a:rPr lang="fr-FR" dirty="0">
+                <a:solidFill>
+                  <a:schemeClr val="accent5">
+                    <a:lumMod val="75000"/>
+                  </a:schemeClr>
+                </a:solidFill>
+              </a:rPr>
+              <a:t>N</a:t>
+            </a:r>
+            <a:r>
+              <a:rPr lang="fr-FR" dirty="0"/>
+              <a:t>otation</a:t>
+            </a:r>
+          </a:p>
+        </p:txBody>
+      </p:sp>
+      <p:sp>
+        <p:nvSpPr>
+          <p:cNvPr id="4" name="ZoneTexte 3">
+            <a:extLst>
+              <a:ext uri="{FF2B5EF4-FFF2-40B4-BE49-F238E27FC236}">
+                <a16:creationId xmlns:a16="http://schemas.microsoft.com/office/drawing/2014/main" id="{10E35347-76AF-43C4-9BC9-92371E3C2362}"/>
+              </a:ext>
+            </a:extLst>
+          </p:cNvPr>
+          <p:cNvSpPr txBox="1"/>
+          <p:nvPr/>
+        </p:nvSpPr>
+        <p:spPr>
+          <a:xfrm>
+            <a:off x="685800" y="2057401"/>
+            <a:ext cx="7416800" cy="646331"/>
+          </a:xfrm>
+          <a:prstGeom prst="rect">
+            <a:avLst/>
+          </a:prstGeom>
+          <a:noFill/>
+        </p:spPr>
+        <p:txBody>
+          <a:bodyPr wrap="square" rtlCol="0">
+            <a:spAutoFit/>
+          </a:bodyPr>
+          <a:lstStyle/>
+          <a:p>
+            <a:r>
+              <a:rPr lang="fr-FR" b="1" dirty="0"/>
+              <a:t>URL de consultation :</a:t>
+            </a:r>
+            <a:r>
+              <a:rPr lang="fr-FR" dirty="0"/>
+              <a:t> https://fr.openfoodfacts.org/api/v0/produit/</a:t>
+            </a:r>
+            <a:r>
+              <a:rPr lang="fr-FR" i="1" dirty="0">
+                <a:solidFill>
+                  <a:schemeClr val="accent5">
+                    <a:lumMod val="75000"/>
+                  </a:schemeClr>
+                </a:solidFill>
+              </a:rPr>
+              <a:t>[code barre]</a:t>
+            </a:r>
+            <a:r>
+              <a:rPr lang="fr-FR" dirty="0"/>
+              <a:t>.</a:t>
+            </a:r>
+            <a:r>
+              <a:rPr lang="fr-FR" dirty="0" err="1"/>
+              <a:t>json</a:t>
+            </a:r>
+            <a:endParaRPr lang="fr-FR" dirty="0"/>
+          </a:p>
+        </p:txBody>
+      </p:sp>
+      <p:sp>
+        <p:nvSpPr>
+          <p:cNvPr id="5" name="ZoneTexte 4">
+            <a:extLst>
+              <a:ext uri="{FF2B5EF4-FFF2-40B4-BE49-F238E27FC236}">
+                <a16:creationId xmlns:a16="http://schemas.microsoft.com/office/drawing/2014/main" id="{23A6960B-9578-4A8A-964F-E5CC032445EB}"/>
+              </a:ext>
+            </a:extLst>
+          </p:cNvPr>
+          <p:cNvSpPr txBox="1"/>
+          <p:nvPr/>
+        </p:nvSpPr>
+        <p:spPr>
+          <a:xfrm>
+            <a:off x="685800" y="3105834"/>
+            <a:ext cx="8808156" cy="369332"/>
+          </a:xfrm>
+          <a:prstGeom prst="rect">
+            <a:avLst/>
+          </a:prstGeom>
+          <a:noFill/>
+        </p:spPr>
+        <p:txBody>
+          <a:bodyPr wrap="square" rtlCol="0">
+            <a:spAutoFit/>
+          </a:bodyPr>
+          <a:lstStyle/>
+          <a:p>
+            <a:endParaRPr lang="fr-FR" dirty="0"/>
+          </a:p>
+        </p:txBody>
+      </p:sp>
+      <p:pic>
+        <p:nvPicPr>
+          <p:cNvPr id="8" name="Image 7">
+            <a:extLst>
+              <a:ext uri="{FF2B5EF4-FFF2-40B4-BE49-F238E27FC236}">
+                <a16:creationId xmlns:a16="http://schemas.microsoft.com/office/drawing/2014/main" id="{F79B397F-2738-41BF-AE1B-BEDC9D70781C}"/>
+              </a:ext>
+            </a:extLst>
+          </p:cNvPr>
+          <p:cNvPicPr>
+            <a:picLocks noChangeAspect="1"/>
+          </p:cNvPicPr>
+          <p:nvPr/>
+        </p:nvPicPr>
+        <p:blipFill>
+          <a:blip r:embed="rId2"/>
+          <a:stretch>
+            <a:fillRect/>
+          </a:stretch>
+        </p:blipFill>
+        <p:spPr>
+          <a:xfrm>
+            <a:off x="685800" y="3105834"/>
+            <a:ext cx="5950500" cy="1721601"/>
+          </a:xfrm>
+          <a:prstGeom prst="rect">
+            <a:avLst/>
+          </a:prstGeom>
+        </p:spPr>
+      </p:pic>
+      <p:pic>
+        <p:nvPicPr>
+          <p:cNvPr id="10" name="Image 9">
+            <a:extLst>
+              <a:ext uri="{FF2B5EF4-FFF2-40B4-BE49-F238E27FC236}">
+                <a16:creationId xmlns:a16="http://schemas.microsoft.com/office/drawing/2014/main" id="{96FD842D-4E7B-4BE9-BA16-E93D6F8D2CFD}"/>
+              </a:ext>
+            </a:extLst>
+          </p:cNvPr>
+          <p:cNvPicPr>
+            <a:picLocks noChangeAspect="1"/>
+          </p:cNvPicPr>
+          <p:nvPr/>
+        </p:nvPicPr>
+        <p:blipFill>
+          <a:blip r:embed="rId3"/>
+          <a:stretch>
+            <a:fillRect/>
+          </a:stretch>
+        </p:blipFill>
+        <p:spPr>
+          <a:xfrm>
+            <a:off x="9279230" y="3290500"/>
+            <a:ext cx="1107455" cy="1293028"/>
+          </a:xfrm>
+          <a:prstGeom prst="rect">
+            <a:avLst/>
+          </a:prstGeom>
+        </p:spPr>
+      </p:pic>
+      <p:sp>
+        <p:nvSpPr>
+          <p:cNvPr id="11" name="ZoneTexte 10">
+            <a:extLst>
+              <a:ext uri="{FF2B5EF4-FFF2-40B4-BE49-F238E27FC236}">
+                <a16:creationId xmlns:a16="http://schemas.microsoft.com/office/drawing/2014/main" id="{7F5629BF-8B99-46C2-85AB-32E01C97AABD}"/>
+              </a:ext>
+            </a:extLst>
+          </p:cNvPr>
+          <p:cNvSpPr txBox="1"/>
+          <p:nvPr/>
+        </p:nvSpPr>
+        <p:spPr>
+          <a:xfrm>
+            <a:off x="8954609" y="2318421"/>
+            <a:ext cx="2864152" cy="369332"/>
+          </a:xfrm>
+          <a:prstGeom prst="rect">
+            <a:avLst/>
+          </a:prstGeom>
+          <a:noFill/>
+        </p:spPr>
+        <p:txBody>
+          <a:bodyPr wrap="square" rtlCol="0">
+            <a:spAutoFit/>
+          </a:bodyPr>
+          <a:lstStyle/>
+          <a:p>
+            <a:r>
+              <a:rPr lang="fr-FR" dirty="0">
+                <a:solidFill>
+                  <a:schemeClr val="accent1"/>
+                </a:solidFill>
+              </a:rPr>
+              <a:t>Keywords.txt</a:t>
+            </a:r>
+          </a:p>
+        </p:txBody>
+      </p:sp>
+      <p:sp>
+        <p:nvSpPr>
+          <p:cNvPr id="12" name="ZoneTexte 11">
+            <a:extLst>
+              <a:ext uri="{FF2B5EF4-FFF2-40B4-BE49-F238E27FC236}">
+                <a16:creationId xmlns:a16="http://schemas.microsoft.com/office/drawing/2014/main" id="{D0014412-1380-403D-909F-8AFB0F8A8EB4}"/>
+              </a:ext>
+            </a:extLst>
+          </p:cNvPr>
+          <p:cNvSpPr txBox="1"/>
+          <p:nvPr/>
+        </p:nvSpPr>
+        <p:spPr>
+          <a:xfrm>
+            <a:off x="7829517" y="4985630"/>
+            <a:ext cx="4006883" cy="369332"/>
+          </a:xfrm>
+          <a:prstGeom prst="rect">
+            <a:avLst/>
+          </a:prstGeom>
+          <a:noFill/>
+        </p:spPr>
+        <p:txBody>
+          <a:bodyPr wrap="square" rtlCol="0">
+            <a:spAutoFit/>
+          </a:bodyPr>
+          <a:lstStyle/>
+          <a:p>
+            <a:r>
+              <a:rPr lang="fr-FR" dirty="0"/>
+              <a:t>« plastic », « recycle », « </a:t>
+            </a:r>
+            <a:r>
+              <a:rPr lang="fr-FR" dirty="0" err="1"/>
+              <a:t>metal</a:t>
+            </a:r>
+            <a:r>
+              <a:rPr lang="fr-FR" dirty="0"/>
+              <a:t> »,…</a:t>
+            </a:r>
+          </a:p>
+        </p:txBody>
+      </p:sp>
+      <p:sp>
+        <p:nvSpPr>
+          <p:cNvPr id="13" name="Espace réservé du numéro de diapositive 12">
+            <a:extLst>
+              <a:ext uri="{FF2B5EF4-FFF2-40B4-BE49-F238E27FC236}">
+                <a16:creationId xmlns:a16="http://schemas.microsoft.com/office/drawing/2014/main" id="{EADDAC79-121F-41D3-9DF7-289275D683B8}"/>
+              </a:ext>
+            </a:extLst>
+          </p:cNvPr>
+          <p:cNvSpPr>
+            <a:spLocks noGrp="1"/>
+          </p:cNvSpPr>
+          <p:nvPr>
+            <p:ph type="sldNum" sz="quarter" idx="12"/>
+          </p:nvPr>
+        </p:nvSpPr>
+        <p:spPr/>
+        <p:txBody>
+          <a:bodyPr/>
+          <a:lstStyle/>
+          <a:p>
+            <a:fld id="{6D22F896-40B5-4ADD-8801-0D06FADFA095}" type="slidenum">
+              <a:rPr lang="en-US" smtClean="0"/>
+              <a:t>4</a:t>
+            </a:fld>
+            <a:endParaRPr lang="en-US" dirty="0"/>
+          </a:p>
+        </p:txBody>
+      </p:sp>
+    </p:spTree>
+    <p:extLst>
+      <p:ext uri="{BB962C8B-B14F-4D97-AF65-F5344CB8AC3E}">
+        <p14:creationId xmlns:p14="http://schemas.microsoft.com/office/powerpoint/2010/main" val="2231927421"/>
+      </p:ext>
+    </p:extLst>
+  </p:cSld>
+  <p:clrMapOvr>
+    <a:masterClrMapping/>
+  </p:clrMapOvr>
+</p:sld>
+</file>
+
+<file path=ppt/slides/slide5.xml><?xml version="1.0" encoding="utf-8"?>
+<p:sld xmlns:a="http://schemas.openxmlformats.org/drawingml/2006/main" xmlns:r="http://schemas.openxmlformats.org/officeDocument/2006/relationships" xmlns:p="http://schemas.openxmlformats.org/presentationml/2006/main">
+  <p:cSld>
+    <p:spTree>
+      <p:nvGrpSpPr>
+        <p:cNvPr id="1" name=""/>
+        <p:cNvGrpSpPr/>
+        <p:nvPr/>
+      </p:nvGrpSpPr>
+      <p:grpSpPr>
+        <a:xfrm>
+          <a:off x="0" y="0"/>
+          <a:ext cx="0" cy="0"/>
+          <a:chOff x="0" y="0"/>
+          <a:chExt cx="0" cy="0"/>
+        </a:xfrm>
+      </p:grpSpPr>
+      <p:sp>
+        <p:nvSpPr>
+          <p:cNvPr id="2" name="Titre 1">
+            <a:extLst>
+              <a:ext uri="{FF2B5EF4-FFF2-40B4-BE49-F238E27FC236}">
+                <a16:creationId xmlns:a16="http://schemas.microsoft.com/office/drawing/2014/main" id="{746B4AA4-3248-4351-BD66-CBDB55257B9F}"/>
+              </a:ext>
+            </a:extLst>
+          </p:cNvPr>
+          <p:cNvSpPr>
+            <a:spLocks noGrp="1"/>
+          </p:cNvSpPr>
+          <p:nvPr>
+            <p:ph type="title"/>
+          </p:nvPr>
+        </p:nvSpPr>
+        <p:spPr/>
+        <p:txBody>
+          <a:bodyPr/>
+          <a:lstStyle/>
+          <a:p>
+            <a:r>
+              <a:rPr lang="fr-FR" dirty="0"/>
+              <a:t>inductance de l’antenne</a:t>
+            </a:r>
+          </a:p>
+        </p:txBody>
+      </p:sp>
+      <p:pic>
+        <p:nvPicPr>
+          <p:cNvPr id="4" name="Image 3">
+            <a:extLst>
+              <a:ext uri="{FF2B5EF4-FFF2-40B4-BE49-F238E27FC236}">
+                <a16:creationId xmlns:a16="http://schemas.microsoft.com/office/drawing/2014/main" id="{F568832A-3BDF-4CB9-B88D-FCC8E8F62A6F}"/>
+              </a:ext>
+            </a:extLst>
+          </p:cNvPr>
+          <p:cNvPicPr>
+            <a:picLocks noChangeAspect="1"/>
+          </p:cNvPicPr>
+          <p:nvPr/>
+        </p:nvPicPr>
+        <p:blipFill>
+          <a:blip r:embed="rId2"/>
+          <a:stretch>
+            <a:fillRect/>
+          </a:stretch>
+        </p:blipFill>
+        <p:spPr>
+          <a:xfrm>
+            <a:off x="368701" y="3240655"/>
+            <a:ext cx="1924050" cy="1905000"/>
+          </a:xfrm>
+          <a:prstGeom prst="rect">
+            <a:avLst/>
+          </a:prstGeom>
+        </p:spPr>
+      </p:pic>
+      <p:pic>
+        <p:nvPicPr>
+          <p:cNvPr id="5" name="Image 4">
+            <a:extLst>
+              <a:ext uri="{FF2B5EF4-FFF2-40B4-BE49-F238E27FC236}">
+                <a16:creationId xmlns:a16="http://schemas.microsoft.com/office/drawing/2014/main" id="{362AEC47-8E4F-4986-99A4-DABCB868F7E3}"/>
+              </a:ext>
+            </a:extLst>
+          </p:cNvPr>
+          <p:cNvPicPr>
+            <a:picLocks noChangeAspect="1"/>
+          </p:cNvPicPr>
+          <p:nvPr/>
+        </p:nvPicPr>
+        <p:blipFill>
+          <a:blip r:embed="rId3"/>
+          <a:stretch>
+            <a:fillRect/>
+          </a:stretch>
+        </p:blipFill>
+        <p:spPr>
+          <a:xfrm>
+            <a:off x="3454248" y="2150277"/>
+            <a:ext cx="3486150" cy="3943350"/>
+          </a:xfrm>
+          <a:prstGeom prst="rect">
+            <a:avLst/>
+          </a:prstGeom>
+        </p:spPr>
+      </p:pic>
+      <mc:AlternateContent xmlns:mc="http://schemas.openxmlformats.org/markup-compatibility/2006">
+        <mc:Choice xmlns:a14="http://schemas.microsoft.com/office/drawing/2010/main" Requires="a14">
+          <p:sp>
+            <p:nvSpPr>
+              <p:cNvPr id="6" name="ZoneTexte 5">
+                <a:extLst>
+                  <a:ext uri="{FF2B5EF4-FFF2-40B4-BE49-F238E27FC236}">
+                    <a16:creationId xmlns:a16="http://schemas.microsoft.com/office/drawing/2014/main" id="{A407126B-D163-47F3-9162-939AB9F2A7A1}"/>
+                  </a:ext>
+                </a:extLst>
+              </p:cNvPr>
+              <p:cNvSpPr txBox="1"/>
+              <p:nvPr/>
+            </p:nvSpPr>
+            <p:spPr>
+              <a:xfrm>
+                <a:off x="8101896" y="3897920"/>
+                <a:ext cx="3721403" cy="461665"/>
+              </a:xfrm>
+              <a:prstGeom prst="rect">
+                <a:avLst/>
+              </a:prstGeom>
+              <a:noFill/>
+            </p:spPr>
+            <p:txBody>
+              <a:bodyPr wrap="none" rtlCol="0">
+                <a:spAutoFit/>
+              </a:bodyPr>
+              <a:lstStyle/>
+              <a:p>
+                <a:pPr/>
+                <a14:m>
+                  <m:oMathPara xmlns:m="http://schemas.openxmlformats.org/officeDocument/2006/math">
+                    <m:oMathParaPr>
+                      <m:jc m:val="centerGroup"/>
+                    </m:oMathParaPr>
+                    <m:oMath xmlns:m="http://schemas.openxmlformats.org/officeDocument/2006/math">
+                      <m:sSub>
+                        <m:sSubPr>
+                          <m:ctrlPr>
+                            <a:rPr lang="fr-FR" sz="2400" b="0" i="1" smtClean="0">
+                              <a:latin typeface="Cambria Math" panose="02040503050406030204" pitchFamily="18" charset="0"/>
+                            </a:rPr>
+                          </m:ctrlPr>
+                        </m:sSubPr>
+                        <m:e>
+                          <m:r>
+                            <a:rPr lang="fr-FR" sz="2400" b="0" i="1" smtClean="0">
+                              <a:latin typeface="Cambria Math" panose="02040503050406030204" pitchFamily="18" charset="0"/>
+                            </a:rPr>
+                            <m:t>𝐿</m:t>
+                          </m:r>
+                        </m:e>
+                        <m:sub>
+                          <m:r>
+                            <a:rPr lang="fr-FR" sz="2400" b="0" i="1" smtClean="0">
+                              <a:latin typeface="Cambria Math" panose="02040503050406030204" pitchFamily="18" charset="0"/>
+                            </a:rPr>
+                            <m:t>𝑐𝑜𝑖𝑙</m:t>
+                          </m:r>
+                        </m:sub>
+                      </m:sSub>
+                      <m:r>
+                        <a:rPr lang="fr-FR" sz="2400" b="0" i="1" smtClean="0">
+                          <a:latin typeface="Cambria Math" panose="02040503050406030204" pitchFamily="18" charset="0"/>
+                        </a:rPr>
+                        <m:t>=2450</m:t>
+                      </m:r>
+                      <m:r>
+                        <a:rPr lang="fr-FR" sz="2400" b="0" i="1" smtClean="0">
+                          <a:latin typeface="Cambria Math" panose="02040503050406030204" pitchFamily="18" charset="0"/>
+                        </a:rPr>
+                        <m:t>𝑛𝐻</m:t>
+                      </m:r>
+                      <m:r>
+                        <a:rPr lang="fr-FR" sz="2400" b="0" i="1" smtClean="0">
+                          <a:latin typeface="Cambria Math" panose="02040503050406030204" pitchFamily="18" charset="0"/>
+                        </a:rPr>
+                        <m:t>=2,45µ</m:t>
+                      </m:r>
+                      <m:r>
+                        <a:rPr lang="fr-FR" sz="2400" b="0" i="1" smtClean="0">
+                          <a:solidFill>
+                            <a:schemeClr val="accent5">
+                              <a:lumMod val="75000"/>
+                            </a:schemeClr>
+                          </a:solidFill>
+                          <a:latin typeface="Cambria Math" panose="02040503050406030204" pitchFamily="18" charset="0"/>
+                        </a:rPr>
+                        <m:t>𝐻</m:t>
+                      </m:r>
+                    </m:oMath>
+                  </m:oMathPara>
+                </a14:m>
+                <a:endParaRPr lang="fr-FR" sz="2400" dirty="0"/>
+              </a:p>
+            </p:txBody>
+          </p:sp>
+        </mc:Choice>
+        <mc:Fallback>
+          <p:sp>
+            <p:nvSpPr>
+              <p:cNvPr id="6" name="ZoneTexte 5">
+                <a:extLst>
+                  <a:ext uri="{FF2B5EF4-FFF2-40B4-BE49-F238E27FC236}">
+                    <a16:creationId xmlns:a16="http://schemas.microsoft.com/office/drawing/2014/main" id="{A407126B-D163-47F3-9162-939AB9F2A7A1}"/>
+                  </a:ext>
+                </a:extLst>
+              </p:cNvPr>
+              <p:cNvSpPr txBox="1">
+                <a:spLocks noRot="1" noChangeAspect="1" noMove="1" noResize="1" noEditPoints="1" noAdjustHandles="1" noChangeArrowheads="1" noChangeShapeType="1" noTextEdit="1"/>
+              </p:cNvSpPr>
+              <p:nvPr/>
+            </p:nvSpPr>
+            <p:spPr>
+              <a:xfrm>
+                <a:off x="8101896" y="3897920"/>
+                <a:ext cx="3721403" cy="461665"/>
+              </a:xfrm>
+              <a:prstGeom prst="rect">
+                <a:avLst/>
+              </a:prstGeom>
+              <a:blipFill>
+                <a:blip r:embed="rId4"/>
+                <a:stretch>
+                  <a:fillRect b="-18421"/>
+                </a:stretch>
+              </a:blipFill>
+            </p:spPr>
+            <p:txBody>
+              <a:bodyPr/>
+              <a:lstStyle/>
+              <a:p>
+                <a:r>
+                  <a:rPr lang="fr-FR">
+                    <a:noFill/>
+                  </a:rPr>
+                  <a:t> </a:t>
+                </a:r>
+              </a:p>
+            </p:txBody>
+          </p:sp>
+        </mc:Fallback>
+      </mc:AlternateContent>
+      <p:sp>
+        <p:nvSpPr>
+          <p:cNvPr id="8" name="Rectangle 7">
+            <a:extLst>
+              <a:ext uri="{FF2B5EF4-FFF2-40B4-BE49-F238E27FC236}">
+                <a16:creationId xmlns:a16="http://schemas.microsoft.com/office/drawing/2014/main" id="{68502928-EA43-4841-833E-8FBCDDFF748B}"/>
+              </a:ext>
+            </a:extLst>
+          </p:cNvPr>
+          <p:cNvSpPr/>
+          <p:nvPr/>
+        </p:nvSpPr>
+        <p:spPr>
+          <a:xfrm>
+            <a:off x="8101896" y="3697421"/>
+            <a:ext cx="3721402" cy="801858"/>
+          </a:xfrm>
+          <a:prstGeom prst="rect">
+            <a:avLst/>
+          </a:prstGeom>
+          <a:noFill/>
+          <a:ln w="38100"/>
+        </p:spPr>
+        <p:style>
+          <a:lnRef idx="2">
+            <a:schemeClr val="accent1"/>
+          </a:lnRef>
+          <a:fillRef idx="1">
+            <a:schemeClr val="lt1"/>
+          </a:fillRef>
+          <a:effectRef idx="0">
+            <a:schemeClr val="accent1"/>
+          </a:effectRef>
+          <a:fontRef idx="minor">
+            <a:schemeClr val="dk1"/>
+          </a:fontRef>
+        </p:style>
+        <p:txBody>
+          <a:bodyPr rtlCol="0" anchor="ctr"/>
+          <a:lstStyle/>
+          <a:p>
+            <a:pPr algn="ctr"/>
+            <a:endParaRPr lang="fr-FR"/>
+          </a:p>
+        </p:txBody>
+      </p:sp>
+      <p:cxnSp>
+        <p:nvCxnSpPr>
+          <p:cNvPr id="10" name="Connecteur droit avec flèche 9">
+            <a:extLst>
+              <a:ext uri="{FF2B5EF4-FFF2-40B4-BE49-F238E27FC236}">
+                <a16:creationId xmlns:a16="http://schemas.microsoft.com/office/drawing/2014/main" id="{B69D838C-7BCB-4461-80A0-B867C41F75AB}"/>
+              </a:ext>
+            </a:extLst>
+          </p:cNvPr>
+          <p:cNvCxnSpPr>
+            <a:cxnSpLocks/>
+          </p:cNvCxnSpPr>
+          <p:nvPr/>
+        </p:nvCxnSpPr>
+        <p:spPr>
+          <a:xfrm>
+            <a:off x="2494421" y="4117185"/>
+            <a:ext cx="733865" cy="0"/>
+          </a:xfrm>
+          <a:prstGeom prst="straightConnector1">
+            <a:avLst/>
+          </a:prstGeom>
+          <a:ln w="76200">
+            <a:tailEnd type="triangle"/>
+          </a:ln>
+        </p:spPr>
+        <p:style>
+          <a:lnRef idx="1">
+            <a:schemeClr val="accent1"/>
+          </a:lnRef>
+          <a:fillRef idx="0">
+            <a:schemeClr val="accent1"/>
+          </a:fillRef>
+          <a:effectRef idx="0">
+            <a:schemeClr val="accent1"/>
+          </a:effectRef>
+          <a:fontRef idx="minor">
+            <a:schemeClr val="tx1"/>
+          </a:fontRef>
+        </p:style>
+      </p:cxnSp>
+      <p:cxnSp>
+        <p:nvCxnSpPr>
+          <p:cNvPr id="13" name="Connecteur droit avec flèche 12">
+            <a:extLst>
+              <a:ext uri="{FF2B5EF4-FFF2-40B4-BE49-F238E27FC236}">
+                <a16:creationId xmlns:a16="http://schemas.microsoft.com/office/drawing/2014/main" id="{CA7445FE-F47B-4D7C-945B-DCF7CE8F9D3E}"/>
+              </a:ext>
+            </a:extLst>
+          </p:cNvPr>
+          <p:cNvCxnSpPr>
+            <a:cxnSpLocks/>
+          </p:cNvCxnSpPr>
+          <p:nvPr/>
+        </p:nvCxnSpPr>
+        <p:spPr>
+          <a:xfrm>
+            <a:off x="7142948" y="4098350"/>
+            <a:ext cx="733865" cy="0"/>
+          </a:xfrm>
+          <a:prstGeom prst="straightConnector1">
+            <a:avLst/>
+          </a:prstGeom>
+          <a:ln w="76200">
+            <a:tailEnd type="triangle"/>
+          </a:ln>
+        </p:spPr>
+        <p:style>
+          <a:lnRef idx="1">
+            <a:schemeClr val="accent1"/>
+          </a:lnRef>
+          <a:fillRef idx="0">
+            <a:schemeClr val="accent1"/>
+          </a:fillRef>
+          <a:effectRef idx="0">
+            <a:schemeClr val="accent1"/>
+          </a:effectRef>
+          <a:fontRef idx="minor">
+            <a:schemeClr val="tx1"/>
+          </a:fontRef>
+        </p:style>
+      </p:cxnSp>
+      <p:sp>
+        <p:nvSpPr>
+          <p:cNvPr id="3" name="Espace réservé du numéro de diapositive 2">
+            <a:extLst>
+              <a:ext uri="{FF2B5EF4-FFF2-40B4-BE49-F238E27FC236}">
+                <a16:creationId xmlns:a16="http://schemas.microsoft.com/office/drawing/2014/main" id="{702BB458-3E16-43BF-AD9C-CF63CF14067C}"/>
+              </a:ext>
+            </a:extLst>
+          </p:cNvPr>
+          <p:cNvSpPr>
+            <a:spLocks noGrp="1"/>
+          </p:cNvSpPr>
+          <p:nvPr>
+            <p:ph type="sldNum" sz="quarter" idx="12"/>
+          </p:nvPr>
+        </p:nvSpPr>
+        <p:spPr/>
+        <p:txBody>
+          <a:bodyPr/>
+          <a:lstStyle/>
+          <a:p>
+            <a:fld id="{6D22F896-40B5-4ADD-8801-0D06FADFA095}" type="slidenum">
+              <a:rPr lang="en-US" smtClean="0"/>
+              <a:t>5</a:t>
+            </a:fld>
+            <a:endParaRPr lang="en-US" dirty="0"/>
+          </a:p>
+        </p:txBody>
+      </p:sp>
+    </p:spTree>
+    <p:extLst>
+      <p:ext uri="{BB962C8B-B14F-4D97-AF65-F5344CB8AC3E}">
+        <p14:creationId xmlns:p14="http://schemas.microsoft.com/office/powerpoint/2010/main" val="981747608"/>
+      </p:ext>
+    </p:extLst>
+  </p:cSld>
+  <p:clrMapOvr>
+    <a:masterClrMapping/>
+  </p:clrMapOvr>
+</p:sld>
+</file>
+
+<file path=ppt/slides/slide6.xml><?xml version="1.0" encoding="utf-8"?>
+<p:sld xmlns:a="http://schemas.openxmlformats.org/drawingml/2006/main" xmlns:r="http://schemas.openxmlformats.org/officeDocument/2006/relationships" xmlns:p="http://schemas.openxmlformats.org/presentationml/2006/main">
+  <p:cSld>
+    <p:spTree>
+      <p:nvGrpSpPr>
+        <p:cNvPr id="1" name=""/>
+        <p:cNvGrpSpPr/>
+        <p:nvPr/>
+      </p:nvGrpSpPr>
+      <p:grpSpPr>
+        <a:xfrm>
+          <a:off x="0" y="0"/>
+          <a:ext cx="0" cy="0"/>
+          <a:chOff x="0" y="0"/>
+          <a:chExt cx="0" cy="0"/>
+        </a:xfrm>
+      </p:grpSpPr>
+      <p:sp>
+        <p:nvSpPr>
+          <p:cNvPr id="2" name="Titre 1">
+            <a:extLst>
+              <a:ext uri="{FF2B5EF4-FFF2-40B4-BE49-F238E27FC236}">
+                <a16:creationId xmlns:a16="http://schemas.microsoft.com/office/drawing/2014/main" id="{D1CA771F-87A9-4CA1-871B-FF0CEDE4A88A}"/>
+              </a:ext>
+            </a:extLst>
+          </p:cNvPr>
+          <p:cNvSpPr>
+            <a:spLocks noGrp="1"/>
+          </p:cNvSpPr>
+          <p:nvPr>
+            <p:ph type="title"/>
+          </p:nvPr>
+        </p:nvSpPr>
+        <p:spPr/>
+        <p:txBody>
+          <a:bodyPr/>
+          <a:lstStyle/>
+          <a:p>
+            <a:r>
+              <a:rPr lang="fr-FR" dirty="0"/>
+              <a:t>résistances séries de l’antenne</a:t>
+            </a:r>
+          </a:p>
+        </p:txBody>
+      </p:sp>
+      <p:pic>
+        <p:nvPicPr>
+          <p:cNvPr id="4" name="Image 3">
+            <a:extLst>
+              <a:ext uri="{FF2B5EF4-FFF2-40B4-BE49-F238E27FC236}">
+                <a16:creationId xmlns:a16="http://schemas.microsoft.com/office/drawing/2014/main" id="{C30F1D68-316D-4E11-8628-D9C9D1A266CC}"/>
+              </a:ext>
+            </a:extLst>
+          </p:cNvPr>
+          <p:cNvPicPr>
+            <a:picLocks noChangeAspect="1"/>
+          </p:cNvPicPr>
+          <p:nvPr/>
+        </p:nvPicPr>
+        <p:blipFill>
+          <a:blip r:embed="rId2"/>
+          <a:stretch>
+            <a:fillRect/>
+          </a:stretch>
+        </p:blipFill>
+        <p:spPr>
+          <a:xfrm>
+            <a:off x="404481" y="3513327"/>
+            <a:ext cx="4000500" cy="1285875"/>
+          </a:xfrm>
+          <a:prstGeom prst="rect">
+            <a:avLst/>
+          </a:prstGeom>
+        </p:spPr>
+      </p:pic>
+      <p:cxnSp>
+        <p:nvCxnSpPr>
+          <p:cNvPr id="5" name="Connecteur droit avec flèche 4">
+            <a:extLst>
+              <a:ext uri="{FF2B5EF4-FFF2-40B4-BE49-F238E27FC236}">
+                <a16:creationId xmlns:a16="http://schemas.microsoft.com/office/drawing/2014/main" id="{ED911387-2293-4EF7-8CCB-6A13318578B9}"/>
+              </a:ext>
+            </a:extLst>
+          </p:cNvPr>
+          <p:cNvCxnSpPr>
+            <a:cxnSpLocks/>
+          </p:cNvCxnSpPr>
+          <p:nvPr/>
+        </p:nvCxnSpPr>
+        <p:spPr>
+          <a:xfrm>
+            <a:off x="4524902" y="3832371"/>
+            <a:ext cx="733865" cy="0"/>
+          </a:xfrm>
+          <a:prstGeom prst="straightConnector1">
+            <a:avLst/>
+          </a:prstGeom>
+          <a:ln w="76200">
+            <a:tailEnd type="triangle"/>
+          </a:ln>
+        </p:spPr>
+        <p:style>
+          <a:lnRef idx="1">
+            <a:schemeClr val="accent1"/>
+          </a:lnRef>
+          <a:fillRef idx="0">
+            <a:schemeClr val="accent1"/>
+          </a:fillRef>
+          <a:effectRef idx="0">
+            <a:schemeClr val="accent1"/>
+          </a:effectRef>
+          <a:fontRef idx="minor">
+            <a:schemeClr val="tx1"/>
+          </a:fontRef>
+        </p:style>
+      </p:cxnSp>
+      <mc:AlternateContent xmlns:mc="http://schemas.openxmlformats.org/markup-compatibility/2006" xmlns:a14="http://schemas.microsoft.com/office/drawing/2010/main">
+        <mc:Choice Requires="a14">
+          <p:sp>
+            <p:nvSpPr>
+              <p:cNvPr id="6" name="ZoneTexte 5">
+                <a:extLst>
+                  <a:ext uri="{FF2B5EF4-FFF2-40B4-BE49-F238E27FC236}">
+                    <a16:creationId xmlns:a16="http://schemas.microsoft.com/office/drawing/2014/main" id="{398C5BD6-A822-49E8-B009-97EB02D572EC}"/>
+                  </a:ext>
+                </a:extLst>
+              </p:cNvPr>
+              <p:cNvSpPr txBox="1"/>
+              <p:nvPr/>
+            </p:nvSpPr>
+            <p:spPr>
+              <a:xfrm>
+                <a:off x="5323435" y="2833974"/>
+                <a:ext cx="3386312" cy="871521"/>
+              </a:xfrm>
+              <a:prstGeom prst="rect">
+                <a:avLst/>
+              </a:prstGeom>
+              <a:noFill/>
+            </p:spPr>
+            <p:txBody>
+              <a:bodyPr wrap="none" rtlCol="0">
+                <a:spAutoFit/>
+              </a:bodyPr>
+              <a:lstStyle/>
+              <a:p>
+                <a:pPr/>
+                <a14:m>
+                  <m:oMathPara xmlns:m="http://schemas.openxmlformats.org/officeDocument/2006/math">
+                    <m:oMathParaPr>
+                      <m:jc m:val="centerGroup"/>
+                    </m:oMathParaPr>
+                    <m:oMath xmlns:m="http://schemas.openxmlformats.org/officeDocument/2006/math">
+                      <m:sSub>
+                        <m:sSubPr>
+                          <m:ctrlPr>
+                            <a:rPr lang="fr-FR" sz="2400" b="0" i="1" smtClean="0">
+                              <a:latin typeface="Cambria Math" panose="02040503050406030204" pitchFamily="18" charset="0"/>
+                            </a:rPr>
+                          </m:ctrlPr>
+                        </m:sSubPr>
+                        <m:e>
+                          <m:r>
+                            <a:rPr lang="fr-FR" sz="2400" b="0" i="1" smtClean="0">
+                              <a:latin typeface="Cambria Math" panose="02040503050406030204" pitchFamily="18" charset="0"/>
+                            </a:rPr>
+                            <m:t>𝑄</m:t>
+                          </m:r>
+                        </m:e>
+                        <m:sub>
+                          <m:r>
+                            <a:rPr lang="fr-FR" sz="2400" b="0" i="1" smtClean="0">
+                              <a:latin typeface="Cambria Math" panose="02040503050406030204" pitchFamily="18" charset="0"/>
+                            </a:rPr>
+                            <m:t>𝑐𝑜𝑖𝑙</m:t>
+                          </m:r>
+                        </m:sub>
+                      </m:sSub>
+                      <m:r>
+                        <a:rPr lang="fr-FR" sz="2400" b="0" i="1" smtClean="0">
+                          <a:latin typeface="Cambria Math" panose="02040503050406030204" pitchFamily="18" charset="0"/>
+                        </a:rPr>
+                        <m:t>=</m:t>
+                      </m:r>
+                      <m:f>
+                        <m:fPr>
+                          <m:ctrlPr>
+                            <a:rPr lang="fr-FR" sz="2400" b="0" i="1" smtClean="0">
+                              <a:latin typeface="Cambria Math" panose="02040503050406030204" pitchFamily="18" charset="0"/>
+                              <a:ea typeface="Cambria Math" panose="02040503050406030204" pitchFamily="18" charset="0"/>
+                            </a:rPr>
+                          </m:ctrlPr>
+                        </m:fPr>
+                        <m:num>
+                          <m:d>
+                            <m:dPr>
+                              <m:ctrlPr>
+                                <a:rPr lang="fr-FR" sz="2400" b="0" i="1" smtClean="0">
+                                  <a:latin typeface="Cambria Math" panose="02040503050406030204" pitchFamily="18" charset="0"/>
+                                </a:rPr>
+                              </m:ctrlPr>
+                            </m:dPr>
+                            <m:e>
+                              <m:sSub>
+                                <m:sSubPr>
+                                  <m:ctrlPr>
+                                    <a:rPr lang="fr-FR" sz="2400" b="0" i="1" smtClean="0">
+                                      <a:latin typeface="Cambria Math" panose="02040503050406030204" pitchFamily="18" charset="0"/>
+                                    </a:rPr>
+                                  </m:ctrlPr>
+                                </m:sSubPr>
+                                <m:e>
+                                  <m:r>
+                                    <a:rPr lang="fr-FR" sz="2400" b="0" i="1" smtClean="0">
+                                      <a:latin typeface="Cambria Math" panose="02040503050406030204" pitchFamily="18" charset="0"/>
+                                    </a:rPr>
+                                    <m:t>𝐿</m:t>
+                                  </m:r>
+                                </m:e>
+                                <m:sub>
+                                  <m:r>
+                                    <a:rPr lang="fr-FR" sz="2400" b="0" i="1" smtClean="0">
+                                      <a:latin typeface="Cambria Math" panose="02040503050406030204" pitchFamily="18" charset="0"/>
+                                    </a:rPr>
+                                    <m:t>𝑐𝑜𝑖𝑙</m:t>
+                                  </m:r>
+                                </m:sub>
+                              </m:sSub>
+                              <m:r>
+                                <a:rPr lang="fr-FR" sz="2400" b="0" i="1" smtClean="0">
+                                  <a:latin typeface="Cambria Math" panose="02040503050406030204" pitchFamily="18" charset="0"/>
+                                </a:rPr>
+                                <m:t>.</m:t>
+                              </m:r>
+                              <m:r>
+                                <a:rPr lang="fr-FR" sz="2400" b="0" i="1" smtClean="0">
+                                  <a:latin typeface="Cambria Math" panose="02040503050406030204" pitchFamily="18" charset="0"/>
+                                  <a:ea typeface="Cambria Math" panose="02040503050406030204" pitchFamily="18" charset="0"/>
+                                </a:rPr>
+                                <m:t>𝜔</m:t>
+                              </m:r>
+                            </m:e>
+                          </m:d>
+                        </m:num>
+                        <m:den>
+                          <m:sSub>
+                            <m:sSubPr>
+                              <m:ctrlPr>
+                                <a:rPr lang="fr-FR" sz="2400" b="0" i="1" smtClean="0">
+                                  <a:latin typeface="Cambria Math" panose="02040503050406030204" pitchFamily="18" charset="0"/>
+                                  <a:ea typeface="Cambria Math" panose="02040503050406030204" pitchFamily="18" charset="0"/>
+                                </a:rPr>
+                              </m:ctrlPr>
+                            </m:sSubPr>
+                            <m:e>
+                              <m:r>
+                                <a:rPr lang="fr-FR" sz="2400" b="0" i="1" smtClean="0">
+                                  <a:latin typeface="Cambria Math" panose="02040503050406030204" pitchFamily="18" charset="0"/>
+                                  <a:ea typeface="Cambria Math" panose="02040503050406030204" pitchFamily="18" charset="0"/>
+                                </a:rPr>
+                                <m:t>𝑅</m:t>
+                              </m:r>
+                            </m:e>
+                            <m:sub>
+                              <m:r>
+                                <a:rPr lang="fr-FR" sz="2400" b="0" i="1" smtClean="0">
+                                  <a:latin typeface="Cambria Math" panose="02040503050406030204" pitchFamily="18" charset="0"/>
+                                  <a:ea typeface="Cambria Math" panose="02040503050406030204" pitchFamily="18" charset="0"/>
+                                </a:rPr>
+                                <m:t>𝑐𝑜𝑖𝑙</m:t>
+                              </m:r>
+                            </m:sub>
+                          </m:sSub>
+                        </m:den>
+                      </m:f>
+                      <m:r>
+                        <a:rPr lang="fr-FR" sz="2400" b="0" i="1" smtClean="0">
+                          <a:latin typeface="Cambria Math" panose="02040503050406030204" pitchFamily="18" charset="0"/>
+                          <a:ea typeface="Cambria Math" panose="02040503050406030204" pitchFamily="18" charset="0"/>
+                        </a:rPr>
+                        <m:t>≈100</m:t>
+                      </m:r>
+                    </m:oMath>
+                  </m:oMathPara>
+                </a14:m>
+                <a:endParaRPr lang="fr-FR" sz="2400" dirty="0"/>
+              </a:p>
+            </p:txBody>
+          </p:sp>
+        </mc:Choice>
+        <mc:Fallback xmlns="">
+          <p:sp>
+            <p:nvSpPr>
+              <p:cNvPr id="6" name="ZoneTexte 5">
+                <a:extLst>
+                  <a:ext uri="{FF2B5EF4-FFF2-40B4-BE49-F238E27FC236}">
+                    <a16:creationId xmlns:a16="http://schemas.microsoft.com/office/drawing/2014/main" id="{398C5BD6-A822-49E8-B009-97EB02D572EC}"/>
+                  </a:ext>
+                </a:extLst>
+              </p:cNvPr>
+              <p:cNvSpPr txBox="1">
+                <a:spLocks noRot="1" noChangeAspect="1" noMove="1" noResize="1" noEditPoints="1" noAdjustHandles="1" noChangeArrowheads="1" noChangeShapeType="1" noTextEdit="1"/>
+              </p:cNvSpPr>
+              <p:nvPr/>
+            </p:nvSpPr>
+            <p:spPr>
+              <a:xfrm>
+                <a:off x="5323435" y="2833974"/>
+                <a:ext cx="3386312" cy="871521"/>
+              </a:xfrm>
+              <a:prstGeom prst="rect">
+                <a:avLst/>
+              </a:prstGeom>
+              <a:blipFill>
+                <a:blip r:embed="rId3"/>
+                <a:stretch>
+                  <a:fillRect/>
+                </a:stretch>
+              </a:blipFill>
+            </p:spPr>
+            <p:txBody>
+              <a:bodyPr/>
+              <a:lstStyle/>
+              <a:p>
+                <a:r>
+                  <a:rPr lang="fr-FR">
+                    <a:noFill/>
+                  </a:rPr>
+                  <a:t> </a:t>
+                </a:r>
+              </a:p>
+            </p:txBody>
+          </p:sp>
+        </mc:Fallback>
+      </mc:AlternateContent>
+      <mc:AlternateContent xmlns:mc="http://schemas.openxmlformats.org/markup-compatibility/2006" xmlns:a14="http://schemas.microsoft.com/office/drawing/2010/main">
+        <mc:Choice Requires="a14">
+          <p:sp>
+            <p:nvSpPr>
+              <p:cNvPr id="7" name="ZoneTexte 6">
+                <a:extLst>
+                  <a:ext uri="{FF2B5EF4-FFF2-40B4-BE49-F238E27FC236}">
+                    <a16:creationId xmlns:a16="http://schemas.microsoft.com/office/drawing/2014/main" id="{CFF521C4-98F9-4C30-B94C-8100AAC05875}"/>
+                  </a:ext>
+                </a:extLst>
+              </p:cNvPr>
+              <p:cNvSpPr txBox="1"/>
+              <p:nvPr/>
+            </p:nvSpPr>
+            <p:spPr>
+              <a:xfrm>
+                <a:off x="5323435" y="4047602"/>
+                <a:ext cx="2924711" cy="871521"/>
+              </a:xfrm>
+              <a:prstGeom prst="rect">
+                <a:avLst/>
+              </a:prstGeom>
+              <a:noFill/>
+            </p:spPr>
+            <p:txBody>
+              <a:bodyPr wrap="none" rtlCol="0">
+                <a:spAutoFit/>
+              </a:bodyPr>
+              <a:lstStyle/>
+              <a:p>
+                <a:pPr/>
+                <a14:m>
+                  <m:oMathPara xmlns:m="http://schemas.openxmlformats.org/officeDocument/2006/math">
+                    <m:oMathParaPr>
+                      <m:jc m:val="centerGroup"/>
+                    </m:oMathParaPr>
+                    <m:oMath xmlns:m="http://schemas.openxmlformats.org/officeDocument/2006/math">
+                      <m:r>
+                        <a:rPr lang="fr-FR" sz="2400" b="0" i="1" smtClean="0">
+                          <a:latin typeface="Cambria Math" panose="02040503050406030204" pitchFamily="18" charset="0"/>
+                        </a:rPr>
+                        <m:t>𝑄</m:t>
+                      </m:r>
+                      <m:r>
+                        <a:rPr lang="fr-FR" sz="2400" b="0" i="1" smtClean="0">
+                          <a:latin typeface="Cambria Math" panose="02040503050406030204" pitchFamily="18" charset="0"/>
+                        </a:rPr>
+                        <m:t>=</m:t>
+                      </m:r>
+                      <m:f>
+                        <m:fPr>
+                          <m:ctrlPr>
+                            <a:rPr lang="fr-FR" sz="2400" b="0" i="1" smtClean="0">
+                              <a:latin typeface="Cambria Math" panose="02040503050406030204" pitchFamily="18" charset="0"/>
+                              <a:ea typeface="Cambria Math" panose="02040503050406030204" pitchFamily="18" charset="0"/>
+                            </a:rPr>
+                          </m:ctrlPr>
+                        </m:fPr>
+                        <m:num>
+                          <m:d>
+                            <m:dPr>
+                              <m:ctrlPr>
+                                <a:rPr lang="fr-FR" sz="2400" b="0" i="1" smtClean="0">
+                                  <a:latin typeface="Cambria Math" panose="02040503050406030204" pitchFamily="18" charset="0"/>
+                                </a:rPr>
+                              </m:ctrlPr>
+                            </m:dPr>
+                            <m:e>
+                              <m:sSub>
+                                <m:sSubPr>
+                                  <m:ctrlPr>
+                                    <a:rPr lang="fr-FR" sz="2400" b="0" i="1" smtClean="0">
+                                      <a:latin typeface="Cambria Math" panose="02040503050406030204" pitchFamily="18" charset="0"/>
+                                    </a:rPr>
+                                  </m:ctrlPr>
+                                </m:sSubPr>
+                                <m:e>
+                                  <m:r>
+                                    <a:rPr lang="fr-FR" sz="2400" b="0" i="1" smtClean="0">
+                                      <a:latin typeface="Cambria Math" panose="02040503050406030204" pitchFamily="18" charset="0"/>
+                                    </a:rPr>
+                                    <m:t>𝐿</m:t>
+                                  </m:r>
+                                </m:e>
+                                <m:sub>
+                                  <m:r>
+                                    <a:rPr lang="fr-FR" sz="2400" b="0" i="1" smtClean="0">
+                                      <a:latin typeface="Cambria Math" panose="02040503050406030204" pitchFamily="18" charset="0"/>
+                                    </a:rPr>
+                                    <m:t>𝑐𝑜𝑖𝑙</m:t>
+                                  </m:r>
+                                </m:sub>
+                              </m:sSub>
+                              <m:r>
+                                <a:rPr lang="fr-FR" sz="2400" b="0" i="1" smtClean="0">
+                                  <a:latin typeface="Cambria Math" panose="02040503050406030204" pitchFamily="18" charset="0"/>
+                                </a:rPr>
+                                <m:t>.</m:t>
+                              </m:r>
+                              <m:r>
+                                <a:rPr lang="fr-FR" sz="2400" b="0" i="1" smtClean="0">
+                                  <a:latin typeface="Cambria Math" panose="02040503050406030204" pitchFamily="18" charset="0"/>
+                                  <a:ea typeface="Cambria Math" panose="02040503050406030204" pitchFamily="18" charset="0"/>
+                                </a:rPr>
+                                <m:t>𝜔</m:t>
+                              </m:r>
+                            </m:e>
+                          </m:d>
+                        </m:num>
+                        <m:den>
+                          <m:sSub>
+                            <m:sSubPr>
+                              <m:ctrlPr>
+                                <a:rPr lang="fr-FR" sz="2400" b="0" i="1" smtClean="0">
+                                  <a:latin typeface="Cambria Math" panose="02040503050406030204" pitchFamily="18" charset="0"/>
+                                  <a:ea typeface="Cambria Math" panose="02040503050406030204" pitchFamily="18" charset="0"/>
+                                </a:rPr>
+                              </m:ctrlPr>
+                            </m:sSubPr>
+                            <m:e>
+                              <m:r>
+                                <a:rPr lang="fr-FR" sz="2400" b="0" i="1" smtClean="0">
+                                  <a:latin typeface="Cambria Math" panose="02040503050406030204" pitchFamily="18" charset="0"/>
+                                  <a:ea typeface="Cambria Math" panose="02040503050406030204" pitchFamily="18" charset="0"/>
+                                </a:rPr>
+                                <m:t>𝑅</m:t>
+                              </m:r>
+                            </m:e>
+                            <m:sub>
+                              <m:r>
+                                <a:rPr lang="fr-FR" sz="2400" b="0" i="1" smtClean="0">
+                                  <a:latin typeface="Cambria Math" panose="02040503050406030204" pitchFamily="18" charset="0"/>
+                                  <a:ea typeface="Cambria Math" panose="02040503050406030204" pitchFamily="18" charset="0"/>
+                                </a:rPr>
+                                <m:t>𝑐𝑜𝑖𝑙</m:t>
+                              </m:r>
+                            </m:sub>
+                          </m:sSub>
+                          <m:r>
+                            <a:rPr lang="fr-FR" sz="2400" b="0" i="1" smtClean="0">
+                              <a:latin typeface="Cambria Math" panose="02040503050406030204" pitchFamily="18" charset="0"/>
+                              <a:ea typeface="Cambria Math" panose="02040503050406030204" pitchFamily="18" charset="0"/>
+                            </a:rPr>
+                            <m:t>+</m:t>
+                          </m:r>
+                          <m:sSub>
+                            <m:sSubPr>
+                              <m:ctrlPr>
+                                <a:rPr lang="fr-FR" sz="2400" b="0" i="1" smtClean="0">
+                                  <a:latin typeface="Cambria Math" panose="02040503050406030204" pitchFamily="18" charset="0"/>
+                                  <a:ea typeface="Cambria Math" panose="02040503050406030204" pitchFamily="18" charset="0"/>
+                                </a:rPr>
+                              </m:ctrlPr>
+                            </m:sSubPr>
+                            <m:e>
+                              <m:r>
+                                <a:rPr lang="fr-FR" sz="2400" b="0" i="1" smtClean="0">
+                                  <a:latin typeface="Cambria Math" panose="02040503050406030204" pitchFamily="18" charset="0"/>
+                                  <a:ea typeface="Cambria Math" panose="02040503050406030204" pitchFamily="18" charset="0"/>
+                                </a:rPr>
+                                <m:t>𝑅</m:t>
+                              </m:r>
+                            </m:e>
+                            <m:sub>
+                              <m:r>
+                                <a:rPr lang="fr-FR" sz="2400" b="0" i="1" smtClean="0">
+                                  <a:latin typeface="Cambria Math" panose="02040503050406030204" pitchFamily="18" charset="0"/>
+                                  <a:ea typeface="Cambria Math" panose="02040503050406030204" pitchFamily="18" charset="0"/>
+                                </a:rPr>
+                                <m:t>𝑠</m:t>
+                              </m:r>
+                            </m:sub>
+                          </m:sSub>
+                        </m:den>
+                      </m:f>
+                      <m:r>
+                        <a:rPr lang="fr-FR" sz="2400" b="0" i="1" smtClean="0">
+                          <a:latin typeface="Cambria Math" panose="02040503050406030204" pitchFamily="18" charset="0"/>
+                          <a:ea typeface="Cambria Math" panose="02040503050406030204" pitchFamily="18" charset="0"/>
+                        </a:rPr>
+                        <m:t>=20</m:t>
+                      </m:r>
+                    </m:oMath>
+                  </m:oMathPara>
+                </a14:m>
+                <a:endParaRPr lang="fr-FR" sz="2400" dirty="0"/>
+              </a:p>
+            </p:txBody>
+          </p:sp>
+        </mc:Choice>
+        <mc:Fallback xmlns="">
+          <p:sp>
+            <p:nvSpPr>
+              <p:cNvPr id="7" name="ZoneTexte 6">
+                <a:extLst>
+                  <a:ext uri="{FF2B5EF4-FFF2-40B4-BE49-F238E27FC236}">
+                    <a16:creationId xmlns:a16="http://schemas.microsoft.com/office/drawing/2014/main" id="{CFF521C4-98F9-4C30-B94C-8100AAC05875}"/>
+                  </a:ext>
+                </a:extLst>
+              </p:cNvPr>
+              <p:cNvSpPr txBox="1">
+                <a:spLocks noRot="1" noChangeAspect="1" noMove="1" noResize="1" noEditPoints="1" noAdjustHandles="1" noChangeArrowheads="1" noChangeShapeType="1" noTextEdit="1"/>
+              </p:cNvSpPr>
+              <p:nvPr/>
+            </p:nvSpPr>
+            <p:spPr>
+              <a:xfrm>
+                <a:off x="5323435" y="4047602"/>
+                <a:ext cx="2924711" cy="871521"/>
+              </a:xfrm>
+              <a:prstGeom prst="rect">
+                <a:avLst/>
+              </a:prstGeom>
+              <a:blipFill>
+                <a:blip r:embed="rId4"/>
+                <a:stretch>
+                  <a:fillRect/>
+                </a:stretch>
+              </a:blipFill>
+            </p:spPr>
+            <p:txBody>
+              <a:bodyPr/>
+              <a:lstStyle/>
+              <a:p>
+                <a:r>
+                  <a:rPr lang="fr-FR">
+                    <a:noFill/>
+                  </a:rPr>
+                  <a:t> </a:t>
+                </a:r>
+              </a:p>
+            </p:txBody>
+          </p:sp>
+        </mc:Fallback>
+      </mc:AlternateContent>
+      <p:cxnSp>
+        <p:nvCxnSpPr>
+          <p:cNvPr id="8" name="Connecteur droit avec flèche 7">
+            <a:extLst>
+              <a:ext uri="{FF2B5EF4-FFF2-40B4-BE49-F238E27FC236}">
+                <a16:creationId xmlns:a16="http://schemas.microsoft.com/office/drawing/2014/main" id="{241128FF-69E9-4FD1-9C23-DE05CFBF425C}"/>
+              </a:ext>
+            </a:extLst>
+          </p:cNvPr>
+          <p:cNvCxnSpPr>
+            <a:cxnSpLocks/>
+          </p:cNvCxnSpPr>
+          <p:nvPr/>
+        </p:nvCxnSpPr>
+        <p:spPr>
+          <a:xfrm>
+            <a:off x="8677557" y="3832371"/>
+            <a:ext cx="733865" cy="0"/>
+          </a:xfrm>
+          <a:prstGeom prst="straightConnector1">
+            <a:avLst/>
+          </a:prstGeom>
+          <a:ln w="76200">
+            <a:tailEnd type="triangle"/>
+          </a:ln>
+        </p:spPr>
+        <p:style>
+          <a:lnRef idx="1">
+            <a:schemeClr val="accent1"/>
+          </a:lnRef>
+          <a:fillRef idx="0">
+            <a:schemeClr val="accent1"/>
+          </a:fillRef>
+          <a:effectRef idx="0">
+            <a:schemeClr val="accent1"/>
+          </a:effectRef>
+          <a:fontRef idx="minor">
+            <a:schemeClr val="tx1"/>
+          </a:fontRef>
+        </p:style>
+      </p:cxnSp>
+      <mc:AlternateContent xmlns:mc="http://schemas.openxmlformats.org/markup-compatibility/2006">
+        <mc:Choice xmlns:a14="http://schemas.microsoft.com/office/drawing/2010/main" Requires="a14">
+          <p:sp>
+            <p:nvSpPr>
+              <p:cNvPr id="9" name="ZoneTexte 8">
+                <a:extLst>
+                  <a:ext uri="{FF2B5EF4-FFF2-40B4-BE49-F238E27FC236}">
+                    <a16:creationId xmlns:a16="http://schemas.microsoft.com/office/drawing/2014/main" id="{CFE82203-5232-40E4-8DA9-6764A4C6C01F}"/>
+                  </a:ext>
+                </a:extLst>
+              </p:cNvPr>
+              <p:cNvSpPr txBox="1"/>
+              <p:nvPr/>
+            </p:nvSpPr>
+            <p:spPr>
+              <a:xfrm>
+                <a:off x="9741845" y="3113050"/>
+                <a:ext cx="2065181" cy="461665"/>
+              </a:xfrm>
+              <a:prstGeom prst="rect">
+                <a:avLst/>
+              </a:prstGeom>
+              <a:noFill/>
+            </p:spPr>
+            <p:txBody>
+              <a:bodyPr wrap="none" rtlCol="0">
+                <a:spAutoFit/>
+              </a:bodyPr>
+              <a:lstStyle/>
+              <a:p>
+                <a:pPr/>
+                <a14:m>
+                  <m:oMathPara xmlns:m="http://schemas.openxmlformats.org/officeDocument/2006/math">
+                    <m:oMathParaPr>
+                      <m:jc m:val="centerGroup"/>
+                    </m:oMathParaPr>
+                    <m:oMath xmlns:m="http://schemas.openxmlformats.org/officeDocument/2006/math">
+                      <m:sSub>
+                        <m:sSubPr>
+                          <m:ctrlPr>
+                            <a:rPr lang="fr-FR" sz="2400" b="0" i="1" smtClean="0">
+                              <a:latin typeface="Cambria Math" panose="02040503050406030204" pitchFamily="18" charset="0"/>
+                            </a:rPr>
+                          </m:ctrlPr>
+                        </m:sSubPr>
+                        <m:e>
+                          <m:r>
+                            <a:rPr lang="fr-FR" sz="2400" b="0" i="1" smtClean="0">
+                              <a:latin typeface="Cambria Math" panose="02040503050406030204" pitchFamily="18" charset="0"/>
+                            </a:rPr>
+                            <m:t>𝑅</m:t>
+                          </m:r>
+                        </m:e>
+                        <m:sub>
+                          <m:r>
+                            <a:rPr lang="fr-FR" sz="2400" b="0" i="1" smtClean="0">
+                              <a:latin typeface="Cambria Math" panose="02040503050406030204" pitchFamily="18" charset="0"/>
+                            </a:rPr>
+                            <m:t>𝑐𝑜𝑖𝑙</m:t>
+                          </m:r>
+                        </m:sub>
+                      </m:sSub>
+                      <m:r>
+                        <a:rPr lang="fr-FR" sz="2400" b="0" i="1" smtClean="0">
+                          <a:latin typeface="Cambria Math" panose="02040503050406030204" pitchFamily="18" charset="0"/>
+                        </a:rPr>
+                        <m:t>=</m:t>
+                      </m:r>
+                      <m:r>
+                        <a:rPr lang="fr-FR" sz="2400" b="0" i="1" smtClean="0">
+                          <a:solidFill>
+                            <a:schemeClr val="accent5">
+                              <a:lumMod val="75000"/>
+                            </a:schemeClr>
+                          </a:solidFill>
+                          <a:latin typeface="Cambria Math" panose="02040503050406030204" pitchFamily="18" charset="0"/>
+                        </a:rPr>
+                        <m:t>2,09</m:t>
+                      </m:r>
+                      <m:r>
+                        <a:rPr lang="el-GR" sz="2400" b="0" i="1" smtClean="0">
+                          <a:solidFill>
+                            <a:schemeClr val="accent5">
+                              <a:lumMod val="75000"/>
+                            </a:schemeClr>
+                          </a:solidFill>
+                          <a:latin typeface="Cambria Math" panose="02040503050406030204" pitchFamily="18" charset="0"/>
+                        </a:rPr>
+                        <m:t>Ω</m:t>
+                      </m:r>
+                    </m:oMath>
+                  </m:oMathPara>
+                </a14:m>
+                <a:endParaRPr lang="fr-FR" sz="2400" dirty="0"/>
+              </a:p>
+            </p:txBody>
+          </p:sp>
+        </mc:Choice>
+        <mc:Fallback>
+          <p:sp>
+            <p:nvSpPr>
+              <p:cNvPr id="9" name="ZoneTexte 8">
+                <a:extLst>
+                  <a:ext uri="{FF2B5EF4-FFF2-40B4-BE49-F238E27FC236}">
+                    <a16:creationId xmlns:a16="http://schemas.microsoft.com/office/drawing/2014/main" id="{CFE82203-5232-40E4-8DA9-6764A4C6C01F}"/>
+                  </a:ext>
+                </a:extLst>
+              </p:cNvPr>
+              <p:cNvSpPr txBox="1">
+                <a:spLocks noRot="1" noChangeAspect="1" noMove="1" noResize="1" noEditPoints="1" noAdjustHandles="1" noChangeArrowheads="1" noChangeShapeType="1" noTextEdit="1"/>
+              </p:cNvSpPr>
+              <p:nvPr/>
+            </p:nvSpPr>
+            <p:spPr>
+              <a:xfrm>
+                <a:off x="9741845" y="3113050"/>
+                <a:ext cx="2065181" cy="461665"/>
+              </a:xfrm>
+              <a:prstGeom prst="rect">
+                <a:avLst/>
+              </a:prstGeom>
+              <a:blipFill>
+                <a:blip r:embed="rId5"/>
+                <a:stretch>
+                  <a:fillRect b="-5333"/>
+                </a:stretch>
+              </a:blipFill>
+            </p:spPr>
+            <p:txBody>
+              <a:bodyPr/>
+              <a:lstStyle/>
+              <a:p>
+                <a:r>
+                  <a:rPr lang="fr-FR">
+                    <a:noFill/>
+                  </a:rPr>
+                  <a:t> </a:t>
+                </a:r>
+              </a:p>
+            </p:txBody>
+          </p:sp>
+        </mc:Fallback>
+      </mc:AlternateContent>
+      <mc:AlternateContent xmlns:mc="http://schemas.openxmlformats.org/markup-compatibility/2006">
+        <mc:Choice xmlns:a14="http://schemas.microsoft.com/office/drawing/2010/main" Requires="a14">
+          <p:sp>
+            <p:nvSpPr>
+              <p:cNvPr id="10" name="ZoneTexte 9">
+                <a:extLst>
+                  <a:ext uri="{FF2B5EF4-FFF2-40B4-BE49-F238E27FC236}">
+                    <a16:creationId xmlns:a16="http://schemas.microsoft.com/office/drawing/2014/main" id="{53C62AC9-F012-4AA7-B8B9-74661FF6A4B5}"/>
+                  </a:ext>
+                </a:extLst>
+              </p:cNvPr>
+              <p:cNvSpPr txBox="1"/>
+              <p:nvPr/>
+            </p:nvSpPr>
+            <p:spPr>
+              <a:xfrm>
+                <a:off x="5188910" y="5442058"/>
+                <a:ext cx="3506280" cy="461665"/>
+              </a:xfrm>
+              <a:prstGeom prst="rect">
+                <a:avLst/>
+              </a:prstGeom>
+              <a:noFill/>
+            </p:spPr>
+            <p:txBody>
+              <a:bodyPr wrap="none" rtlCol="0">
+                <a:spAutoFit/>
+              </a:bodyPr>
+              <a:lstStyle/>
+              <a:p>
+                <a:pPr/>
+                <a14:m>
+                  <m:oMathPara xmlns:m="http://schemas.openxmlformats.org/officeDocument/2006/math">
+                    <m:oMathParaPr>
+                      <m:jc m:val="centerGroup"/>
+                    </m:oMathParaPr>
+                    <m:oMath xmlns:m="http://schemas.openxmlformats.org/officeDocument/2006/math">
+                      <m:r>
+                        <a:rPr lang="fr-FR" sz="2400" b="0" i="1" smtClean="0">
+                          <a:latin typeface="Cambria Math" panose="02040503050406030204" pitchFamily="18" charset="0"/>
+                        </a:rPr>
+                        <m:t>𝐹</m:t>
+                      </m:r>
+                      <m:r>
+                        <a:rPr lang="fr-FR" sz="2400" b="0" i="1" smtClean="0">
+                          <a:latin typeface="Cambria Math" panose="02040503050406030204" pitchFamily="18" charset="0"/>
+                        </a:rPr>
+                        <m:t>𝑟</m:t>
+                      </m:r>
+                      <m:r>
+                        <a:rPr lang="fr-FR" sz="2400" b="0" i="1" smtClean="0">
+                          <a:latin typeface="Cambria Math" panose="02040503050406030204" pitchFamily="18" charset="0"/>
+                        </a:rPr>
+                        <m:t>é</m:t>
+                      </m:r>
+                      <m:r>
+                        <a:rPr lang="fr-FR" sz="2400" b="0" i="1" smtClean="0">
+                          <a:latin typeface="Cambria Math" panose="02040503050406030204" pitchFamily="18" charset="0"/>
+                        </a:rPr>
+                        <m:t>𝑞𝑢𝑒𝑛𝑐𝑒</m:t>
+                      </m:r>
+                      <m:r>
+                        <a:rPr lang="fr-FR" sz="2400" b="0" i="1" smtClean="0">
+                          <a:latin typeface="Cambria Math" panose="02040503050406030204" pitchFamily="18" charset="0"/>
+                        </a:rPr>
+                        <m:t>=13,56</m:t>
+                      </m:r>
+                      <m:r>
+                        <a:rPr lang="fr-FR" sz="2400" b="0" i="1" smtClean="0">
+                          <a:latin typeface="Cambria Math" panose="02040503050406030204" pitchFamily="18" charset="0"/>
+                        </a:rPr>
+                        <m:t>𝑀𝐻𝑧</m:t>
+                      </m:r>
+                    </m:oMath>
+                  </m:oMathPara>
+                </a14:m>
+                <a:endParaRPr lang="fr-FR" sz="2400" dirty="0"/>
+              </a:p>
+            </p:txBody>
+          </p:sp>
+        </mc:Choice>
+        <mc:Fallback>
+          <p:sp>
+            <p:nvSpPr>
+              <p:cNvPr id="10" name="ZoneTexte 9">
+                <a:extLst>
+                  <a:ext uri="{FF2B5EF4-FFF2-40B4-BE49-F238E27FC236}">
+                    <a16:creationId xmlns:a16="http://schemas.microsoft.com/office/drawing/2014/main" id="{53C62AC9-F012-4AA7-B8B9-74661FF6A4B5}"/>
+                  </a:ext>
+                </a:extLst>
+              </p:cNvPr>
+              <p:cNvSpPr txBox="1">
+                <a:spLocks noRot="1" noChangeAspect="1" noMove="1" noResize="1" noEditPoints="1" noAdjustHandles="1" noChangeArrowheads="1" noChangeShapeType="1" noTextEdit="1"/>
+              </p:cNvSpPr>
+              <p:nvPr/>
+            </p:nvSpPr>
+            <p:spPr>
+              <a:xfrm>
+                <a:off x="5188910" y="5442058"/>
+                <a:ext cx="3506280" cy="461665"/>
+              </a:xfrm>
+              <a:prstGeom prst="rect">
+                <a:avLst/>
+              </a:prstGeom>
+              <a:blipFill>
+                <a:blip r:embed="rId6"/>
+                <a:stretch>
+                  <a:fillRect b="-21333"/>
+                </a:stretch>
+              </a:blipFill>
+            </p:spPr>
+            <p:txBody>
+              <a:bodyPr/>
+              <a:lstStyle/>
+              <a:p>
+                <a:r>
+                  <a:rPr lang="fr-FR">
+                    <a:noFill/>
+                  </a:rPr>
+                  <a:t> </a:t>
+                </a:r>
+              </a:p>
+            </p:txBody>
+          </p:sp>
+        </mc:Fallback>
+      </mc:AlternateContent>
+      <mc:AlternateContent xmlns:mc="http://schemas.openxmlformats.org/markup-compatibility/2006">
+        <mc:Choice xmlns:a14="http://schemas.microsoft.com/office/drawing/2010/main" Requires="a14">
+          <p:sp>
+            <p:nvSpPr>
+              <p:cNvPr id="11" name="ZoneTexte 10">
+                <a:extLst>
+                  <a:ext uri="{FF2B5EF4-FFF2-40B4-BE49-F238E27FC236}">
+                    <a16:creationId xmlns:a16="http://schemas.microsoft.com/office/drawing/2014/main" id="{78414AA9-F968-48C3-AAC8-AE1F8B001099}"/>
+                  </a:ext>
+                </a:extLst>
+              </p:cNvPr>
+              <p:cNvSpPr txBox="1"/>
+              <p:nvPr/>
+            </p:nvSpPr>
+            <p:spPr>
+              <a:xfrm>
+                <a:off x="9741845" y="3976440"/>
+                <a:ext cx="1767150" cy="461665"/>
+              </a:xfrm>
+              <a:prstGeom prst="rect">
+                <a:avLst/>
+              </a:prstGeom>
+              <a:noFill/>
+            </p:spPr>
+            <p:txBody>
+              <a:bodyPr wrap="none" rtlCol="0">
+                <a:spAutoFit/>
+              </a:bodyPr>
+              <a:lstStyle/>
+              <a:p>
+                <a:pPr/>
+                <a14:m>
+                  <m:oMathPara xmlns:m="http://schemas.openxmlformats.org/officeDocument/2006/math">
+                    <m:oMathParaPr>
+                      <m:jc m:val="centerGroup"/>
+                    </m:oMathParaPr>
+                    <m:oMath xmlns:m="http://schemas.openxmlformats.org/officeDocument/2006/math">
+                      <m:sSub>
+                        <m:sSubPr>
+                          <m:ctrlPr>
+                            <a:rPr lang="fr-FR" sz="2400" b="0" i="1" smtClean="0">
+                              <a:latin typeface="Cambria Math" panose="02040503050406030204" pitchFamily="18" charset="0"/>
+                            </a:rPr>
+                          </m:ctrlPr>
+                        </m:sSubPr>
+                        <m:e>
+                          <m:r>
+                            <a:rPr lang="fr-FR" sz="2400" b="0" i="1" smtClean="0">
+                              <a:latin typeface="Cambria Math" panose="02040503050406030204" pitchFamily="18" charset="0"/>
+                            </a:rPr>
+                            <m:t>𝑅</m:t>
+                          </m:r>
+                        </m:e>
+                        <m:sub>
+                          <m:r>
+                            <a:rPr lang="fr-FR" sz="2400" b="0" i="1" smtClean="0">
+                              <a:latin typeface="Cambria Math" panose="02040503050406030204" pitchFamily="18" charset="0"/>
+                            </a:rPr>
+                            <m:t>𝑠</m:t>
+                          </m:r>
+                        </m:sub>
+                      </m:sSub>
+                      <m:r>
+                        <a:rPr lang="fr-FR" sz="2400" b="0" i="1" smtClean="0">
+                          <a:latin typeface="Cambria Math" panose="02040503050406030204" pitchFamily="18" charset="0"/>
+                        </a:rPr>
+                        <m:t>=</m:t>
+                      </m:r>
+                      <m:r>
+                        <a:rPr lang="fr-FR" sz="2400" b="0" i="1" smtClean="0">
+                          <a:solidFill>
+                            <a:schemeClr val="accent5">
+                              <a:lumMod val="75000"/>
+                            </a:schemeClr>
+                          </a:solidFill>
+                          <a:latin typeface="Cambria Math" panose="02040503050406030204" pitchFamily="18" charset="0"/>
+                        </a:rPr>
+                        <m:t>8,35</m:t>
+                      </m:r>
+                      <m:r>
+                        <a:rPr lang="el-GR" sz="2400" b="0" i="1" smtClean="0">
+                          <a:solidFill>
+                            <a:schemeClr val="accent5">
+                              <a:lumMod val="75000"/>
+                            </a:schemeClr>
+                          </a:solidFill>
+                          <a:latin typeface="Cambria Math" panose="02040503050406030204" pitchFamily="18" charset="0"/>
+                        </a:rPr>
+                        <m:t>Ω</m:t>
+                      </m:r>
+                    </m:oMath>
+                  </m:oMathPara>
+                </a14:m>
+                <a:endParaRPr lang="fr-FR" sz="2400" dirty="0"/>
+              </a:p>
+            </p:txBody>
+          </p:sp>
+        </mc:Choice>
+        <mc:Fallback>
+          <p:sp>
+            <p:nvSpPr>
+              <p:cNvPr id="11" name="ZoneTexte 10">
+                <a:extLst>
+                  <a:ext uri="{FF2B5EF4-FFF2-40B4-BE49-F238E27FC236}">
+                    <a16:creationId xmlns:a16="http://schemas.microsoft.com/office/drawing/2014/main" id="{78414AA9-F968-48C3-AAC8-AE1F8B001099}"/>
+                  </a:ext>
+                </a:extLst>
+              </p:cNvPr>
+              <p:cNvSpPr txBox="1">
+                <a:spLocks noRot="1" noChangeAspect="1" noMove="1" noResize="1" noEditPoints="1" noAdjustHandles="1" noChangeArrowheads="1" noChangeShapeType="1" noTextEdit="1"/>
+              </p:cNvSpPr>
+              <p:nvPr/>
+            </p:nvSpPr>
+            <p:spPr>
+              <a:xfrm>
+                <a:off x="9741845" y="3976440"/>
+                <a:ext cx="1767150" cy="461665"/>
+              </a:xfrm>
+              <a:prstGeom prst="rect">
+                <a:avLst/>
+              </a:prstGeom>
+              <a:blipFill>
+                <a:blip r:embed="rId7"/>
+                <a:stretch>
+                  <a:fillRect/>
+                </a:stretch>
+              </a:blipFill>
+            </p:spPr>
+            <p:txBody>
+              <a:bodyPr/>
+              <a:lstStyle/>
+              <a:p>
+                <a:r>
+                  <a:rPr lang="fr-FR">
+                    <a:noFill/>
+                  </a:rPr>
+                  <a:t> </a:t>
+                </a:r>
+              </a:p>
+            </p:txBody>
+          </p:sp>
+        </mc:Fallback>
+      </mc:AlternateContent>
+      <p:sp>
+        <p:nvSpPr>
+          <p:cNvPr id="12" name="Rectangle 11">
+            <a:extLst>
+              <a:ext uri="{FF2B5EF4-FFF2-40B4-BE49-F238E27FC236}">
+                <a16:creationId xmlns:a16="http://schemas.microsoft.com/office/drawing/2014/main" id="{6B3D7FA7-1674-4D10-8F33-3496854B6694}"/>
+              </a:ext>
+            </a:extLst>
+          </p:cNvPr>
+          <p:cNvSpPr/>
+          <p:nvPr/>
+        </p:nvSpPr>
+        <p:spPr>
+          <a:xfrm>
+            <a:off x="9628201" y="3113049"/>
+            <a:ext cx="2184905" cy="1433787"/>
+          </a:xfrm>
+          <a:prstGeom prst="rect">
+            <a:avLst/>
+          </a:prstGeom>
+          <a:noFill/>
+          <a:ln w="38100"/>
+        </p:spPr>
+        <p:style>
+          <a:lnRef idx="2">
+            <a:schemeClr val="accent1"/>
+          </a:lnRef>
+          <a:fillRef idx="1">
+            <a:schemeClr val="lt1"/>
+          </a:fillRef>
+          <a:effectRef idx="0">
+            <a:schemeClr val="accent1"/>
+          </a:effectRef>
+          <a:fontRef idx="minor">
+            <a:schemeClr val="dk1"/>
+          </a:fontRef>
+        </p:style>
+        <p:txBody>
+          <a:bodyPr rtlCol="0" anchor="ctr"/>
+          <a:lstStyle/>
+          <a:p>
+            <a:pPr algn="ctr"/>
+            <a:endParaRPr lang="fr-FR"/>
+          </a:p>
+        </p:txBody>
+      </p:sp>
+      <p:sp>
+        <p:nvSpPr>
+          <p:cNvPr id="3" name="Espace réservé du numéro de diapositive 2">
+            <a:extLst>
+              <a:ext uri="{FF2B5EF4-FFF2-40B4-BE49-F238E27FC236}">
+                <a16:creationId xmlns:a16="http://schemas.microsoft.com/office/drawing/2014/main" id="{D4AB3DD2-DF2B-4901-AE0E-5B8A75D9F36B}"/>
+              </a:ext>
+            </a:extLst>
+          </p:cNvPr>
+          <p:cNvSpPr>
+            <a:spLocks noGrp="1"/>
+          </p:cNvSpPr>
+          <p:nvPr>
+            <p:ph type="sldNum" sz="quarter" idx="12"/>
+          </p:nvPr>
+        </p:nvSpPr>
+        <p:spPr/>
+        <p:txBody>
+          <a:bodyPr/>
+          <a:lstStyle/>
+          <a:p>
+            <a:fld id="{6D22F896-40B5-4ADD-8801-0D06FADFA095}" type="slidenum">
+              <a:rPr lang="en-US" smtClean="0"/>
+              <a:t>6</a:t>
+            </a:fld>
+            <a:endParaRPr lang="en-US" dirty="0"/>
+          </a:p>
+        </p:txBody>
+      </p:sp>
+    </p:spTree>
+    <p:extLst>
+      <p:ext uri="{BB962C8B-B14F-4D97-AF65-F5344CB8AC3E}">
+        <p14:creationId xmlns:p14="http://schemas.microsoft.com/office/powerpoint/2010/main" val="2516040888"/>
+      </p:ext>
+    </p:extLst>
+  </p:cSld>
+  <p:clrMapOvr>
+    <a:masterClrMapping/>
+  </p:clrMapOvr>
+</p:sld>
+</file>
+
+<file path=ppt/slides/slide7.xml><?xml version="1.0" encoding="utf-8"?>
+<p:sld xmlns:a="http://schemas.openxmlformats.org/drawingml/2006/main" xmlns:r="http://schemas.openxmlformats.org/officeDocument/2006/relationships" xmlns:p="http://schemas.openxmlformats.org/presentationml/2006/main">
+  <p:cSld>
+    <p:spTree>
+      <p:nvGrpSpPr>
+        <p:cNvPr id="1" name=""/>
+        <p:cNvGrpSpPr/>
+        <p:nvPr/>
+      </p:nvGrpSpPr>
+      <p:grpSpPr>
+        <a:xfrm>
+          <a:off x="0" y="0"/>
+          <a:ext cx="0" cy="0"/>
+          <a:chOff x="0" y="0"/>
+          <a:chExt cx="0" cy="0"/>
+        </a:xfrm>
+      </p:grpSpPr>
+      <p:sp>
+        <p:nvSpPr>
+          <p:cNvPr id="2" name="Titre 1">
+            <a:extLst>
+              <a:ext uri="{FF2B5EF4-FFF2-40B4-BE49-F238E27FC236}">
+                <a16:creationId xmlns:a16="http://schemas.microsoft.com/office/drawing/2014/main" id="{99AEA8B6-CA57-4613-AD0B-2B08694186E2}"/>
+              </a:ext>
+            </a:extLst>
+          </p:cNvPr>
+          <p:cNvSpPr>
+            <a:spLocks noGrp="1"/>
+          </p:cNvSpPr>
+          <p:nvPr>
+            <p:ph type="title"/>
+          </p:nvPr>
+        </p:nvSpPr>
+        <p:spPr/>
+        <p:txBody>
+          <a:bodyPr/>
+          <a:lstStyle/>
+          <a:p>
+            <a:r>
+              <a:rPr lang="fr-FR" dirty="0"/>
+              <a:t>ADAPTATION D’IMPEDANCE</a:t>
+            </a:r>
+          </a:p>
+        </p:txBody>
+      </p:sp>
+      <p:pic>
+        <p:nvPicPr>
+          <p:cNvPr id="5" name="Image 4">
+            <a:extLst>
+              <a:ext uri="{FF2B5EF4-FFF2-40B4-BE49-F238E27FC236}">
+                <a16:creationId xmlns:a16="http://schemas.microsoft.com/office/drawing/2014/main" id="{2384ADC5-DBE4-4C16-8488-72BBBC233975}"/>
+              </a:ext>
+            </a:extLst>
+          </p:cNvPr>
+          <p:cNvPicPr>
+            <a:picLocks noChangeAspect="1"/>
+          </p:cNvPicPr>
+          <p:nvPr/>
+        </p:nvPicPr>
+        <p:blipFill>
+          <a:blip r:embed="rId2"/>
+          <a:stretch>
+            <a:fillRect/>
+          </a:stretch>
+        </p:blipFill>
+        <p:spPr>
+          <a:xfrm>
+            <a:off x="162542" y="2773548"/>
+            <a:ext cx="3920239" cy="3767198"/>
+          </a:xfrm>
+          <a:prstGeom prst="rect">
+            <a:avLst/>
+          </a:prstGeom>
+        </p:spPr>
+      </p:pic>
+      <p:cxnSp>
+        <p:nvCxnSpPr>
+          <p:cNvPr id="7" name="Connecteur droit avec flèche 6">
+            <a:extLst>
+              <a:ext uri="{FF2B5EF4-FFF2-40B4-BE49-F238E27FC236}">
+                <a16:creationId xmlns:a16="http://schemas.microsoft.com/office/drawing/2014/main" id="{1B85872D-BC29-4465-BBA0-43375E1996DB}"/>
+              </a:ext>
+            </a:extLst>
+          </p:cNvPr>
+          <p:cNvCxnSpPr>
+            <a:cxnSpLocks/>
+          </p:cNvCxnSpPr>
+          <p:nvPr/>
+        </p:nvCxnSpPr>
+        <p:spPr>
+          <a:xfrm flipH="1">
+            <a:off x="3556000" y="3074618"/>
+            <a:ext cx="756554" cy="718449"/>
+          </a:xfrm>
+          <a:prstGeom prst="straightConnector1">
+            <a:avLst/>
+          </a:prstGeom>
+          <a:ln w="76200">
+            <a:tailEnd type="triangle"/>
+          </a:ln>
+        </p:spPr>
+        <p:style>
+          <a:lnRef idx="1">
+            <a:schemeClr val="accent1"/>
+          </a:lnRef>
+          <a:fillRef idx="0">
+            <a:schemeClr val="accent1"/>
+          </a:fillRef>
+          <a:effectRef idx="0">
+            <a:schemeClr val="accent1"/>
+          </a:effectRef>
+          <a:fontRef idx="minor">
+            <a:schemeClr val="tx1"/>
+          </a:fontRef>
+        </p:style>
+      </p:cxnSp>
+      <mc:AlternateContent xmlns:mc="http://schemas.openxmlformats.org/markup-compatibility/2006">
+        <mc:Choice xmlns:a14="http://schemas.microsoft.com/office/drawing/2010/main" Requires="a14">
+          <p:sp>
+            <p:nvSpPr>
+              <p:cNvPr id="10" name="ZoneTexte 9">
+                <a:extLst>
+                  <a:ext uri="{FF2B5EF4-FFF2-40B4-BE49-F238E27FC236}">
+                    <a16:creationId xmlns:a16="http://schemas.microsoft.com/office/drawing/2014/main" id="{53111790-B597-42A2-88BB-166C4AC3F252}"/>
+                  </a:ext>
+                </a:extLst>
+              </p:cNvPr>
+              <p:cNvSpPr txBox="1"/>
+              <p:nvPr/>
+            </p:nvSpPr>
+            <p:spPr>
+              <a:xfrm>
+                <a:off x="4424510" y="2720675"/>
+                <a:ext cx="2391873" cy="707886"/>
+              </a:xfrm>
+              <a:prstGeom prst="rect">
+                <a:avLst/>
+              </a:prstGeom>
+              <a:noFill/>
+            </p:spPr>
+            <p:txBody>
+              <a:bodyPr wrap="square" rtlCol="0">
+                <a:spAutoFit/>
+              </a:bodyPr>
+              <a:lstStyle/>
+              <a:p>
+                <a:r>
+                  <a:rPr lang="fr-FR" sz="2000" dirty="0"/>
+                  <a:t>L’antenne n’est pas adaptée </a:t>
+                </a:r>
+                <a14:m>
+                  <m:oMath xmlns:m="http://schemas.openxmlformats.org/officeDocument/2006/math">
+                    <m:r>
+                      <a:rPr lang="fr-FR" sz="2000" i="1" dirty="0" smtClean="0">
+                        <a:latin typeface="Cambria Math" panose="02040503050406030204" pitchFamily="18" charset="0"/>
+                      </a:rPr>
+                      <m:t>50</m:t>
+                    </m:r>
+                    <m:r>
+                      <a:rPr lang="fr-FR" sz="2000" i="1" dirty="0">
+                        <a:latin typeface="Cambria Math" panose="02040503050406030204" pitchFamily="18" charset="0"/>
+                      </a:rPr>
+                      <m:t>Ω</m:t>
+                    </m:r>
+                  </m:oMath>
+                </a14:m>
+                <a:endParaRPr lang="fr-FR" sz="2000" dirty="0"/>
+              </a:p>
+            </p:txBody>
+          </p:sp>
+        </mc:Choice>
+        <mc:Fallback>
+          <p:sp>
+            <p:nvSpPr>
+              <p:cNvPr id="10" name="ZoneTexte 9">
+                <a:extLst>
+                  <a:ext uri="{FF2B5EF4-FFF2-40B4-BE49-F238E27FC236}">
+                    <a16:creationId xmlns:a16="http://schemas.microsoft.com/office/drawing/2014/main" id="{53111790-B597-42A2-88BB-166C4AC3F252}"/>
+                  </a:ext>
+                </a:extLst>
+              </p:cNvPr>
+              <p:cNvSpPr txBox="1">
+                <a:spLocks noRot="1" noChangeAspect="1" noMove="1" noResize="1" noEditPoints="1" noAdjustHandles="1" noChangeArrowheads="1" noChangeShapeType="1" noTextEdit="1"/>
+              </p:cNvSpPr>
+              <p:nvPr/>
+            </p:nvSpPr>
+            <p:spPr>
+              <a:xfrm>
+                <a:off x="4424510" y="2720675"/>
+                <a:ext cx="2391873" cy="707886"/>
+              </a:xfrm>
+              <a:prstGeom prst="rect">
+                <a:avLst/>
+              </a:prstGeom>
+              <a:blipFill>
+                <a:blip r:embed="rId3"/>
+                <a:stretch>
+                  <a:fillRect l="-2806" t="-4310" b="-14655"/>
+                </a:stretch>
+              </a:blipFill>
+            </p:spPr>
+            <p:txBody>
+              <a:bodyPr/>
+              <a:lstStyle/>
+              <a:p>
+                <a:r>
+                  <a:rPr lang="fr-FR">
+                    <a:noFill/>
+                  </a:rPr>
+                  <a:t> </a:t>
+                </a:r>
+              </a:p>
+            </p:txBody>
+          </p:sp>
+        </mc:Fallback>
+      </mc:AlternateContent>
+      <p:pic>
+        <p:nvPicPr>
+          <p:cNvPr id="11" name="Image 10">
+            <a:extLst>
+              <a:ext uri="{FF2B5EF4-FFF2-40B4-BE49-F238E27FC236}">
+                <a16:creationId xmlns:a16="http://schemas.microsoft.com/office/drawing/2014/main" id="{95DAE4F9-5B62-45D4-9C76-6B06E32214B8}"/>
+              </a:ext>
+            </a:extLst>
+          </p:cNvPr>
+          <p:cNvPicPr>
+            <a:picLocks noChangeAspect="1"/>
+          </p:cNvPicPr>
+          <p:nvPr/>
+        </p:nvPicPr>
+        <p:blipFill>
+          <a:blip r:embed="rId4"/>
+          <a:stretch>
+            <a:fillRect/>
+          </a:stretch>
+        </p:blipFill>
+        <p:spPr>
+          <a:xfrm>
+            <a:off x="7549734" y="2448575"/>
+            <a:ext cx="4000500" cy="1285875"/>
+          </a:xfrm>
+          <a:prstGeom prst="rect">
+            <a:avLst/>
+          </a:prstGeom>
+        </p:spPr>
+      </p:pic>
+      <p:cxnSp>
+        <p:nvCxnSpPr>
+          <p:cNvPr id="13" name="Connecteur droit 12">
+            <a:extLst>
+              <a:ext uri="{FF2B5EF4-FFF2-40B4-BE49-F238E27FC236}">
+                <a16:creationId xmlns:a16="http://schemas.microsoft.com/office/drawing/2014/main" id="{F4D37845-CDBC-48B3-805C-63C651BA1843}"/>
+              </a:ext>
+            </a:extLst>
+          </p:cNvPr>
+          <p:cNvCxnSpPr>
+            <a:cxnSpLocks/>
+          </p:cNvCxnSpPr>
+          <p:nvPr/>
+        </p:nvCxnSpPr>
+        <p:spPr>
+          <a:xfrm>
+            <a:off x="7046155" y="2394679"/>
+            <a:ext cx="0" cy="4062392"/>
+          </a:xfrm>
+          <a:prstGeom prst="line">
+            <a:avLst/>
+          </a:prstGeom>
+          <a:ln w="28575"/>
+        </p:spPr>
+        <p:style>
+          <a:lnRef idx="1">
+            <a:schemeClr val="accent1"/>
+          </a:lnRef>
+          <a:fillRef idx="0">
+            <a:schemeClr val="accent1"/>
+          </a:fillRef>
+          <a:effectRef idx="0">
+            <a:schemeClr val="accent1"/>
+          </a:effectRef>
+          <a:fontRef idx="minor">
+            <a:schemeClr val="tx1"/>
+          </a:fontRef>
+        </p:style>
+      </p:cxnSp>
+      <p:pic>
+        <p:nvPicPr>
+          <p:cNvPr id="15" name="Image 14">
+            <a:extLst>
+              <a:ext uri="{FF2B5EF4-FFF2-40B4-BE49-F238E27FC236}">
+                <a16:creationId xmlns:a16="http://schemas.microsoft.com/office/drawing/2014/main" id="{731C3B3C-0F9F-4797-8E14-68BE3F875590}"/>
+              </a:ext>
+            </a:extLst>
+          </p:cNvPr>
+          <p:cNvPicPr>
+            <a:picLocks noChangeAspect="1"/>
+          </p:cNvPicPr>
+          <p:nvPr/>
+        </p:nvPicPr>
+        <p:blipFill>
+          <a:blip r:embed="rId5"/>
+          <a:stretch>
+            <a:fillRect/>
+          </a:stretch>
+        </p:blipFill>
+        <p:spPr>
+          <a:xfrm>
+            <a:off x="8407015" y="4125624"/>
+            <a:ext cx="2197870" cy="2268103"/>
+          </a:xfrm>
+          <a:prstGeom prst="rect">
+            <a:avLst/>
+          </a:prstGeom>
+        </p:spPr>
+      </p:pic>
+      <p:sp>
+        <p:nvSpPr>
+          <p:cNvPr id="16" name="Ellipse 15">
+            <a:extLst>
+              <a:ext uri="{FF2B5EF4-FFF2-40B4-BE49-F238E27FC236}">
+                <a16:creationId xmlns:a16="http://schemas.microsoft.com/office/drawing/2014/main" id="{AF7575E5-2EA0-4F6F-B049-D95668BE51CA}"/>
+              </a:ext>
+            </a:extLst>
+          </p:cNvPr>
+          <p:cNvSpPr/>
+          <p:nvPr/>
+        </p:nvSpPr>
+        <p:spPr>
+          <a:xfrm>
+            <a:off x="9284677" y="5078437"/>
+            <a:ext cx="407963" cy="365760"/>
+          </a:xfrm>
+          <a:prstGeom prst="ellipse">
+            <a:avLst/>
+          </a:prstGeom>
+          <a:noFill/>
+          <a:ln w="38100"/>
+        </p:spPr>
+        <p:style>
+          <a:lnRef idx="2">
+            <a:schemeClr val="accent1"/>
+          </a:lnRef>
+          <a:fillRef idx="1">
+            <a:schemeClr val="lt1"/>
+          </a:fillRef>
+          <a:effectRef idx="0">
+            <a:schemeClr val="accent1"/>
+          </a:effectRef>
+          <a:fontRef idx="minor">
+            <a:schemeClr val="dk1"/>
+          </a:fontRef>
+        </p:style>
+        <p:txBody>
+          <a:bodyPr rtlCol="0" anchor="ctr"/>
+          <a:lstStyle/>
+          <a:p>
+            <a:pPr algn="ctr"/>
+            <a:endParaRPr lang="fr-FR"/>
+          </a:p>
+        </p:txBody>
+      </p:sp>
+      <p:cxnSp>
+        <p:nvCxnSpPr>
+          <p:cNvPr id="17" name="Connecteur droit avec flèche 16">
+            <a:extLst>
+              <a:ext uri="{FF2B5EF4-FFF2-40B4-BE49-F238E27FC236}">
+                <a16:creationId xmlns:a16="http://schemas.microsoft.com/office/drawing/2014/main" id="{7F74609A-1DB3-440B-BB87-5DBC1B753DE3}"/>
+              </a:ext>
+            </a:extLst>
+          </p:cNvPr>
+          <p:cNvCxnSpPr>
+            <a:cxnSpLocks/>
+            <a:endCxn id="16" idx="0"/>
+          </p:cNvCxnSpPr>
+          <p:nvPr/>
+        </p:nvCxnSpPr>
+        <p:spPr>
+          <a:xfrm>
+            <a:off x="9488658" y="3612444"/>
+            <a:ext cx="1" cy="1465993"/>
+          </a:xfrm>
+          <a:prstGeom prst="straightConnector1">
+            <a:avLst/>
+          </a:prstGeom>
+          <a:ln w="76200">
+            <a:tailEnd type="triangle"/>
+          </a:ln>
+        </p:spPr>
+        <p:style>
+          <a:lnRef idx="1">
+            <a:schemeClr val="accent1"/>
+          </a:lnRef>
+          <a:fillRef idx="0">
+            <a:schemeClr val="accent1"/>
+          </a:fillRef>
+          <a:effectRef idx="0">
+            <a:schemeClr val="accent1"/>
+          </a:effectRef>
+          <a:fontRef idx="minor">
+            <a:schemeClr val="tx1"/>
+          </a:fontRef>
+        </p:style>
+      </p:cxnSp>
+      <p:pic>
+        <p:nvPicPr>
+          <p:cNvPr id="4" name="Image 3">
+            <a:extLst>
+              <a:ext uri="{FF2B5EF4-FFF2-40B4-BE49-F238E27FC236}">
+                <a16:creationId xmlns:a16="http://schemas.microsoft.com/office/drawing/2014/main" id="{4EF0AFD4-5720-41B1-AD8B-2C7D54B111F2}"/>
+              </a:ext>
+            </a:extLst>
+          </p:cNvPr>
+          <p:cNvPicPr>
+            <a:picLocks noChangeAspect="1"/>
+          </p:cNvPicPr>
+          <p:nvPr/>
+        </p:nvPicPr>
+        <p:blipFill>
+          <a:blip r:embed="rId6"/>
+          <a:stretch>
+            <a:fillRect/>
+          </a:stretch>
+        </p:blipFill>
+        <p:spPr>
+          <a:xfrm>
+            <a:off x="4132851" y="4799721"/>
+            <a:ext cx="2771775" cy="1657350"/>
+          </a:xfrm>
+          <a:prstGeom prst="rect">
+            <a:avLst/>
+          </a:prstGeom>
+        </p:spPr>
+      </p:pic>
+      <p:sp>
+        <p:nvSpPr>
+          <p:cNvPr id="12" name="Espace réservé du numéro de diapositive 11">
+            <a:extLst>
+              <a:ext uri="{FF2B5EF4-FFF2-40B4-BE49-F238E27FC236}">
+                <a16:creationId xmlns:a16="http://schemas.microsoft.com/office/drawing/2014/main" id="{84E2AB91-FC76-4357-9389-9259B3C9B569}"/>
+              </a:ext>
+            </a:extLst>
+          </p:cNvPr>
+          <p:cNvSpPr>
+            <a:spLocks noGrp="1"/>
+          </p:cNvSpPr>
+          <p:nvPr>
+            <p:ph type="sldNum" sz="quarter" idx="12"/>
+          </p:nvPr>
+        </p:nvSpPr>
+        <p:spPr/>
+        <p:txBody>
+          <a:bodyPr/>
+          <a:lstStyle/>
+          <a:p>
+            <a:fld id="{6D22F896-40B5-4ADD-8801-0D06FADFA095}" type="slidenum">
+              <a:rPr lang="en-US" smtClean="0"/>
+              <a:t>7</a:t>
+            </a:fld>
+            <a:endParaRPr lang="en-US" dirty="0"/>
+          </a:p>
+        </p:txBody>
+      </p:sp>
+    </p:spTree>
+    <p:extLst>
+      <p:ext uri="{BB962C8B-B14F-4D97-AF65-F5344CB8AC3E}">
+        <p14:creationId xmlns:p14="http://schemas.microsoft.com/office/powerpoint/2010/main" val="2574342879"/>
+      </p:ext>
+    </p:extLst>
+  </p:cSld>
+  <p:clrMapOvr>
+    <a:masterClrMapping/>
+  </p:clrMapOvr>
+</p:sld>
+</file>
+
+<file path=ppt/slides/slide8.xml><?xml version="1.0" encoding="utf-8"?>
+<p:sld xmlns:a="http://schemas.openxmlformats.org/drawingml/2006/main" xmlns:r="http://schemas.openxmlformats.org/officeDocument/2006/relationships" xmlns:p="http://schemas.openxmlformats.org/presentationml/2006/main">
+  <p:cSld>
+    <p:spTree>
+      <p:nvGrpSpPr>
+        <p:cNvPr id="1" name=""/>
+        <p:cNvGrpSpPr/>
+        <p:nvPr/>
+      </p:nvGrpSpPr>
+      <p:grpSpPr>
+        <a:xfrm>
+          <a:off x="0" y="0"/>
+          <a:ext cx="0" cy="0"/>
+          <a:chOff x="0" y="0"/>
+          <a:chExt cx="0" cy="0"/>
+        </a:xfrm>
+      </p:grpSpPr>
+      <p:sp>
+        <p:nvSpPr>
+          <p:cNvPr id="2" name="Titre 1">
+            <a:extLst>
+              <a:ext uri="{FF2B5EF4-FFF2-40B4-BE49-F238E27FC236}">
+                <a16:creationId xmlns:a16="http://schemas.microsoft.com/office/drawing/2014/main" id="{31EB701C-4F3E-480C-971D-21411FC29578}"/>
+              </a:ext>
+            </a:extLst>
+          </p:cNvPr>
+          <p:cNvSpPr>
+            <a:spLocks noGrp="1"/>
+          </p:cNvSpPr>
+          <p:nvPr>
+            <p:ph type="title"/>
+          </p:nvPr>
+        </p:nvSpPr>
+        <p:spPr/>
+        <p:txBody>
+          <a:bodyPr/>
+          <a:lstStyle/>
+          <a:p>
+            <a:r>
+              <a:rPr lang="fr-FR" dirty="0"/>
+              <a:t>CIRCUIT FINAL</a:t>
+            </a:r>
+          </a:p>
+        </p:txBody>
+      </p:sp>
+      <p:pic>
+        <p:nvPicPr>
+          <p:cNvPr id="4" name="Image 3">
+            <a:extLst>
+              <a:ext uri="{FF2B5EF4-FFF2-40B4-BE49-F238E27FC236}">
+                <a16:creationId xmlns:a16="http://schemas.microsoft.com/office/drawing/2014/main" id="{FD70B119-82FE-4889-BA27-727ACBF56E41}"/>
+              </a:ext>
+            </a:extLst>
+          </p:cNvPr>
+          <p:cNvPicPr>
+            <a:picLocks noChangeAspect="1"/>
+          </p:cNvPicPr>
+          <p:nvPr/>
+        </p:nvPicPr>
+        <p:blipFill>
+          <a:blip r:embed="rId2"/>
+          <a:stretch>
+            <a:fillRect/>
+          </a:stretch>
+        </p:blipFill>
+        <p:spPr>
+          <a:xfrm>
+            <a:off x="531495" y="1593532"/>
+            <a:ext cx="5276850" cy="5133975"/>
+          </a:xfrm>
+          <a:prstGeom prst="rect">
+            <a:avLst/>
+          </a:prstGeom>
+        </p:spPr>
+      </p:pic>
+      <p:cxnSp>
+        <p:nvCxnSpPr>
+          <p:cNvPr id="5" name="Connecteur droit 4">
+            <a:extLst>
+              <a:ext uri="{FF2B5EF4-FFF2-40B4-BE49-F238E27FC236}">
+                <a16:creationId xmlns:a16="http://schemas.microsoft.com/office/drawing/2014/main" id="{48856C3F-EEE4-4464-ADF9-6B8708F1BE5A}"/>
+              </a:ext>
+            </a:extLst>
+          </p:cNvPr>
+          <p:cNvCxnSpPr>
+            <a:cxnSpLocks/>
+          </p:cNvCxnSpPr>
+          <p:nvPr/>
+        </p:nvCxnSpPr>
+        <p:spPr>
+          <a:xfrm>
+            <a:off x="6096000" y="2057401"/>
+            <a:ext cx="0" cy="4062392"/>
+          </a:xfrm>
+          <a:prstGeom prst="line">
+            <a:avLst/>
+          </a:prstGeom>
+          <a:ln w="28575"/>
+        </p:spPr>
+        <p:style>
+          <a:lnRef idx="1">
+            <a:schemeClr val="accent1"/>
+          </a:lnRef>
+          <a:fillRef idx="0">
+            <a:schemeClr val="accent1"/>
+          </a:fillRef>
+          <a:effectRef idx="0">
+            <a:schemeClr val="accent1"/>
+          </a:effectRef>
+          <a:fontRef idx="minor">
+            <a:schemeClr val="tx1"/>
+          </a:fontRef>
+        </p:style>
+      </p:cxnSp>
+      <p:sp>
+        <p:nvSpPr>
+          <p:cNvPr id="9" name="Arc 8">
+            <a:extLst>
+              <a:ext uri="{FF2B5EF4-FFF2-40B4-BE49-F238E27FC236}">
+                <a16:creationId xmlns:a16="http://schemas.microsoft.com/office/drawing/2014/main" id="{028E0CF4-4EB4-4424-92A8-60E450BC68E3}"/>
+              </a:ext>
+            </a:extLst>
+          </p:cNvPr>
+          <p:cNvSpPr/>
+          <p:nvPr/>
+        </p:nvSpPr>
+        <p:spPr>
+          <a:xfrm>
+            <a:off x="6096000" y="2359855"/>
+            <a:ext cx="1056836" cy="1466557"/>
+          </a:xfrm>
+          <a:prstGeom prst="arc">
+            <a:avLst>
+              <a:gd name="adj1" fmla="val 16200000"/>
+              <a:gd name="adj2" fmla="val 20981708"/>
+            </a:avLst>
+          </a:prstGeom>
+          <a:ln w="57150"/>
+        </p:spPr>
+        <p:style>
+          <a:lnRef idx="1">
+            <a:schemeClr val="accent1"/>
+          </a:lnRef>
+          <a:fillRef idx="0">
+            <a:schemeClr val="accent1"/>
+          </a:fillRef>
+          <a:effectRef idx="0">
+            <a:schemeClr val="accent1"/>
+          </a:effectRef>
+          <a:fontRef idx="minor">
+            <a:schemeClr val="tx1"/>
+          </a:fontRef>
+        </p:style>
+        <p:txBody>
+          <a:bodyPr rtlCol="0" anchor="ctr"/>
+          <a:lstStyle/>
+          <a:p>
+            <a:pPr algn="ctr"/>
+            <a:endParaRPr lang="fr-FR" dirty="0"/>
+          </a:p>
+        </p:txBody>
+      </p:sp>
+      <mc:AlternateContent xmlns:mc="http://schemas.openxmlformats.org/markup-compatibility/2006">
+        <mc:Choice xmlns:a14="http://schemas.microsoft.com/office/drawing/2010/main" Requires="a14">
+          <p:sp>
+            <p:nvSpPr>
+              <p:cNvPr id="10" name="ZoneTexte 9">
+                <a:extLst>
+                  <a:ext uri="{FF2B5EF4-FFF2-40B4-BE49-F238E27FC236}">
+                    <a16:creationId xmlns:a16="http://schemas.microsoft.com/office/drawing/2014/main" id="{D69AF485-5ED8-44AB-AA2F-A0789017D676}"/>
+                  </a:ext>
+                </a:extLst>
+              </p:cNvPr>
+              <p:cNvSpPr txBox="1"/>
+              <p:nvPr/>
+            </p:nvSpPr>
+            <p:spPr>
+              <a:xfrm>
+                <a:off x="8379455" y="2358303"/>
+                <a:ext cx="2642262" cy="490199"/>
+              </a:xfrm>
+              <a:prstGeom prst="rect">
+                <a:avLst/>
+              </a:prstGeom>
+              <a:noFill/>
+            </p:spPr>
+            <p:txBody>
+              <a:bodyPr wrap="none" rtlCol="0">
+                <a:spAutoFit/>
+              </a:bodyPr>
+              <a:lstStyle/>
+              <a:p>
+                <a:pPr/>
+                <a14:m>
+                  <m:oMathPara xmlns:m="http://schemas.openxmlformats.org/officeDocument/2006/math">
+                    <m:oMathParaPr>
+                      <m:jc m:val="centerGroup"/>
+                    </m:oMathParaPr>
+                    <m:oMath xmlns:m="http://schemas.openxmlformats.org/officeDocument/2006/math">
+                      <m:sSub>
+                        <m:sSubPr>
+                          <m:ctrlPr>
+                            <a:rPr lang="fr-FR" sz="2400" b="0" i="1" smtClean="0">
+                              <a:latin typeface="Cambria Math" panose="02040503050406030204" pitchFamily="18" charset="0"/>
+                            </a:rPr>
+                          </m:ctrlPr>
+                        </m:sSubPr>
+                        <m:e>
+                          <m:r>
+                            <a:rPr lang="fr-FR" sz="2400" b="0" i="1" smtClean="0">
+                              <a:latin typeface="Cambria Math" panose="02040503050406030204" pitchFamily="18" charset="0"/>
+                            </a:rPr>
+                            <m:t>𝐶</m:t>
+                          </m:r>
+                        </m:e>
+                        <m:sub>
+                          <m:r>
+                            <a:rPr lang="fr-FR" sz="2400" b="0" i="1" smtClean="0">
+                              <a:latin typeface="Cambria Math" panose="02040503050406030204" pitchFamily="18" charset="0"/>
+                            </a:rPr>
+                            <m:t>𝑝𝑎𝑟𝑎𝑙𝑙</m:t>
+                          </m:r>
+                          <m:r>
+                            <a:rPr lang="fr-FR" sz="2400" b="0" i="1" smtClean="0">
+                              <a:latin typeface="Cambria Math" panose="02040503050406030204" pitchFamily="18" charset="0"/>
+                            </a:rPr>
+                            <m:t>è</m:t>
+                          </m:r>
+                          <m:r>
+                            <a:rPr lang="fr-FR" sz="2400" b="0" i="1" smtClean="0">
+                              <a:latin typeface="Cambria Math" panose="02040503050406030204" pitchFamily="18" charset="0"/>
+                            </a:rPr>
+                            <m:t>𝑙𝑒</m:t>
+                          </m:r>
+                        </m:sub>
+                      </m:sSub>
+                      <m:r>
+                        <a:rPr lang="fr-FR" sz="2400" b="0" i="1" smtClean="0">
+                          <a:latin typeface="Cambria Math" panose="02040503050406030204" pitchFamily="18" charset="0"/>
+                        </a:rPr>
+                        <m:t>=</m:t>
+                      </m:r>
+                      <m:r>
+                        <a:rPr lang="fr-FR" sz="2400" b="0" i="1" smtClean="0">
+                          <a:solidFill>
+                            <a:schemeClr val="accent5">
+                              <a:lumMod val="75000"/>
+                            </a:schemeClr>
+                          </a:solidFill>
+                          <a:latin typeface="Cambria Math" panose="02040503050406030204" pitchFamily="18" charset="0"/>
+                        </a:rPr>
+                        <m:t>21 </m:t>
+                      </m:r>
+                      <m:r>
+                        <a:rPr lang="fr-FR" sz="2400" b="0" i="1" smtClean="0">
+                          <a:solidFill>
+                            <a:schemeClr val="accent5">
+                              <a:lumMod val="75000"/>
+                            </a:schemeClr>
+                          </a:solidFill>
+                          <a:latin typeface="Cambria Math" panose="02040503050406030204" pitchFamily="18" charset="0"/>
+                        </a:rPr>
+                        <m:t>𝑝𝐹</m:t>
+                      </m:r>
+                    </m:oMath>
+                  </m:oMathPara>
+                </a14:m>
+                <a:endParaRPr lang="fr-FR" sz="2400" dirty="0"/>
+              </a:p>
+            </p:txBody>
+          </p:sp>
+        </mc:Choice>
+        <mc:Fallback>
+          <p:sp>
+            <p:nvSpPr>
+              <p:cNvPr id="10" name="ZoneTexte 9">
+                <a:extLst>
+                  <a:ext uri="{FF2B5EF4-FFF2-40B4-BE49-F238E27FC236}">
+                    <a16:creationId xmlns:a16="http://schemas.microsoft.com/office/drawing/2014/main" id="{D69AF485-5ED8-44AB-AA2F-A0789017D676}"/>
+                  </a:ext>
+                </a:extLst>
+              </p:cNvPr>
+              <p:cNvSpPr txBox="1">
+                <a:spLocks noRot="1" noChangeAspect="1" noMove="1" noResize="1" noEditPoints="1" noAdjustHandles="1" noChangeArrowheads="1" noChangeShapeType="1" noTextEdit="1"/>
+              </p:cNvSpPr>
+              <p:nvPr/>
+            </p:nvSpPr>
+            <p:spPr>
+              <a:xfrm>
+                <a:off x="8379455" y="2358303"/>
+                <a:ext cx="2642262" cy="490199"/>
+              </a:xfrm>
+              <a:prstGeom prst="rect">
+                <a:avLst/>
+              </a:prstGeom>
+              <a:blipFill>
+                <a:blip r:embed="rId3"/>
+                <a:stretch>
+                  <a:fillRect b="-12500"/>
+                </a:stretch>
+              </a:blipFill>
+            </p:spPr>
+            <p:txBody>
+              <a:bodyPr/>
+              <a:lstStyle/>
+              <a:p>
+                <a:r>
+                  <a:rPr lang="fr-FR">
+                    <a:noFill/>
+                  </a:rPr>
+                  <a:t> </a:t>
+                </a:r>
+              </a:p>
+            </p:txBody>
+          </p:sp>
+        </mc:Fallback>
+      </mc:AlternateContent>
+      <p:cxnSp>
+        <p:nvCxnSpPr>
+          <p:cNvPr id="11" name="Connecteur droit 10">
+            <a:extLst>
+              <a:ext uri="{FF2B5EF4-FFF2-40B4-BE49-F238E27FC236}">
+                <a16:creationId xmlns:a16="http://schemas.microsoft.com/office/drawing/2014/main" id="{226320C1-DB88-4071-B08B-C123FEF6C4E6}"/>
+              </a:ext>
+            </a:extLst>
+          </p:cNvPr>
+          <p:cNvCxnSpPr>
+            <a:cxnSpLocks/>
+          </p:cNvCxnSpPr>
+          <p:nvPr/>
+        </p:nvCxnSpPr>
+        <p:spPr>
+          <a:xfrm>
+            <a:off x="6341452" y="3149404"/>
+            <a:ext cx="4912701" cy="0"/>
+          </a:xfrm>
+          <a:prstGeom prst="line">
+            <a:avLst/>
+          </a:prstGeom>
+          <a:ln w="28575"/>
+        </p:spPr>
+        <p:style>
+          <a:lnRef idx="1">
+            <a:schemeClr val="accent1"/>
+          </a:lnRef>
+          <a:fillRef idx="0">
+            <a:schemeClr val="accent1"/>
+          </a:fillRef>
+          <a:effectRef idx="0">
+            <a:schemeClr val="accent1"/>
+          </a:effectRef>
+          <a:fontRef idx="minor">
+            <a:schemeClr val="tx1"/>
+          </a:fontRef>
+        </p:style>
+      </p:cxnSp>
+      <p:sp>
+        <p:nvSpPr>
+          <p:cNvPr id="14" name="Arc 13">
+            <a:extLst>
+              <a:ext uri="{FF2B5EF4-FFF2-40B4-BE49-F238E27FC236}">
+                <a16:creationId xmlns:a16="http://schemas.microsoft.com/office/drawing/2014/main" id="{526E0859-6651-4456-B790-37EDB9E3F0A1}"/>
+              </a:ext>
+            </a:extLst>
+          </p:cNvPr>
+          <p:cNvSpPr/>
+          <p:nvPr/>
+        </p:nvSpPr>
+        <p:spPr>
+          <a:xfrm rot="18741586">
+            <a:off x="5991180" y="3593461"/>
+            <a:ext cx="2828544" cy="2702496"/>
+          </a:xfrm>
+          <a:prstGeom prst="arc">
+            <a:avLst>
+              <a:gd name="adj1" fmla="val 16285307"/>
+              <a:gd name="adj2" fmla="val 20981708"/>
+            </a:avLst>
+          </a:prstGeom>
+          <a:ln w="57150"/>
+        </p:spPr>
+        <p:style>
+          <a:lnRef idx="1">
+            <a:schemeClr val="accent1"/>
+          </a:lnRef>
+          <a:fillRef idx="0">
+            <a:schemeClr val="accent1"/>
+          </a:fillRef>
+          <a:effectRef idx="0">
+            <a:schemeClr val="accent1"/>
+          </a:effectRef>
+          <a:fontRef idx="minor">
+            <a:schemeClr val="tx1"/>
+          </a:fontRef>
+        </p:style>
+        <p:txBody>
+          <a:bodyPr rtlCol="0" anchor="ctr"/>
+          <a:lstStyle/>
+          <a:p>
+            <a:pPr algn="ctr"/>
+            <a:endParaRPr lang="fr-FR" dirty="0"/>
+          </a:p>
+        </p:txBody>
+      </p:sp>
+      <p:cxnSp>
+        <p:nvCxnSpPr>
+          <p:cNvPr id="15" name="Connecteur droit 14">
+            <a:extLst>
+              <a:ext uri="{FF2B5EF4-FFF2-40B4-BE49-F238E27FC236}">
+                <a16:creationId xmlns:a16="http://schemas.microsoft.com/office/drawing/2014/main" id="{B4BF05B5-047E-48BA-97FB-E595346B6E93}"/>
+              </a:ext>
+            </a:extLst>
+          </p:cNvPr>
+          <p:cNvCxnSpPr>
+            <a:cxnSpLocks/>
+          </p:cNvCxnSpPr>
+          <p:nvPr/>
+        </p:nvCxnSpPr>
+        <p:spPr>
+          <a:xfrm>
+            <a:off x="6341452" y="4286542"/>
+            <a:ext cx="4912701" cy="0"/>
+          </a:xfrm>
+          <a:prstGeom prst="line">
+            <a:avLst/>
+          </a:prstGeom>
+          <a:ln w="28575"/>
+        </p:spPr>
+        <p:style>
+          <a:lnRef idx="1">
+            <a:schemeClr val="accent1"/>
+          </a:lnRef>
+          <a:fillRef idx="0">
+            <a:schemeClr val="accent1"/>
+          </a:fillRef>
+          <a:effectRef idx="0">
+            <a:schemeClr val="accent1"/>
+          </a:effectRef>
+          <a:fontRef idx="minor">
+            <a:schemeClr val="tx1"/>
+          </a:fontRef>
+        </p:style>
+      </p:cxnSp>
+      <mc:AlternateContent xmlns:mc="http://schemas.openxmlformats.org/markup-compatibility/2006">
+        <mc:Choice xmlns:a14="http://schemas.microsoft.com/office/drawing/2010/main" Requires="a14">
+          <p:sp>
+            <p:nvSpPr>
+              <p:cNvPr id="16" name="ZoneTexte 15">
+                <a:extLst>
+                  <a:ext uri="{FF2B5EF4-FFF2-40B4-BE49-F238E27FC236}">
+                    <a16:creationId xmlns:a16="http://schemas.microsoft.com/office/drawing/2014/main" id="{F5A69E34-8325-45FA-8055-06183C01CBF2}"/>
+                  </a:ext>
+                </a:extLst>
+              </p:cNvPr>
+              <p:cNvSpPr txBox="1"/>
+              <p:nvPr/>
+            </p:nvSpPr>
+            <p:spPr>
+              <a:xfrm>
+                <a:off x="8326193" y="3364435"/>
+                <a:ext cx="2170979" cy="461665"/>
+              </a:xfrm>
+              <a:prstGeom prst="rect">
+                <a:avLst/>
+              </a:prstGeom>
+              <a:noFill/>
+            </p:spPr>
+            <p:txBody>
+              <a:bodyPr wrap="none" rtlCol="0">
+                <a:spAutoFit/>
+              </a:bodyPr>
+              <a:lstStyle/>
+              <a:p>
+                <a:pPr/>
+                <a14:m>
+                  <m:oMathPara xmlns:m="http://schemas.openxmlformats.org/officeDocument/2006/math">
+                    <m:oMathParaPr>
+                      <m:jc m:val="centerGroup"/>
+                    </m:oMathParaPr>
+                    <m:oMath xmlns:m="http://schemas.openxmlformats.org/officeDocument/2006/math">
+                      <m:sSub>
+                        <m:sSubPr>
+                          <m:ctrlPr>
+                            <a:rPr lang="fr-FR" sz="2400" b="0" i="1" smtClean="0">
+                              <a:latin typeface="Cambria Math" panose="02040503050406030204" pitchFamily="18" charset="0"/>
+                            </a:rPr>
+                          </m:ctrlPr>
+                        </m:sSubPr>
+                        <m:e>
+                          <m:r>
+                            <a:rPr lang="fr-FR" sz="2400" b="0" i="1" smtClean="0">
+                              <a:latin typeface="Cambria Math" panose="02040503050406030204" pitchFamily="18" charset="0"/>
+                            </a:rPr>
+                            <m:t>𝐶</m:t>
+                          </m:r>
+                        </m:e>
+                        <m:sub>
+                          <m:r>
+                            <a:rPr lang="fr-FR" sz="2400" b="0" i="1" smtClean="0">
+                              <a:latin typeface="Cambria Math" panose="02040503050406030204" pitchFamily="18" charset="0"/>
+                            </a:rPr>
+                            <m:t>𝑠</m:t>
+                          </m:r>
+                          <m:r>
+                            <a:rPr lang="fr-FR" sz="2400" b="0" i="1" smtClean="0">
+                              <a:latin typeface="Cambria Math" panose="02040503050406030204" pitchFamily="18" charset="0"/>
+                            </a:rPr>
+                            <m:t>é</m:t>
+                          </m:r>
+                          <m:r>
+                            <a:rPr lang="fr-FR" sz="2400" b="0" i="1" smtClean="0">
+                              <a:latin typeface="Cambria Math" panose="02040503050406030204" pitchFamily="18" charset="0"/>
+                            </a:rPr>
+                            <m:t>𝑟𝑖𝑒</m:t>
+                          </m:r>
+                        </m:sub>
+                      </m:sSub>
+                      <m:r>
+                        <a:rPr lang="fr-FR" sz="2400" b="0" i="1" smtClean="0">
+                          <a:latin typeface="Cambria Math" panose="02040503050406030204" pitchFamily="18" charset="0"/>
+                        </a:rPr>
+                        <m:t>=</m:t>
+                      </m:r>
+                      <m:r>
+                        <a:rPr lang="fr-FR" sz="2400" b="0" i="1" smtClean="0">
+                          <a:solidFill>
+                            <a:schemeClr val="accent5">
+                              <a:lumMod val="75000"/>
+                            </a:schemeClr>
+                          </a:solidFill>
+                          <a:latin typeface="Cambria Math" panose="02040503050406030204" pitchFamily="18" charset="0"/>
+                        </a:rPr>
+                        <m:t>35 </m:t>
+                      </m:r>
+                      <m:r>
+                        <a:rPr lang="fr-FR" sz="2400" b="0" i="1" smtClean="0">
+                          <a:solidFill>
+                            <a:schemeClr val="accent5">
+                              <a:lumMod val="75000"/>
+                            </a:schemeClr>
+                          </a:solidFill>
+                          <a:latin typeface="Cambria Math" panose="02040503050406030204" pitchFamily="18" charset="0"/>
+                        </a:rPr>
+                        <m:t>𝑝𝐹</m:t>
+                      </m:r>
+                    </m:oMath>
+                  </m:oMathPara>
+                </a14:m>
+                <a:endParaRPr lang="fr-FR" sz="2400" dirty="0"/>
+              </a:p>
+            </p:txBody>
+          </p:sp>
+        </mc:Choice>
+        <mc:Fallback>
+          <p:sp>
+            <p:nvSpPr>
+              <p:cNvPr id="16" name="ZoneTexte 15">
+                <a:extLst>
+                  <a:ext uri="{FF2B5EF4-FFF2-40B4-BE49-F238E27FC236}">
+                    <a16:creationId xmlns:a16="http://schemas.microsoft.com/office/drawing/2014/main" id="{F5A69E34-8325-45FA-8055-06183C01CBF2}"/>
+                  </a:ext>
+                </a:extLst>
+              </p:cNvPr>
+              <p:cNvSpPr txBox="1">
+                <a:spLocks noRot="1" noChangeAspect="1" noMove="1" noResize="1" noEditPoints="1" noAdjustHandles="1" noChangeArrowheads="1" noChangeShapeType="1" noTextEdit="1"/>
+              </p:cNvSpPr>
+              <p:nvPr/>
+            </p:nvSpPr>
+            <p:spPr>
+              <a:xfrm>
+                <a:off x="8326193" y="3364435"/>
+                <a:ext cx="2170979" cy="461665"/>
+              </a:xfrm>
+              <a:prstGeom prst="rect">
+                <a:avLst/>
+              </a:prstGeom>
+              <a:blipFill>
+                <a:blip r:embed="rId4"/>
+                <a:stretch>
+                  <a:fillRect b="-18421"/>
+                </a:stretch>
+              </a:blipFill>
+            </p:spPr>
+            <p:txBody>
+              <a:bodyPr/>
+              <a:lstStyle/>
+              <a:p>
+                <a:r>
+                  <a:rPr lang="fr-FR">
+                    <a:noFill/>
+                  </a:rPr>
+                  <a:t> </a:t>
+                </a:r>
+              </a:p>
+            </p:txBody>
+          </p:sp>
+        </mc:Fallback>
+      </mc:AlternateContent>
+      <p:pic>
+        <p:nvPicPr>
+          <p:cNvPr id="18" name="Image 17">
+            <a:extLst>
+              <a:ext uri="{FF2B5EF4-FFF2-40B4-BE49-F238E27FC236}">
+                <a16:creationId xmlns:a16="http://schemas.microsoft.com/office/drawing/2014/main" id="{2BC5924F-68F9-4219-B5FE-2AF36AE75EE5}"/>
+              </a:ext>
+            </a:extLst>
+          </p:cNvPr>
+          <p:cNvPicPr>
+            <a:picLocks noChangeAspect="1"/>
+          </p:cNvPicPr>
+          <p:nvPr/>
+        </p:nvPicPr>
+        <p:blipFill>
+          <a:blip r:embed="rId5"/>
+          <a:stretch>
+            <a:fillRect/>
+          </a:stretch>
+        </p:blipFill>
+        <p:spPr>
+          <a:xfrm>
+            <a:off x="6915914" y="4427255"/>
+            <a:ext cx="3814998" cy="2356705"/>
+          </a:xfrm>
+          <a:prstGeom prst="rect">
+            <a:avLst/>
+          </a:prstGeom>
+        </p:spPr>
+      </p:pic>
+      <p:sp>
+        <p:nvSpPr>
+          <p:cNvPr id="3" name="Espace réservé du numéro de diapositive 2">
+            <a:extLst>
+              <a:ext uri="{FF2B5EF4-FFF2-40B4-BE49-F238E27FC236}">
+                <a16:creationId xmlns:a16="http://schemas.microsoft.com/office/drawing/2014/main" id="{089A4CD8-936F-4BDA-BA50-F00232D37CC1}"/>
+              </a:ext>
+            </a:extLst>
+          </p:cNvPr>
+          <p:cNvSpPr>
+            <a:spLocks noGrp="1"/>
+          </p:cNvSpPr>
+          <p:nvPr>
+            <p:ph type="sldNum" sz="quarter" idx="12"/>
+          </p:nvPr>
+        </p:nvSpPr>
+        <p:spPr/>
+        <p:txBody>
+          <a:bodyPr/>
+          <a:lstStyle/>
+          <a:p>
+            <a:fld id="{6D22F896-40B5-4ADD-8801-0D06FADFA095}" type="slidenum">
+              <a:rPr lang="en-US" smtClean="0"/>
+              <a:t>8</a:t>
+            </a:fld>
+            <a:endParaRPr lang="en-US" dirty="0"/>
+          </a:p>
+        </p:txBody>
+      </p:sp>
+    </p:spTree>
+    <p:extLst>
+      <p:ext uri="{BB962C8B-B14F-4D97-AF65-F5344CB8AC3E}">
+        <p14:creationId xmlns:p14="http://schemas.microsoft.com/office/powerpoint/2010/main" val="2117774884"/>
+      </p:ext>
+    </p:extLst>
+  </p:cSld>
+  <p:clrMapOvr>
+    <a:masterClrMapping/>
+  </p:clrMapOvr>
+</p:sld>
+</file>
+
+<file path=ppt/slides/slide9.xml><?xml version="1.0" encoding="utf-8"?>
+<p:sld xmlns:a="http://schemas.openxmlformats.org/drawingml/2006/main" xmlns:r="http://schemas.openxmlformats.org/officeDocument/2006/relationships" xmlns:p="http://schemas.openxmlformats.org/presentationml/2006/main">
+  <p:cSld>
+    <p:spTree>
+      <p:nvGrpSpPr>
+        <p:cNvPr id="1" name=""/>
+        <p:cNvGrpSpPr/>
+        <p:nvPr/>
+      </p:nvGrpSpPr>
+      <p:grpSpPr>
+        <a:xfrm>
+          <a:off x="0" y="0"/>
+          <a:ext cx="0" cy="0"/>
+          <a:chOff x="0" y="0"/>
+          <a:chExt cx="0" cy="0"/>
+        </a:xfrm>
+      </p:grpSpPr>
+      <p:sp>
+        <p:nvSpPr>
+          <p:cNvPr id="2" name="Titre 1">
+            <a:extLst>
+              <a:ext uri="{FF2B5EF4-FFF2-40B4-BE49-F238E27FC236}">
+                <a16:creationId xmlns:a16="http://schemas.microsoft.com/office/drawing/2014/main" id="{D2384533-4E40-4CD3-AE09-4F371EF3056C}"/>
+              </a:ext>
+            </a:extLst>
+          </p:cNvPr>
+          <p:cNvSpPr>
+            <a:spLocks noGrp="1"/>
+          </p:cNvSpPr>
+          <p:nvPr>
+            <p:ph type="title"/>
+          </p:nvPr>
+        </p:nvSpPr>
+        <p:spPr/>
+        <p:txBody>
+          <a:bodyPr/>
+          <a:lstStyle/>
+          <a:p>
+            <a:r>
+              <a:rPr lang="fr-FR" dirty="0"/>
+              <a:t>Analyse fréquentielle</a:t>
+            </a:r>
+          </a:p>
+        </p:txBody>
+      </p:sp>
+      <p:pic>
+        <p:nvPicPr>
+          <p:cNvPr id="4" name="Image 3">
+            <a:extLst>
+              <a:ext uri="{FF2B5EF4-FFF2-40B4-BE49-F238E27FC236}">
+                <a16:creationId xmlns:a16="http://schemas.microsoft.com/office/drawing/2014/main" id="{3563879E-E60E-4575-9F3D-90B06B291165}"/>
+              </a:ext>
+            </a:extLst>
+          </p:cNvPr>
+          <p:cNvPicPr>
+            <a:picLocks noChangeAspect="1"/>
+          </p:cNvPicPr>
+          <p:nvPr/>
+        </p:nvPicPr>
+        <p:blipFill>
+          <a:blip r:embed="rId2"/>
+          <a:stretch>
+            <a:fillRect/>
+          </a:stretch>
+        </p:blipFill>
+        <p:spPr>
+          <a:xfrm>
+            <a:off x="3381375" y="2891315"/>
+            <a:ext cx="8124825" cy="2524125"/>
+          </a:xfrm>
+          <a:prstGeom prst="rect">
+            <a:avLst/>
+          </a:prstGeom>
+        </p:spPr>
+      </p:pic>
+      <p:cxnSp>
+        <p:nvCxnSpPr>
+          <p:cNvPr id="5" name="Connecteur droit avec flèche 4">
+            <a:extLst>
+              <a:ext uri="{FF2B5EF4-FFF2-40B4-BE49-F238E27FC236}">
+                <a16:creationId xmlns:a16="http://schemas.microsoft.com/office/drawing/2014/main" id="{01EDC0EA-1F2B-410E-AFF2-5449D245AEB5}"/>
+              </a:ext>
+            </a:extLst>
+          </p:cNvPr>
+          <p:cNvCxnSpPr>
+            <a:cxnSpLocks/>
+            <a:stCxn id="6" idx="1"/>
+          </p:cNvCxnSpPr>
+          <p:nvPr/>
+        </p:nvCxnSpPr>
+        <p:spPr>
+          <a:xfrm flipH="1">
+            <a:off x="9019011" y="2619984"/>
+            <a:ext cx="745588" cy="555163"/>
+          </a:xfrm>
+          <a:prstGeom prst="straightConnector1">
+            <a:avLst/>
+          </a:prstGeom>
+          <a:ln w="76200">
+            <a:tailEnd type="triangle"/>
+          </a:ln>
+        </p:spPr>
+        <p:style>
+          <a:lnRef idx="1">
+            <a:schemeClr val="accent1"/>
+          </a:lnRef>
+          <a:fillRef idx="0">
+            <a:schemeClr val="accent1"/>
+          </a:fillRef>
+          <a:effectRef idx="0">
+            <a:schemeClr val="accent1"/>
+          </a:effectRef>
+          <a:fontRef idx="minor">
+            <a:schemeClr val="tx1"/>
+          </a:fontRef>
+        </p:style>
+      </p:cxnSp>
+      <mc:AlternateContent xmlns:mc="http://schemas.openxmlformats.org/markup-compatibility/2006">
+        <mc:Choice xmlns:a14="http://schemas.microsoft.com/office/drawing/2010/main" Requires="a14">
+          <p:sp>
+            <p:nvSpPr>
+              <p:cNvPr id="6" name="ZoneTexte 5">
+                <a:extLst>
+                  <a:ext uri="{FF2B5EF4-FFF2-40B4-BE49-F238E27FC236}">
+                    <a16:creationId xmlns:a16="http://schemas.microsoft.com/office/drawing/2014/main" id="{5867B6B5-D3C3-44C5-BB7D-3EFBDE96D498}"/>
+                  </a:ext>
+                </a:extLst>
+              </p:cNvPr>
+              <p:cNvSpPr txBox="1"/>
+              <p:nvPr/>
+            </p:nvSpPr>
+            <p:spPr>
+              <a:xfrm>
+                <a:off x="9764599" y="2419929"/>
+                <a:ext cx="1290819" cy="400110"/>
+              </a:xfrm>
+              <a:prstGeom prst="rect">
+                <a:avLst/>
+              </a:prstGeom>
+              <a:noFill/>
+            </p:spPr>
+            <p:txBody>
+              <a:bodyPr wrap="square" rtlCol="0">
+                <a:spAutoFit/>
+              </a:bodyPr>
+              <a:lstStyle/>
+              <a:p>
+                <a:pPr/>
+                <a14:m>
+                  <m:oMathPara xmlns:m="http://schemas.openxmlformats.org/officeDocument/2006/math">
+                    <m:oMathParaPr>
+                      <m:jc m:val="centerGroup"/>
+                    </m:oMathParaPr>
+                    <m:oMath xmlns:m="http://schemas.openxmlformats.org/officeDocument/2006/math">
+                      <m:r>
+                        <a:rPr lang="fr-FR" sz="2000" b="0" i="1" dirty="0" smtClean="0">
+                          <a:solidFill>
+                            <a:schemeClr val="accent5">
+                              <a:lumMod val="75000"/>
+                            </a:schemeClr>
+                          </a:solidFill>
+                          <a:latin typeface="Cambria Math" panose="02040503050406030204" pitchFamily="18" charset="0"/>
+                        </a:rPr>
+                        <m:t>13,56 </m:t>
+                      </m:r>
+                      <m:r>
+                        <a:rPr lang="fr-FR" sz="2000" b="0" i="1" dirty="0" smtClean="0">
+                          <a:solidFill>
+                            <a:schemeClr val="accent5">
+                              <a:lumMod val="75000"/>
+                            </a:schemeClr>
+                          </a:solidFill>
+                          <a:latin typeface="Cambria Math" panose="02040503050406030204" pitchFamily="18" charset="0"/>
+                        </a:rPr>
+                        <m:t>𝑀𝐻𝑧</m:t>
+                      </m:r>
+                    </m:oMath>
+                  </m:oMathPara>
+                </a14:m>
+                <a:endParaRPr lang="fr-FR" sz="2000" dirty="0">
+                  <a:solidFill>
+                    <a:schemeClr val="accent5">
+                      <a:lumMod val="75000"/>
+                    </a:schemeClr>
+                  </a:solidFill>
+                </a:endParaRPr>
+              </a:p>
+            </p:txBody>
+          </p:sp>
+        </mc:Choice>
+        <mc:Fallback>
+          <p:sp>
+            <p:nvSpPr>
+              <p:cNvPr id="6" name="ZoneTexte 5">
+                <a:extLst>
+                  <a:ext uri="{FF2B5EF4-FFF2-40B4-BE49-F238E27FC236}">
+                    <a16:creationId xmlns:a16="http://schemas.microsoft.com/office/drawing/2014/main" id="{5867B6B5-D3C3-44C5-BB7D-3EFBDE96D498}"/>
+                  </a:ext>
+                </a:extLst>
+              </p:cNvPr>
+              <p:cNvSpPr txBox="1">
+                <a:spLocks noRot="1" noChangeAspect="1" noMove="1" noResize="1" noEditPoints="1" noAdjustHandles="1" noChangeArrowheads="1" noChangeShapeType="1" noTextEdit="1"/>
+              </p:cNvSpPr>
+              <p:nvPr/>
+            </p:nvSpPr>
+            <p:spPr>
+              <a:xfrm>
+                <a:off x="9764599" y="2419929"/>
+                <a:ext cx="1290819" cy="400110"/>
+              </a:xfrm>
+              <a:prstGeom prst="rect">
+                <a:avLst/>
+              </a:prstGeom>
+              <a:blipFill>
+                <a:blip r:embed="rId3"/>
+                <a:stretch>
+                  <a:fillRect r="-6604"/>
+                </a:stretch>
+              </a:blipFill>
+            </p:spPr>
+            <p:txBody>
+              <a:bodyPr/>
+              <a:lstStyle/>
+              <a:p>
+                <a:r>
+                  <a:rPr lang="fr-FR">
+                    <a:noFill/>
+                  </a:rPr>
+                  <a:t> </a:t>
+                </a:r>
+              </a:p>
+            </p:txBody>
+          </p:sp>
+        </mc:Fallback>
+      </mc:AlternateContent>
+      <p:pic>
+        <p:nvPicPr>
+          <p:cNvPr id="7" name="Image 6">
+            <a:extLst>
+              <a:ext uri="{FF2B5EF4-FFF2-40B4-BE49-F238E27FC236}">
+                <a16:creationId xmlns:a16="http://schemas.microsoft.com/office/drawing/2014/main" id="{4BB43A5C-637B-4593-8599-8E690B436492}"/>
+              </a:ext>
+            </a:extLst>
+          </p:cNvPr>
+          <p:cNvPicPr>
+            <a:picLocks noChangeAspect="1"/>
+          </p:cNvPicPr>
+          <p:nvPr/>
+        </p:nvPicPr>
+        <p:blipFill>
+          <a:blip r:embed="rId4"/>
+          <a:stretch>
+            <a:fillRect/>
+          </a:stretch>
+        </p:blipFill>
+        <p:spPr>
+          <a:xfrm>
+            <a:off x="131708" y="2974509"/>
+            <a:ext cx="2796385" cy="2085024"/>
+          </a:xfrm>
+          <a:prstGeom prst="rect">
+            <a:avLst/>
+          </a:prstGeom>
+        </p:spPr>
+      </p:pic>
+      <p:cxnSp>
+        <p:nvCxnSpPr>
+          <p:cNvPr id="8" name="Connecteur droit 7">
+            <a:extLst>
+              <a:ext uri="{FF2B5EF4-FFF2-40B4-BE49-F238E27FC236}">
+                <a16:creationId xmlns:a16="http://schemas.microsoft.com/office/drawing/2014/main" id="{E439BA07-A373-48AE-8E6B-13A985D49BE1}"/>
+              </a:ext>
+            </a:extLst>
+          </p:cNvPr>
+          <p:cNvCxnSpPr>
+            <a:cxnSpLocks/>
+          </p:cNvCxnSpPr>
+          <p:nvPr/>
+        </p:nvCxnSpPr>
+        <p:spPr>
+          <a:xfrm>
+            <a:off x="7854461" y="3558158"/>
+            <a:ext cx="0" cy="1857282"/>
+          </a:xfrm>
+          <a:prstGeom prst="line">
+            <a:avLst/>
+          </a:prstGeom>
+          <a:ln w="28575"/>
+        </p:spPr>
+        <p:style>
+          <a:lnRef idx="1">
+            <a:schemeClr val="accent1"/>
+          </a:lnRef>
+          <a:fillRef idx="0">
+            <a:schemeClr val="accent1"/>
+          </a:fillRef>
+          <a:effectRef idx="0">
+            <a:schemeClr val="accent1"/>
+          </a:effectRef>
+          <a:fontRef idx="minor">
+            <a:schemeClr val="tx1"/>
+          </a:fontRef>
+        </p:style>
+      </p:cxnSp>
+      <p:cxnSp>
+        <p:nvCxnSpPr>
+          <p:cNvPr id="10" name="Connecteur droit 9">
+            <a:extLst>
+              <a:ext uri="{FF2B5EF4-FFF2-40B4-BE49-F238E27FC236}">
+                <a16:creationId xmlns:a16="http://schemas.microsoft.com/office/drawing/2014/main" id="{AD166E43-A766-4A3E-B8C7-A9FD4B9D6FCA}"/>
+              </a:ext>
+            </a:extLst>
+          </p:cNvPr>
+          <p:cNvCxnSpPr>
+            <a:cxnSpLocks/>
+          </p:cNvCxnSpPr>
+          <p:nvPr/>
+        </p:nvCxnSpPr>
+        <p:spPr>
+          <a:xfrm>
+            <a:off x="10370234" y="3558158"/>
+            <a:ext cx="0" cy="1857282"/>
+          </a:xfrm>
+          <a:prstGeom prst="line">
+            <a:avLst/>
+          </a:prstGeom>
+          <a:ln w="28575"/>
+        </p:spPr>
+        <p:style>
+          <a:lnRef idx="1">
+            <a:schemeClr val="accent1"/>
+          </a:lnRef>
+          <a:fillRef idx="0">
+            <a:schemeClr val="accent1"/>
+          </a:fillRef>
+          <a:effectRef idx="0">
+            <a:schemeClr val="accent1"/>
+          </a:effectRef>
+          <a:fontRef idx="minor">
+            <a:schemeClr val="tx1"/>
+          </a:fontRef>
+        </p:style>
+      </p:cxnSp>
+      <p:cxnSp>
+        <p:nvCxnSpPr>
+          <p:cNvPr id="12" name="Connecteur droit avec flèche 11">
+            <a:extLst>
+              <a:ext uri="{FF2B5EF4-FFF2-40B4-BE49-F238E27FC236}">
+                <a16:creationId xmlns:a16="http://schemas.microsoft.com/office/drawing/2014/main" id="{0DED4CB9-E9B4-40CA-A425-CEF9CF7190AF}"/>
+              </a:ext>
+            </a:extLst>
+          </p:cNvPr>
+          <p:cNvCxnSpPr>
+            <a:cxnSpLocks/>
+          </p:cNvCxnSpPr>
+          <p:nvPr/>
+        </p:nvCxnSpPr>
+        <p:spPr>
+          <a:xfrm>
+            <a:off x="7854461" y="5059533"/>
+            <a:ext cx="2515773" cy="0"/>
+          </a:xfrm>
+          <a:prstGeom prst="straightConnector1">
+            <a:avLst/>
+          </a:prstGeom>
+          <a:ln w="57150">
+            <a:headEnd type="triangle"/>
+            <a:tailEnd type="triangle"/>
+          </a:ln>
+        </p:spPr>
+        <p:style>
+          <a:lnRef idx="1">
+            <a:schemeClr val="accent1"/>
+          </a:lnRef>
+          <a:fillRef idx="0">
+            <a:schemeClr val="accent1"/>
+          </a:fillRef>
+          <a:effectRef idx="0">
+            <a:schemeClr val="accent1"/>
+          </a:effectRef>
+          <a:fontRef idx="minor">
+            <a:schemeClr val="tx1"/>
+          </a:fontRef>
+        </p:style>
+      </p:cxnSp>
+      <mc:AlternateContent xmlns:mc="http://schemas.openxmlformats.org/markup-compatibility/2006" xmlns:a14="http://schemas.microsoft.com/office/drawing/2010/main">
+        <mc:Choice Requires="a14">
+          <p:sp>
+            <p:nvSpPr>
+              <p:cNvPr id="15" name="ZoneTexte 14">
+                <a:extLst>
+                  <a:ext uri="{FF2B5EF4-FFF2-40B4-BE49-F238E27FC236}">
+                    <a16:creationId xmlns:a16="http://schemas.microsoft.com/office/drawing/2014/main" id="{B771CA47-6D75-46D4-9CD9-F74E84202F84}"/>
+                  </a:ext>
+                </a:extLst>
+              </p:cNvPr>
+              <p:cNvSpPr txBox="1"/>
+              <p:nvPr/>
+            </p:nvSpPr>
+            <p:spPr>
+              <a:xfrm>
+                <a:off x="7840393" y="5693517"/>
+                <a:ext cx="3200955" cy="731419"/>
+              </a:xfrm>
+              <a:prstGeom prst="rect">
+                <a:avLst/>
+              </a:prstGeom>
+              <a:noFill/>
+            </p:spPr>
+            <p:txBody>
+              <a:bodyPr wrap="square" rtlCol="0">
+                <a:spAutoFit/>
+              </a:bodyPr>
+              <a:lstStyle/>
+              <a:p>
+                <a:pPr/>
+                <a14:m>
+                  <m:oMathPara xmlns:m="http://schemas.openxmlformats.org/officeDocument/2006/math">
+                    <m:oMathParaPr>
+                      <m:jc m:val="centerGroup"/>
+                    </m:oMathParaPr>
+                    <m:oMath xmlns:m="http://schemas.openxmlformats.org/officeDocument/2006/math">
+                      <m:r>
+                        <a:rPr lang="fr-FR" sz="2000" b="0" i="1" dirty="0" smtClean="0">
+                          <a:latin typeface="Cambria Math" panose="02040503050406030204" pitchFamily="18" charset="0"/>
+                        </a:rPr>
+                        <m:t>𝑄</m:t>
+                      </m:r>
+                      <m:r>
+                        <a:rPr lang="fr-FR" sz="2000" b="0" i="1" dirty="0" smtClean="0">
+                          <a:latin typeface="Cambria Math" panose="02040503050406030204" pitchFamily="18" charset="0"/>
+                        </a:rPr>
+                        <m:t>=</m:t>
+                      </m:r>
+                      <m:f>
+                        <m:fPr>
+                          <m:ctrlPr>
+                            <a:rPr lang="fr-FR" sz="2000" b="0" i="1" dirty="0" smtClean="0">
+                              <a:latin typeface="Cambria Math" panose="02040503050406030204" pitchFamily="18" charset="0"/>
+                            </a:rPr>
+                          </m:ctrlPr>
+                        </m:fPr>
+                        <m:num>
+                          <m:sSub>
+                            <m:sSubPr>
+                              <m:ctrlPr>
+                                <a:rPr lang="fr-FR" sz="2000" b="0" i="1" dirty="0" smtClean="0">
+                                  <a:latin typeface="Cambria Math" panose="02040503050406030204" pitchFamily="18" charset="0"/>
+                                </a:rPr>
+                              </m:ctrlPr>
+                            </m:sSubPr>
+                            <m:e>
+                              <m:r>
+                                <a:rPr lang="fr-FR" sz="2000" b="0" i="1" dirty="0" smtClean="0">
+                                  <a:latin typeface="Cambria Math" panose="02040503050406030204" pitchFamily="18" charset="0"/>
+                                </a:rPr>
+                                <m:t>𝑓</m:t>
+                              </m:r>
+                            </m:e>
+                            <m:sub>
+                              <m:r>
+                                <a:rPr lang="fr-FR" sz="2000" b="0" i="1" dirty="0" smtClean="0">
+                                  <a:latin typeface="Cambria Math" panose="02040503050406030204" pitchFamily="18" charset="0"/>
+                                </a:rPr>
+                                <m:t>𝑟</m:t>
+                              </m:r>
+                              <m:r>
+                                <a:rPr lang="fr-FR" sz="2000" b="0" i="1" dirty="0" smtClean="0">
+                                  <a:latin typeface="Cambria Math" panose="02040503050406030204" pitchFamily="18" charset="0"/>
+                                </a:rPr>
+                                <m:t>é</m:t>
+                              </m:r>
+                              <m:r>
+                                <a:rPr lang="fr-FR" sz="2000" b="0" i="1" dirty="0" smtClean="0">
+                                  <a:latin typeface="Cambria Math" panose="02040503050406030204" pitchFamily="18" charset="0"/>
+                                </a:rPr>
+                                <m:t>𝑠𝑜𝑛𝑎𝑛𝑐𝑒</m:t>
+                              </m:r>
+                            </m:sub>
+                          </m:sSub>
+                        </m:num>
+                        <m:den>
+                          <m:r>
+                            <a:rPr lang="fr-FR" sz="2000" b="0" i="1" dirty="0" smtClean="0">
+                              <a:latin typeface="Cambria Math" panose="02040503050406030204" pitchFamily="18" charset="0"/>
+                              <a:ea typeface="Cambria Math" panose="02040503050406030204" pitchFamily="18" charset="0"/>
+                            </a:rPr>
+                            <m:t>∆</m:t>
+                          </m:r>
+                          <m:r>
+                            <a:rPr lang="fr-FR" sz="2000" b="0" i="1" dirty="0" smtClean="0">
+                              <a:latin typeface="Cambria Math" panose="02040503050406030204" pitchFamily="18" charset="0"/>
+                              <a:ea typeface="Cambria Math" panose="02040503050406030204" pitchFamily="18" charset="0"/>
+                            </a:rPr>
+                            <m:t>𝑓</m:t>
+                          </m:r>
+                        </m:den>
+                      </m:f>
+                      <m:r>
+                        <a:rPr lang="fr-FR" sz="2000" b="0" i="1" dirty="0" smtClean="0">
+                          <a:latin typeface="Cambria Math" panose="02040503050406030204" pitchFamily="18" charset="0"/>
+                        </a:rPr>
+                        <m:t>=</m:t>
+                      </m:r>
+                    </m:oMath>
+                  </m:oMathPara>
+                </a14:m>
+                <a:endParaRPr lang="fr-FR" sz="2000" dirty="0"/>
+              </a:p>
+            </p:txBody>
+          </p:sp>
+        </mc:Choice>
+        <mc:Fallback xmlns="">
+          <p:sp>
+            <p:nvSpPr>
+              <p:cNvPr id="15" name="ZoneTexte 14">
+                <a:extLst>
+                  <a:ext uri="{FF2B5EF4-FFF2-40B4-BE49-F238E27FC236}">
+                    <a16:creationId xmlns:a16="http://schemas.microsoft.com/office/drawing/2014/main" id="{B771CA47-6D75-46D4-9CD9-F74E84202F84}"/>
+                  </a:ext>
+                </a:extLst>
+              </p:cNvPr>
+              <p:cNvSpPr txBox="1">
+                <a:spLocks noRot="1" noChangeAspect="1" noMove="1" noResize="1" noEditPoints="1" noAdjustHandles="1" noChangeArrowheads="1" noChangeShapeType="1" noTextEdit="1"/>
+              </p:cNvSpPr>
+              <p:nvPr/>
+            </p:nvSpPr>
+            <p:spPr>
+              <a:xfrm>
+                <a:off x="7840393" y="5693517"/>
+                <a:ext cx="3200955" cy="731419"/>
+              </a:xfrm>
+              <a:prstGeom prst="rect">
+                <a:avLst/>
+              </a:prstGeom>
+              <a:blipFill>
+                <a:blip r:embed="rId5"/>
+                <a:stretch>
+                  <a:fillRect/>
+                </a:stretch>
+              </a:blipFill>
+            </p:spPr>
+            <p:txBody>
+              <a:bodyPr/>
+              <a:lstStyle/>
+              <a:p>
+                <a:r>
+                  <a:rPr lang="fr-FR">
+                    <a:noFill/>
+                  </a:rPr>
+                  <a:t> </a:t>
+                </a:r>
+              </a:p>
+            </p:txBody>
+          </p:sp>
+        </mc:Fallback>
+      </mc:AlternateContent>
+      <p:sp>
+        <p:nvSpPr>
+          <p:cNvPr id="9" name="Espace réservé du numéro de diapositive 8">
+            <a:extLst>
+              <a:ext uri="{FF2B5EF4-FFF2-40B4-BE49-F238E27FC236}">
+                <a16:creationId xmlns:a16="http://schemas.microsoft.com/office/drawing/2014/main" id="{92A14D86-BE63-4D29-A83F-55CC4A737F25}"/>
+              </a:ext>
+            </a:extLst>
+          </p:cNvPr>
+          <p:cNvSpPr>
+            <a:spLocks noGrp="1"/>
+          </p:cNvSpPr>
+          <p:nvPr>
+            <p:ph type="sldNum" sz="quarter" idx="12"/>
+          </p:nvPr>
+        </p:nvSpPr>
+        <p:spPr/>
+        <p:txBody>
+          <a:bodyPr/>
+          <a:lstStyle/>
+          <a:p>
+            <a:fld id="{6D22F896-40B5-4ADD-8801-0D06FADFA095}" type="slidenum">
+              <a:rPr lang="en-US" smtClean="0"/>
+              <a:t>9</a:t>
+            </a:fld>
+            <a:endParaRPr lang="en-US" dirty="0"/>
+          </a:p>
+        </p:txBody>
+      </p:sp>
+    </p:spTree>
+    <p:extLst>
+      <p:ext uri="{BB962C8B-B14F-4D97-AF65-F5344CB8AC3E}">
+        <p14:creationId xmlns:p14="http://schemas.microsoft.com/office/powerpoint/2010/main" val="3110641621"/>
       </p:ext>
     </p:extLst>
   </p:cSld>
@@ -6936,4 +11251,299 @@
     </a:ext>
   </a:extLst>
 </a:theme>
+</file>
+
+<file path=ppt/theme/theme2.xml><?xml version="1.0" encoding="utf-8"?>
+<a:theme xmlns:a="http://schemas.openxmlformats.org/drawingml/2006/main" name="Thème Office">
+  <a:themeElements>
+    <a:clrScheme name="Office">
+      <a:dk1>
+        <a:sysClr val="windowText" lastClr="000000"/>
+      </a:dk1>
+      <a:lt1>
+        <a:sysClr val="window" lastClr="FFFFFF"/>
+      </a:lt1>
+      <a:dk2>
+        <a:srgbClr val="44546A"/>
+      </a:dk2>
+      <a:lt2>
+        <a:srgbClr val="E7E6E6"/>
+      </a:lt2>
+      <a:accent1>
+        <a:srgbClr val="4472C4"/>
+      </a:accent1>
+      <a:accent2>
+        <a:srgbClr val="ED7D31"/>
+      </a:accent2>
+      <a:accent3>
+        <a:srgbClr val="A5A5A5"/>
+      </a:accent3>
+      <a:accent4>
+        <a:srgbClr val="FFC000"/>
+      </a:accent4>
+      <a:accent5>
+        <a:srgbClr val="5B9BD5"/>
+      </a:accent5>
+      <a:accent6>
+        <a:srgbClr val="70AD47"/>
+      </a:accent6>
+      <a:hlink>
+        <a:srgbClr val="0563C1"/>
+      </a:hlink>
+      <a:folHlink>
+        <a:srgbClr val="954F72"/>
+      </a:folHlink>
+    </a:clrScheme>
+    <a:fontScheme name="Office">
+      <a:majorFont>
+        <a:latin typeface="Calibri Light" panose="020F0302020204030204"/>
+        <a:ea typeface=""/>
+        <a:cs typeface=""/>
+        <a:font script="Jpan" typeface="游ゴシック Light"/>
+        <a:font script="Hang" typeface="맑은 고딕"/>
+        <a:font script="Hans" typeface="等线 Light"/>
+        <a:font script="Hant" typeface="新細明體"/>
+        <a:font script="Arab" typeface="Times New Roman"/>
+        <a:font script="Hebr" typeface="Times New Roman"/>
+        <a:font script="Thai" typeface="Angsana New"/>
+        <a:font script="Ethi" typeface="Nyala"/>
+        <a:font script="Beng" typeface="Vrinda"/>
+        <a:font script="Gujr" typeface="Shruti"/>
+        <a:font script="Khmr" typeface="MoolBoran"/>
+        <a:font script="Knda" typeface="Tunga"/>
+        <a:font script="Guru" typeface="Raavi"/>
+        <a:font script="Cans" typeface="Euphemia"/>
+        <a:font script="Cher" typeface="Plantagenet Cherokee"/>
+        <a:font script="Yiii" typeface="Microsoft Yi Baiti"/>
+        <a:font script="Tibt" typeface="Microsoft Himalaya"/>
+        <a:font script="Thaa" typeface="MV Boli"/>
+        <a:font script="Deva" typeface="Mangal"/>
+        <a:font script="Telu" typeface="Gautami"/>
+        <a:font script="Taml" typeface="Latha"/>
+        <a:font script="Syrc" typeface="Estrangelo Edessa"/>
+        <a:font script="Orya" typeface="Kalinga"/>
+        <a:font script="Mlym" typeface="Kartika"/>
+        <a:font script="Laoo" typeface="DokChampa"/>
+        <a:font script="Sinh" typeface="Iskoola Pota"/>
+        <a:font script="Mong" typeface="Mongolian Baiti"/>
+        <a:font script="Viet" typeface="Times New Roman"/>
+        <a:font script="Uigh" typeface="Microsoft Uighur"/>
+        <a:font script="Geor" typeface="Sylfaen"/>
+        <a:font script="Armn" typeface="Arial"/>
+        <a:font script="Bugi" typeface="Leelawadee UI"/>
+        <a:font script="Bopo" typeface="Microsoft JhengHei"/>
+        <a:font script="Java" typeface="Javanese Text"/>
+        <a:font script="Lisu" typeface="Segoe UI"/>
+        <a:font script="Mymr" typeface="Myanmar Text"/>
+        <a:font script="Nkoo" typeface="Ebrima"/>
+        <a:font script="Olck" typeface="Nirmala UI"/>
+        <a:font script="Osma" typeface="Ebrima"/>
+        <a:font script="Phag" typeface="Phagspa"/>
+        <a:font script="Syrn" typeface="Estrangelo Edessa"/>
+        <a:font script="Syrj" typeface="Estrangelo Edessa"/>
+        <a:font script="Syre" typeface="Estrangelo Edessa"/>
+        <a:font script="Sora" typeface="Nirmala UI"/>
+        <a:font script="Tale" typeface="Microsoft Tai Le"/>
+        <a:font script="Talu" typeface="Microsoft New Tai Lue"/>
+        <a:font script="Tfng" typeface="Ebrima"/>
+      </a:majorFont>
+      <a:minorFont>
+        <a:latin typeface="Calibri" panose="020F0502020204030204"/>
+        <a:ea typeface=""/>
+        <a:cs typeface=""/>
+        <a:font script="Jpan" typeface="游ゴシック"/>
+        <a:font script="Hang" typeface="맑은 고딕"/>
+        <a:font script="Hans" typeface="等线"/>
+        <a:font script="Hant" typeface="新細明體"/>
+        <a:font script="Arab" typeface="Arial"/>
+        <a:font script="Hebr" typeface="Arial"/>
+        <a:font script="Thai" typeface="Cordia New"/>
+        <a:font script="Ethi" typeface="Nyala"/>
+        <a:font script="Beng" typeface="Vrinda"/>
+        <a:font script="Gujr" typeface="Shruti"/>
+        <a:font script="Khmr" typeface="DaunPenh"/>
+        <a:font script="Knda" typeface="Tunga"/>
+        <a:font script="Guru" typeface="Raavi"/>
+        <a:font script="Cans" typeface="Euphemia"/>
+        <a:font script="Cher" typeface="Plantagenet Cherokee"/>
+        <a:font script="Yiii" typeface="Microsoft Yi Baiti"/>
+        <a:font script="Tibt" typeface="Microsoft Himalaya"/>
+        <a:font script="Thaa" typeface="MV Boli"/>
+        <a:font script="Deva" typeface="Mangal"/>
+        <a:font script="Telu" typeface="Gautami"/>
+        <a:font script="Taml" typeface="Latha"/>
+        <a:font script="Syrc" typeface="Estrangelo Edessa"/>
+        <a:font script="Orya" typeface="Kalinga"/>
+        <a:font script="Mlym" typeface="Kartika"/>
+        <a:font script="Laoo" typeface="DokChampa"/>
+        <a:font script="Sinh" typeface="Iskoola Pota"/>
+        <a:font script="Mong" typeface="Mongolian Baiti"/>
+        <a:font script="Viet" typeface="Arial"/>
+        <a:font script="Uigh" typeface="Microsoft Uighur"/>
+        <a:font script="Geor" typeface="Sylfaen"/>
+        <a:font script="Armn" typeface="Arial"/>
+        <a:font script="Bugi" typeface="Leelawadee UI"/>
+        <a:font script="Bopo" typeface="Microsoft JhengHei"/>
+        <a:font script="Java" typeface="Javanese Text"/>
+        <a:font script="Lisu" typeface="Segoe UI"/>
+        <a:font script="Mymr" typeface="Myanmar Text"/>
+        <a:font script="Nkoo" typeface="Ebrima"/>
+        <a:font script="Olck" typeface="Nirmala UI"/>
+        <a:font script="Osma" typeface="Ebrima"/>
+        <a:font script="Phag" typeface="Phagspa"/>
+        <a:font script="Syrn" typeface="Estrangelo Edessa"/>
+        <a:font script="Syrj" typeface="Estrangelo Edessa"/>
+        <a:font script="Syre" typeface="Estrangelo Edessa"/>
+        <a:font script="Sora" typeface="Nirmala UI"/>
+        <a:font script="Tale" typeface="Microsoft Tai Le"/>
+        <a:font script="Talu" typeface="Microsoft New Tai Lue"/>
+        <a:font script="Tfng" typeface="Ebrima"/>
+      </a:minorFont>
+    </a:fontScheme>
+    <a:fmtScheme name="Office">
+      <a:fillStyleLst>
+        <a:solidFill>
+          <a:schemeClr val="phClr"/>
+        </a:solidFill>
+        <a:gradFill rotWithShape="1">
+          <a:gsLst>
+            <a:gs pos="0">
+              <a:schemeClr val="phClr">
+                <a:lumMod val="110000"/>
+                <a:satMod val="105000"/>
+                <a:tint val="67000"/>
+              </a:schemeClr>
+            </a:gs>
+            <a:gs pos="50000">
+              <a:schemeClr val="phClr">
+                <a:lumMod val="105000"/>
+                <a:satMod val="103000"/>
+                <a:tint val="73000"/>
+              </a:schemeClr>
+            </a:gs>
+            <a:gs pos="100000">
+              <a:schemeClr val="phClr">
+                <a:lumMod val="105000"/>
+                <a:satMod val="109000"/>
+                <a:tint val="81000"/>
+              </a:schemeClr>
+            </a:gs>
+          </a:gsLst>
+          <a:lin ang="5400000" scaled="0"/>
+        </a:gradFill>
+        <a:gradFill rotWithShape="1">
+          <a:gsLst>
+            <a:gs pos="0">
+              <a:schemeClr val="phClr">
+                <a:satMod val="103000"/>
+                <a:lumMod val="102000"/>
+                <a:tint val="94000"/>
+              </a:schemeClr>
+            </a:gs>
+            <a:gs pos="50000">
+              <a:schemeClr val="phClr">
+                <a:satMod val="110000"/>
+                <a:lumMod val="100000"/>
+                <a:shade val="100000"/>
+              </a:schemeClr>
+            </a:gs>
+            <a:gs pos="100000">
+              <a:schemeClr val="phClr">
+                <a:lumMod val="99000"/>
+                <a:satMod val="120000"/>
+                <a:shade val="78000"/>
+              </a:schemeClr>
+            </a:gs>
+          </a:gsLst>
+          <a:lin ang="5400000" scaled="0"/>
+        </a:gradFill>
+      </a:fillStyleLst>
+      <a:lnStyleLst>
+        <a:ln w="6350" cap="flat" cmpd="sng" algn="ctr">
+          <a:solidFill>
+            <a:schemeClr val="phClr"/>
+          </a:solidFill>
+          <a:prstDash val="solid"/>
+          <a:miter lim="800000"/>
+        </a:ln>
+        <a:ln w="12700" cap="flat" cmpd="sng" algn="ctr">
+          <a:solidFill>
+            <a:schemeClr val="phClr"/>
+          </a:solidFill>
+          <a:prstDash val="solid"/>
+          <a:miter lim="800000"/>
+        </a:ln>
+        <a:ln w="19050" cap="flat" cmpd="sng" algn="ctr">
+          <a:solidFill>
+            <a:schemeClr val="phClr"/>
+          </a:solidFill>
+          <a:prstDash val="solid"/>
+          <a:miter lim="800000"/>
+        </a:ln>
+      </a:lnStyleLst>
+      <a:effectStyleLst>
+        <a:effectStyle>
+          <a:effectLst/>
+        </a:effectStyle>
+        <a:effectStyle>
+          <a:effectLst/>
+        </a:effectStyle>
+        <a:effectStyle>
+          <a:effectLst>
+            <a:outerShdw blurRad="57150" dist="19050" dir="5400000" algn="ctr" rotWithShape="0">
+              <a:srgbClr val="000000">
+                <a:alpha val="63000"/>
+              </a:srgbClr>
+            </a:outerShdw>
+          </a:effectLst>
+        </a:effectStyle>
+      </a:effectStyleLst>
+      <a:bgFillStyleLst>
+        <a:solidFill>
+          <a:schemeClr val="phClr"/>
+        </a:solidFill>
+        <a:solidFill>
+          <a:schemeClr val="phClr">
+            <a:tint val="95000"/>
+            <a:satMod val="170000"/>
+          </a:schemeClr>
+        </a:solidFill>
+        <a:gradFill rotWithShape="1">
+          <a:gsLst>
+            <a:gs pos="0">
+              <a:schemeClr val="phClr">
+                <a:tint val="93000"/>
+                <a:satMod val="150000"/>
+                <a:shade val="98000"/>
+                <a:lumMod val="102000"/>
+              </a:schemeClr>
+            </a:gs>
+            <a:gs pos="50000">
+              <a:schemeClr val="phClr">
+                <a:tint val="98000"/>
+                <a:satMod val="130000"/>
+                <a:shade val="90000"/>
+                <a:lumMod val="103000"/>
+              </a:schemeClr>
+            </a:gs>
+            <a:gs pos="100000">
+              <a:schemeClr val="phClr">
+                <a:shade val="63000"/>
+                <a:satMod val="120000"/>
+              </a:schemeClr>
+            </a:gs>
+          </a:gsLst>
+          <a:lin ang="5400000" scaled="0"/>
+        </a:gradFill>
+      </a:bgFillStyleLst>
+    </a:fmtScheme>
+  </a:themeElements>
+  <a:objectDefaults/>
+  <a:extraClrSchemeLst/>
+  <a:extLst>
+    <a:ext uri="{05A4C25C-085E-4340-85A3-A5531E510DB2}">
+      <thm15:themeFamily xmlns:thm15="http://schemas.microsoft.com/office/thememl/2012/main" name="Office Theme" id="{62F939B6-93AF-4DB8-9C6B-D6C7DFDC589F}" vid="{4A3C46E8-61CC-4603-A589-7422A47A8E4A}"/>
+    </a:ext>
+  </a:extLst>
+</a:theme>
 </file>